--- a/docs/deployment_guide/images/architecture_diagram.pptx
+++ b/docs/deployment_guide/images/architecture_diagram.pptx
@@ -104,6 +104,11 @@
       </a:defRPr>
     </a:lvl9pPr>
   </p:defaultTextStyle>
+  <p:extLst>
+    <p:ext uri="{EFAFB233-063F-42B5-8137-9DF3F51BA10A}">
+      <p15:sldGuideLst xmlns:p15="http://schemas.microsoft.com/office/powerpoint/2012/main"/>
+    </p:ext>
+  </p:extLst>
 </p:presentation>
 </file>
 
@@ -254,7 +259,7 @@
           <a:p>
             <a:fld id="{750E135F-4414-4FD1-807A-B7DF781150A9}" type="datetimeFigureOut">
               <a:rPr lang="en-US" smtClean="0"/>
-              <a:t>2022-03-22</a:t>
+              <a:t>2022-03-30</a:t>
             </a:fld>
             <a:endParaRPr lang="en-US"/>
           </a:p>
@@ -452,7 +457,7 @@
           <a:p>
             <a:fld id="{750E135F-4414-4FD1-807A-B7DF781150A9}" type="datetimeFigureOut">
               <a:rPr lang="en-US" smtClean="0"/>
-              <a:t>2022-03-22</a:t>
+              <a:t>2022-03-30</a:t>
             </a:fld>
             <a:endParaRPr lang="en-US"/>
           </a:p>
@@ -660,7 +665,7 @@
           <a:p>
             <a:fld id="{750E135F-4414-4FD1-807A-B7DF781150A9}" type="datetimeFigureOut">
               <a:rPr lang="en-US" smtClean="0"/>
-              <a:t>2022-03-22</a:t>
+              <a:t>2022-03-30</a:t>
             </a:fld>
             <a:endParaRPr lang="en-US"/>
           </a:p>
@@ -858,7 +863,7 @@
           <a:p>
             <a:fld id="{750E135F-4414-4FD1-807A-B7DF781150A9}" type="datetimeFigureOut">
               <a:rPr lang="en-US" smtClean="0"/>
-              <a:t>2022-03-22</a:t>
+              <a:t>2022-03-30</a:t>
             </a:fld>
             <a:endParaRPr lang="en-US"/>
           </a:p>
@@ -1133,7 +1138,7 @@
           <a:p>
             <a:fld id="{750E135F-4414-4FD1-807A-B7DF781150A9}" type="datetimeFigureOut">
               <a:rPr lang="en-US" smtClean="0"/>
-              <a:t>2022-03-22</a:t>
+              <a:t>2022-03-30</a:t>
             </a:fld>
             <a:endParaRPr lang="en-US"/>
           </a:p>
@@ -1398,7 +1403,7 @@
           <a:p>
             <a:fld id="{750E135F-4414-4FD1-807A-B7DF781150A9}" type="datetimeFigureOut">
               <a:rPr lang="en-US" smtClean="0"/>
-              <a:t>2022-03-22</a:t>
+              <a:t>2022-03-30</a:t>
             </a:fld>
             <a:endParaRPr lang="en-US"/>
           </a:p>
@@ -1810,7 +1815,7 @@
           <a:p>
             <a:fld id="{750E135F-4414-4FD1-807A-B7DF781150A9}" type="datetimeFigureOut">
               <a:rPr lang="en-US" smtClean="0"/>
-              <a:t>2022-03-22</a:t>
+              <a:t>2022-03-30</a:t>
             </a:fld>
             <a:endParaRPr lang="en-US"/>
           </a:p>
@@ -1951,7 +1956,7 @@
           <a:p>
             <a:fld id="{750E135F-4414-4FD1-807A-B7DF781150A9}" type="datetimeFigureOut">
               <a:rPr lang="en-US" smtClean="0"/>
-              <a:t>2022-03-22</a:t>
+              <a:t>2022-03-30</a:t>
             </a:fld>
             <a:endParaRPr lang="en-US"/>
           </a:p>
@@ -2064,7 +2069,7 @@
           <a:p>
             <a:fld id="{750E135F-4414-4FD1-807A-B7DF781150A9}" type="datetimeFigureOut">
               <a:rPr lang="en-US" smtClean="0"/>
-              <a:t>2022-03-22</a:t>
+              <a:t>2022-03-30</a:t>
             </a:fld>
             <a:endParaRPr lang="en-US"/>
           </a:p>
@@ -2375,7 +2380,7 @@
           <a:p>
             <a:fld id="{750E135F-4414-4FD1-807A-B7DF781150A9}" type="datetimeFigureOut">
               <a:rPr lang="en-US" smtClean="0"/>
-              <a:t>2022-03-22</a:t>
+              <a:t>2022-03-30</a:t>
             </a:fld>
             <a:endParaRPr lang="en-US"/>
           </a:p>
@@ -2663,7 +2668,7 @@
           <a:p>
             <a:fld id="{750E135F-4414-4FD1-807A-B7DF781150A9}" type="datetimeFigureOut">
               <a:rPr lang="en-US" smtClean="0"/>
-              <a:t>2022-03-22</a:t>
+              <a:t>2022-03-30</a:t>
             </a:fld>
             <a:endParaRPr lang="en-US"/>
           </a:p>
@@ -2904,7 +2909,7 @@
           <a:p>
             <a:fld id="{750E135F-4414-4FD1-807A-B7DF781150A9}" type="datetimeFigureOut">
               <a:rPr lang="en-US" smtClean="0"/>
-              <a:t>2022-03-22</a:t>
+              <a:t>2022-03-30</a:t>
             </a:fld>
             <a:endParaRPr lang="en-US"/>
           </a:p>
@@ -3321,31 +3326,70 @@
           <a:chExt cx="0" cy="0"/>
         </a:xfrm>
       </p:grpSpPr>
-      <p:sp>
-        <p:nvSpPr>
-          <p:cNvPr id="4" name="Rectangle 3">
-            <a:extLst>
-              <a:ext uri="{FF2B5EF4-FFF2-40B4-BE49-F238E27FC236}">
-                <a16:creationId xmlns:a16="http://schemas.microsoft.com/office/drawing/2014/main" id="{E56B7582-6FCF-42F5-AD13-D6DC8FC3CFE0}"/>
-              </a:ext>
-            </a:extLst>
-          </p:cNvPr>
-          <p:cNvSpPr/>
+      <p:pic>
+        <p:nvPicPr>
+          <p:cNvPr id="152" name="Picture 151">
+            <a:extLst>
+              <a:ext uri="{FF2B5EF4-FFF2-40B4-BE49-F238E27FC236}">
+                <a16:creationId xmlns:a16="http://schemas.microsoft.com/office/drawing/2014/main" id="{FAC6089E-5E39-4FC2-963E-1FD49EBBCC39}"/>
+              </a:ext>
+            </a:extLst>
+          </p:cNvPr>
+          <p:cNvPicPr>
+            <a:picLocks noChangeAspect="1"/>
+          </p:cNvPicPr>
           <p:nvPr/>
-        </p:nvSpPr>
+        </p:nvPicPr>
+        <p:blipFill>
+          <a:blip r:embed="rId2">
+            <a:extLst>
+              <a:ext uri="{28A0092B-C50C-407E-A947-70E740481C1C}">
+                <a14:useLocalDpi xmlns:a14="http://schemas.microsoft.com/office/drawing/2010/main" val="0"/>
+              </a:ext>
+            </a:extLst>
+          </a:blip>
+          <a:stretch>
+            <a:fillRect/>
+          </a:stretch>
+        </p:blipFill>
         <p:spPr>
           <a:xfrm>
-            <a:off x="381000" y="465138"/>
-            <a:ext cx="11430000" cy="5927723"/>
+            <a:off x="366252" y="5379568"/>
+            <a:ext cx="1058305" cy="758952"/>
           </a:xfrm>
           <a:prstGeom prst="rect">
             <a:avLst/>
           </a:prstGeom>
-          <a:noFill/>
+        </p:spPr>
+      </p:pic>
+      <p:sp>
+        <p:nvSpPr>
+          <p:cNvPr id="71" name="Rectangle 70">
+            <a:extLst>
+              <a:ext uri="{FF2B5EF4-FFF2-40B4-BE49-F238E27FC236}">
+                <a16:creationId xmlns:a16="http://schemas.microsoft.com/office/drawing/2014/main" id="{48D6E6C0-D0A5-4EFA-B875-4DABC97D1D6B}"/>
+              </a:ext>
+            </a:extLst>
+          </p:cNvPr>
+          <p:cNvSpPr/>
+          <p:nvPr/>
+        </p:nvSpPr>
+        <p:spPr>
+          <a:xfrm>
+            <a:off x="3892731" y="4013917"/>
+            <a:ext cx="7561123" cy="2096660"/>
+          </a:xfrm>
+          <a:prstGeom prst="rect">
+            <a:avLst/>
+          </a:prstGeom>
+          <a:solidFill>
+            <a:srgbClr val="007CBC">
+              <a:alpha val="9804"/>
+            </a:srgbClr>
+          </a:solidFill>
           <a:ln w="12700">
-            <a:solidFill>
-              <a:schemeClr val="tx1"/>
-            </a:solidFill>
+            <a:noFill/>
+            <a:prstDash val="dash"/>
           </a:ln>
         </p:spPr>
         <p:style>
@@ -3365,7 +3409,7 @@
           </a:fontRef>
         </p:style>
         <p:txBody>
-          <a:bodyPr lIns="502920" tIns="91440"/>
+          <a:bodyPr lIns="502920"/>
           <a:lstStyle/>
           <a:p>
             <a:pPr eaLnBrk="1" fontAlgn="auto" hangingPunct="1">
@@ -3380,298 +3424,41 @@
             <a:r>
               <a:rPr lang="en-US" sz="1200" dirty="0">
                 <a:solidFill>
-                  <a:sysClr val="windowText" lastClr="000000"/>
+                  <a:srgbClr val="5B9CD5"/>
                 </a:solidFill>
                 <a:latin typeface="Arial" panose="020B0604020202020204" pitchFamily="34" charset="0"/>
                 <a:cs typeface="Arial" panose="020B0604020202020204" pitchFamily="34" charset="0"/>
               </a:rPr>
-              <a:t>AWS Cloud</a:t>
+              <a:t>Private subnet</a:t>
             </a:r>
           </a:p>
         </p:txBody>
       </p:sp>
-      <p:pic>
-        <p:nvPicPr>
-          <p:cNvPr id="5" name="Graphic 4">
-            <a:extLst>
-              <a:ext uri="{FF2B5EF4-FFF2-40B4-BE49-F238E27FC236}">
-                <a16:creationId xmlns:a16="http://schemas.microsoft.com/office/drawing/2014/main" id="{6C923477-9FF4-40A2-BC02-A8C07680902B}"/>
-              </a:ext>
-            </a:extLst>
-          </p:cNvPr>
-          <p:cNvPicPr>
-            <a:picLocks noChangeAspect="1"/>
-          </p:cNvPicPr>
+      <p:sp>
+        <p:nvSpPr>
+          <p:cNvPr id="4" name="Rectangle 3">
+            <a:extLst>
+              <a:ext uri="{FF2B5EF4-FFF2-40B4-BE49-F238E27FC236}">
+                <a16:creationId xmlns:a16="http://schemas.microsoft.com/office/drawing/2014/main" id="{E56B7582-6FCF-42F5-AD13-D6DC8FC3CFE0}"/>
+              </a:ext>
+            </a:extLst>
+          </p:cNvPr>
+          <p:cNvSpPr/>
           <p:nvPr/>
-        </p:nvPicPr>
-        <p:blipFill>
-          <a:blip r:embed="rId2">
-            <a:extLst>
-              <a:ext uri="{96DAC541-7B7A-43D3-8B79-37D633B846F1}">
-                <asvg:svgBlip xmlns:asvg="http://schemas.microsoft.com/office/drawing/2016/SVG/main" r:embed="rId3"/>
-              </a:ext>
-            </a:extLst>
-          </a:blip>
-          <a:srcRect/>
-          <a:stretch/>
-        </p:blipFill>
+        </p:nvSpPr>
         <p:spPr>
           <a:xfrm>
-            <a:off x="381000" y="465138"/>
-            <a:ext cx="381000" cy="381000"/>
-          </a:xfrm>
-          <a:prstGeom prst="rect">
-            <a:avLst/>
-          </a:prstGeom>
-        </p:spPr>
-      </p:pic>
-      <p:pic>
-        <p:nvPicPr>
-          <p:cNvPr id="6" name="Graphic 23">
-            <a:extLst>
-              <a:ext uri="{FF2B5EF4-FFF2-40B4-BE49-F238E27FC236}">
-                <a16:creationId xmlns:a16="http://schemas.microsoft.com/office/drawing/2014/main" id="{B0BABE4D-A471-4C14-B2EC-12A2E676B5EB}"/>
-              </a:ext>
-            </a:extLst>
-          </p:cNvPr>
-          <p:cNvPicPr>
-            <a:picLocks noChangeAspect="1" noChangeArrowheads="1"/>
-          </p:cNvPicPr>
-          <p:nvPr/>
-        </p:nvPicPr>
-        <p:blipFill>
-          <a:blip r:embed="rId4">
-            <a:extLst>
-              <a:ext uri="{96DAC541-7B7A-43D3-8B79-37D633B846F1}">
-                <asvg:svgBlip xmlns:asvg="http://schemas.microsoft.com/office/drawing/2016/SVG/main" r:embed="rId5"/>
-              </a:ext>
-            </a:extLst>
-          </a:blip>
-          <a:srcRect/>
-          <a:stretch/>
-        </p:blipFill>
-        <p:spPr bwMode="auto">
-          <a:xfrm flipH="1">
-            <a:off x="996950" y="1974463"/>
-            <a:ext cx="469900" cy="469900"/>
+            <a:off x="1738866" y="465138"/>
+            <a:ext cx="10072134" cy="5927723"/>
           </a:xfrm>
           <a:prstGeom prst="rect">
             <a:avLst/>
           </a:prstGeom>
           <a:noFill/>
-          <a:ln>
-            <a:noFill/>
-          </a:ln>
-          <a:extLst>
-            <a:ext uri="{909E8E84-426E-40DD-AFC4-6F175D3DCCD1}">
-              <a14:hiddenFill xmlns:a14="http://schemas.microsoft.com/office/drawing/2010/main">
-                <a:solidFill>
-                  <a:srgbClr val="FFFFFF"/>
-                </a:solidFill>
-              </a14:hiddenFill>
-            </a:ext>
-            <a:ext uri="{91240B29-F687-4F45-9708-019B960494DF}">
-              <a14:hiddenLine xmlns:a14="http://schemas.microsoft.com/office/drawing/2010/main" w="9525">
-                <a:solidFill>
-                  <a:srgbClr val="000000"/>
-                </a:solidFill>
-                <a:miter lim="800000"/>
-                <a:headEnd/>
-                <a:tailEnd/>
-              </a14:hiddenLine>
-            </a:ext>
-          </a:extLst>
-        </p:spPr>
-      </p:pic>
-      <p:sp>
-        <p:nvSpPr>
-          <p:cNvPr id="7" name="TextBox 40">
-            <a:extLst>
-              <a:ext uri="{FF2B5EF4-FFF2-40B4-BE49-F238E27FC236}">
-                <a16:creationId xmlns:a16="http://schemas.microsoft.com/office/drawing/2014/main" id="{0AE4A5AF-5ABA-4ABE-9CC1-14CD2B1FF39E}"/>
-              </a:ext>
-            </a:extLst>
-          </p:cNvPr>
-          <p:cNvSpPr txBox="1">
-            <a:spLocks noChangeArrowheads="1"/>
-          </p:cNvSpPr>
-          <p:nvPr/>
-        </p:nvSpPr>
-        <p:spPr bwMode="auto">
-          <a:xfrm>
-            <a:off x="692149" y="2479271"/>
-            <a:ext cx="1073150" cy="261610"/>
-          </a:xfrm>
-          <a:prstGeom prst="rect">
-            <a:avLst/>
-          </a:prstGeom>
-          <a:noFill/>
-          <a:ln>
-            <a:noFill/>
-          </a:ln>
-          <a:extLst>
-            <a:ext uri="{909E8E84-426E-40DD-AFC4-6F175D3DCCD1}">
-              <a14:hiddenFill xmlns:a14="http://schemas.microsoft.com/office/drawing/2010/main">
-                <a:solidFill>
-                  <a:srgbClr val="FFFFFF"/>
-                </a:solidFill>
-              </a14:hiddenFill>
-            </a:ext>
-            <a:ext uri="{91240B29-F687-4F45-9708-019B960494DF}">
-              <a14:hiddenLine xmlns:a14="http://schemas.microsoft.com/office/drawing/2010/main" w="9525">
-                <a:solidFill>
-                  <a:srgbClr val="000000"/>
-                </a:solidFill>
-                <a:miter lim="800000"/>
-                <a:headEnd/>
-                <a:tailEnd/>
-              </a14:hiddenLine>
-            </a:ext>
-          </a:extLst>
-        </p:spPr>
-        <p:txBody>
-          <a:bodyPr>
-            <a:spAutoFit/>
-          </a:bodyPr>
-          <a:lstStyle>
-            <a:lvl1pPr>
-              <a:defRPr>
-                <a:solidFill>
-                  <a:schemeClr val="tx1"/>
-                </a:solidFill>
-                <a:latin typeface="Calibri" panose="020F0502020204030204" pitchFamily="34" charset="0"/>
-              </a:defRPr>
-            </a:lvl1pPr>
-            <a:lvl2pPr marL="742950" indent="-285750">
-              <a:defRPr>
-                <a:solidFill>
-                  <a:schemeClr val="tx1"/>
-                </a:solidFill>
-                <a:latin typeface="Calibri" panose="020F0502020204030204" pitchFamily="34" charset="0"/>
-              </a:defRPr>
-            </a:lvl2pPr>
-            <a:lvl3pPr marL="1143000" indent="-228600">
-              <a:defRPr>
-                <a:solidFill>
-                  <a:schemeClr val="tx1"/>
-                </a:solidFill>
-                <a:latin typeface="Calibri" panose="020F0502020204030204" pitchFamily="34" charset="0"/>
-              </a:defRPr>
-            </a:lvl3pPr>
-            <a:lvl4pPr marL="1600200" indent="-228600">
-              <a:defRPr>
-                <a:solidFill>
-                  <a:schemeClr val="tx1"/>
-                </a:solidFill>
-                <a:latin typeface="Calibri" panose="020F0502020204030204" pitchFamily="34" charset="0"/>
-              </a:defRPr>
-            </a:lvl4pPr>
-            <a:lvl5pPr marL="2057400" indent="-228600">
-              <a:defRPr>
-                <a:solidFill>
-                  <a:schemeClr val="tx1"/>
-                </a:solidFill>
-                <a:latin typeface="Calibri" panose="020F0502020204030204" pitchFamily="34" charset="0"/>
-              </a:defRPr>
-            </a:lvl5pPr>
-            <a:lvl6pPr marL="2514600" indent="-228600" eaLnBrk="0" fontAlgn="base" hangingPunct="0">
-              <a:spcBef>
-                <a:spcPct val="0"/>
-              </a:spcBef>
-              <a:spcAft>
-                <a:spcPct val="0"/>
-              </a:spcAft>
-              <a:defRPr>
-                <a:solidFill>
-                  <a:schemeClr val="tx1"/>
-                </a:solidFill>
-                <a:latin typeface="Calibri" panose="020F0502020204030204" pitchFamily="34" charset="0"/>
-              </a:defRPr>
-            </a:lvl6pPr>
-            <a:lvl7pPr marL="2971800" indent="-228600" eaLnBrk="0" fontAlgn="base" hangingPunct="0">
-              <a:spcBef>
-                <a:spcPct val="0"/>
-              </a:spcBef>
-              <a:spcAft>
-                <a:spcPct val="0"/>
-              </a:spcAft>
-              <a:defRPr>
-                <a:solidFill>
-                  <a:schemeClr val="tx1"/>
-                </a:solidFill>
-                <a:latin typeface="Calibri" panose="020F0502020204030204" pitchFamily="34" charset="0"/>
-              </a:defRPr>
-            </a:lvl7pPr>
-            <a:lvl8pPr marL="3429000" indent="-228600" eaLnBrk="0" fontAlgn="base" hangingPunct="0">
-              <a:spcBef>
-                <a:spcPct val="0"/>
-              </a:spcBef>
-              <a:spcAft>
-                <a:spcPct val="0"/>
-              </a:spcAft>
-              <a:defRPr>
-                <a:solidFill>
-                  <a:schemeClr val="tx1"/>
-                </a:solidFill>
-                <a:latin typeface="Calibri" panose="020F0502020204030204" pitchFamily="34" charset="0"/>
-              </a:defRPr>
-            </a:lvl8pPr>
-            <a:lvl9pPr marL="3886200" indent="-228600" eaLnBrk="0" fontAlgn="base" hangingPunct="0">
-              <a:spcBef>
-                <a:spcPct val="0"/>
-              </a:spcBef>
-              <a:spcAft>
-                <a:spcPct val="0"/>
-              </a:spcAft>
-              <a:defRPr>
-                <a:solidFill>
-                  <a:schemeClr val="tx1"/>
-                </a:solidFill>
-                <a:latin typeface="Calibri" panose="020F0502020204030204" pitchFamily="34" charset="0"/>
-              </a:defRPr>
-            </a:lvl9pPr>
-          </a:lstStyle>
-          <a:p>
-            <a:pPr algn="ctr" eaLnBrk="1" hangingPunct="1"/>
-            <a:r>
-              <a:rPr lang="en-US" altLang="en-US" sz="1100" dirty="0">
-                <a:solidFill>
-                  <a:srgbClr val="000000"/>
-                </a:solidFill>
-                <a:latin typeface="Arial" panose="020B0604020202020204" pitchFamily="34" charset="0"/>
-                <a:cs typeface="Arial" panose="020B0604020202020204" pitchFamily="34" charset="0"/>
-              </a:rPr>
-              <a:t>Users</a:t>
-            </a:r>
-          </a:p>
-        </p:txBody>
-      </p:sp>
-      <p:sp>
-        <p:nvSpPr>
-          <p:cNvPr id="8" name="Rectangle 7">
-            <a:extLst>
-              <a:ext uri="{FF2B5EF4-FFF2-40B4-BE49-F238E27FC236}">
-                <a16:creationId xmlns:a16="http://schemas.microsoft.com/office/drawing/2014/main" id="{EA18CEAF-5192-4868-8748-0069BF27B205}"/>
-              </a:ext>
-            </a:extLst>
-          </p:cNvPr>
-          <p:cNvSpPr/>
-          <p:nvPr/>
-        </p:nvSpPr>
-        <p:spPr>
-          <a:xfrm>
-            <a:off x="2082800" y="673100"/>
-            <a:ext cx="1689100" cy="3072627"/>
-          </a:xfrm>
-          <a:prstGeom prst="rect">
-            <a:avLst/>
-          </a:prstGeom>
-          <a:noFill/>
-          <a:ln>
+          <a:ln w="12700">
             <a:solidFill>
               <a:schemeClr val="tx1"/>
             </a:solidFill>
-            <a:prstDash val="dash"/>
           </a:ln>
         </p:spPr>
         <p:style>
@@ -3691,20 +3478,142 @@
           </a:fontRef>
         </p:style>
         <p:txBody>
-          <a:bodyPr rtlCol="0" anchor="ctr"/>
+          <a:bodyPr lIns="502920" tIns="91440"/>
           <a:lstStyle/>
           <a:p>
-            <a:pPr algn="ctr"/>
-            <a:endParaRPr lang="en-US"/>
+            <a:pPr eaLnBrk="1" fontAlgn="auto" hangingPunct="1">
+              <a:spcBef>
+                <a:spcPts val="0"/>
+              </a:spcBef>
+              <a:spcAft>
+                <a:spcPts val="0"/>
+              </a:spcAft>
+              <a:defRPr/>
+            </a:pPr>
+            <a:r>
+              <a:rPr lang="en-US" sz="1200" dirty="0">
+                <a:solidFill>
+                  <a:sysClr val="windowText" lastClr="000000"/>
+                </a:solidFill>
+                <a:latin typeface="Arial" panose="020B0604020202020204" pitchFamily="34" charset="0"/>
+                <a:cs typeface="Arial" panose="020B0604020202020204" pitchFamily="34" charset="0"/>
+              </a:rPr>
+              <a:t>AWS Cloud</a:t>
+            </a:r>
+          </a:p>
+        </p:txBody>
+      </p:sp>
+      <p:sp>
+        <p:nvSpPr>
+          <p:cNvPr id="54" name="Rectangle 53">
+            <a:extLst>
+              <a:ext uri="{FF2B5EF4-FFF2-40B4-BE49-F238E27FC236}">
+                <a16:creationId xmlns:a16="http://schemas.microsoft.com/office/drawing/2014/main" id="{B222DE5D-C035-4094-BF47-2B81A090E933}"/>
+              </a:ext>
+            </a:extLst>
+          </p:cNvPr>
+          <p:cNvSpPr/>
+          <p:nvPr/>
+        </p:nvSpPr>
+        <p:spPr>
+          <a:xfrm>
+            <a:off x="1908142" y="3563550"/>
+            <a:ext cx="9709947" cy="2687622"/>
+          </a:xfrm>
+          <a:prstGeom prst="rect">
+            <a:avLst/>
+          </a:prstGeom>
+          <a:noFill/>
+          <a:ln w="12700">
+            <a:solidFill>
+              <a:srgbClr val="1E8900"/>
+            </a:solidFill>
+          </a:ln>
+        </p:spPr>
+        <p:style>
+          <a:lnRef idx="2">
+            <a:schemeClr val="accent1">
+              <a:shade val="50000"/>
+            </a:schemeClr>
+          </a:lnRef>
+          <a:fillRef idx="1">
+            <a:schemeClr val="accent1"/>
+          </a:fillRef>
+          <a:effectRef idx="0">
+            <a:schemeClr val="accent1"/>
+          </a:effectRef>
+          <a:fontRef idx="minor">
+            <a:schemeClr val="lt1"/>
+          </a:fontRef>
+        </p:style>
+        <p:txBody>
+          <a:bodyPr lIns="502920" tIns="91440"/>
+          <a:lstStyle/>
+          <a:p>
+            <a:pPr eaLnBrk="1" fontAlgn="auto" hangingPunct="1">
+              <a:spcBef>
+                <a:spcPts val="0"/>
+              </a:spcBef>
+              <a:spcAft>
+                <a:spcPts val="0"/>
+              </a:spcAft>
+              <a:defRPr/>
+            </a:pPr>
+            <a:r>
+              <a:rPr lang="en-US" sz="1200" dirty="0">
+                <a:ln w="0"/>
+                <a:solidFill>
+                  <a:srgbClr val="1E8900"/>
+                </a:solidFill>
+                <a:latin typeface="Arial" panose="020B0604020202020204" pitchFamily="34" charset="0"/>
+                <a:cs typeface="Arial" panose="020B0604020202020204" pitchFamily="34" charset="0"/>
+              </a:rPr>
+              <a:t>VPC</a:t>
+            </a:r>
           </a:p>
         </p:txBody>
       </p:sp>
       <p:pic>
         <p:nvPicPr>
-          <p:cNvPr id="9" name="Graphic 21">
-            <a:extLst>
-              <a:ext uri="{FF2B5EF4-FFF2-40B4-BE49-F238E27FC236}">
-                <a16:creationId xmlns:a16="http://schemas.microsoft.com/office/drawing/2014/main" id="{C8264DD9-FCF3-4B05-B1D1-B71EF8120E1A}"/>
+          <p:cNvPr id="5" name="Graphic 4">
+            <a:extLst>
+              <a:ext uri="{FF2B5EF4-FFF2-40B4-BE49-F238E27FC236}">
+                <a16:creationId xmlns:a16="http://schemas.microsoft.com/office/drawing/2014/main" id="{6C923477-9FF4-40A2-BC02-A8C07680902B}"/>
+              </a:ext>
+            </a:extLst>
+          </p:cNvPr>
+          <p:cNvPicPr>
+            <a:picLocks noChangeAspect="1"/>
+          </p:cNvPicPr>
+          <p:nvPr/>
+        </p:nvPicPr>
+        <p:blipFill>
+          <a:blip r:embed="rId3">
+            <a:extLst>
+              <a:ext uri="{96DAC541-7B7A-43D3-8B79-37D633B846F1}">
+                <asvg:svgBlip xmlns:asvg="http://schemas.microsoft.com/office/drawing/2016/SVG/main" r:embed="rId4"/>
+              </a:ext>
+            </a:extLst>
+          </a:blip>
+          <a:srcRect/>
+          <a:stretch/>
+        </p:blipFill>
+        <p:spPr>
+          <a:xfrm>
+            <a:off x="1738866" y="465138"/>
+            <a:ext cx="381000" cy="381000"/>
+          </a:xfrm>
+          <a:prstGeom prst="rect">
+            <a:avLst/>
+          </a:prstGeom>
+        </p:spPr>
+      </p:pic>
+      <p:pic>
+        <p:nvPicPr>
+          <p:cNvPr id="6" name="Graphic 23">
+            <a:extLst>
+              <a:ext uri="{FF2B5EF4-FFF2-40B4-BE49-F238E27FC236}">
+                <a16:creationId xmlns:a16="http://schemas.microsoft.com/office/drawing/2014/main" id="{B0BABE4D-A471-4C14-B2EC-12A2E676B5EB}"/>
               </a:ext>
             </a:extLst>
           </p:cNvPr>
@@ -3714,22 +3623,20 @@
           <p:nvPr/>
         </p:nvPicPr>
         <p:blipFill>
-          <a:blip r:embed="rId6">
-            <a:extLst>
-              <a:ext uri="{28A0092B-C50C-407E-A947-70E740481C1C}">
-                <a14:useLocalDpi xmlns:a14="http://schemas.microsoft.com/office/drawing/2010/main" val="0"/>
+          <a:blip r:embed="rId5">
+            <a:extLst>
+              <a:ext uri="{96DAC541-7B7A-43D3-8B79-37D633B846F1}">
+                <asvg:svgBlip xmlns:asvg="http://schemas.microsoft.com/office/drawing/2016/SVG/main" r:embed="rId6"/>
               </a:ext>
             </a:extLst>
           </a:blip>
           <a:srcRect/>
-          <a:stretch>
-            <a:fillRect/>
-          </a:stretch>
+          <a:stretch/>
         </p:blipFill>
         <p:spPr bwMode="auto">
-          <a:xfrm>
-            <a:off x="2528887" y="1057275"/>
-            <a:ext cx="762000" cy="762000"/>
+          <a:xfrm flipH="1">
+            <a:off x="516450" y="1743264"/>
+            <a:ext cx="758952" cy="758952"/>
           </a:xfrm>
           <a:prstGeom prst="rect">
             <a:avLst/>
@@ -3761,10 +3668,10 @@
       </p:pic>
       <p:sp>
         <p:nvSpPr>
-          <p:cNvPr id="10" name="TextBox 12">
-            <a:extLst>
-              <a:ext uri="{FF2B5EF4-FFF2-40B4-BE49-F238E27FC236}">
-                <a16:creationId xmlns:a16="http://schemas.microsoft.com/office/drawing/2014/main" id="{09608F36-B811-4678-9B2E-C1DBF3CB8E7B}"/>
+          <p:cNvPr id="7" name="TextBox 40">
+            <a:extLst>
+              <a:ext uri="{FF2B5EF4-FFF2-40B4-BE49-F238E27FC236}">
+                <a16:creationId xmlns:a16="http://schemas.microsoft.com/office/drawing/2014/main" id="{0AE4A5AF-5ABA-4ABE-9CC1-14CD2B1FF39E}"/>
               </a:ext>
             </a:extLst>
           </p:cNvPr>
@@ -3775,8 +3682,8 @@
         </p:nvSpPr>
         <p:spPr bwMode="auto">
           <a:xfrm>
-            <a:off x="1781175" y="1819275"/>
-            <a:ext cx="2279650" cy="276999"/>
+            <a:off x="358830" y="2481549"/>
+            <a:ext cx="1073150" cy="261610"/>
           </a:xfrm>
           <a:prstGeom prst="rect">
             <a:avLst/>
@@ -3910,22 +3817,24 @@
           <a:p>
             <a:pPr algn="ctr" eaLnBrk="1" hangingPunct="1"/>
             <a:r>
-              <a:rPr lang="en-US" altLang="en-US" sz="1200" dirty="0">
+              <a:rPr lang="en-US" altLang="en-US" sz="1100" dirty="0">
+                <a:solidFill>
+                  <a:srgbClr val="000000"/>
+                </a:solidFill>
                 <a:latin typeface="Arial" panose="020B0604020202020204" pitchFamily="34" charset="0"/>
-                <a:ea typeface="Amazon Ember" panose="020B0603020204020204" pitchFamily="34" charset="0"/>
                 <a:cs typeface="Arial" panose="020B0604020202020204" pitchFamily="34" charset="0"/>
               </a:rPr>
-              <a:t>AWS CodeCommit</a:t>
+              <a:t>Users</a:t>
             </a:r>
           </a:p>
         </p:txBody>
       </p:sp>
       <p:pic>
         <p:nvPicPr>
-          <p:cNvPr id="11" name="Graphic 17">
-            <a:extLst>
-              <a:ext uri="{FF2B5EF4-FFF2-40B4-BE49-F238E27FC236}">
-                <a16:creationId xmlns:a16="http://schemas.microsoft.com/office/drawing/2014/main" id="{1DA4C9B2-6388-406E-9C49-845FE9E377DD}"/>
+          <p:cNvPr id="9" name="Graphic 21">
+            <a:extLst>
+              <a:ext uri="{FF2B5EF4-FFF2-40B4-BE49-F238E27FC236}">
+                <a16:creationId xmlns:a16="http://schemas.microsoft.com/office/drawing/2014/main" id="{C8264DD9-FCF3-4B05-B1D1-B71EF8120E1A}"/>
               </a:ext>
             </a:extLst>
           </p:cNvPr>
@@ -3949,7 +3858,7 @@
         </p:blipFill>
         <p:spPr bwMode="auto">
           <a:xfrm>
-            <a:off x="2538412" y="2480449"/>
+            <a:off x="2485947" y="1230392"/>
             <a:ext cx="762000" cy="762000"/>
           </a:xfrm>
           <a:prstGeom prst="rect">
@@ -3982,10 +3891,10 @@
       </p:pic>
       <p:sp>
         <p:nvSpPr>
-          <p:cNvPr id="12" name="TextBox 11">
-            <a:extLst>
-              <a:ext uri="{FF2B5EF4-FFF2-40B4-BE49-F238E27FC236}">
-                <a16:creationId xmlns:a16="http://schemas.microsoft.com/office/drawing/2014/main" id="{1A63977B-231E-4CD7-AFA9-E899F4513029}"/>
+          <p:cNvPr id="10" name="TextBox 12">
+            <a:extLst>
+              <a:ext uri="{FF2B5EF4-FFF2-40B4-BE49-F238E27FC236}">
+                <a16:creationId xmlns:a16="http://schemas.microsoft.com/office/drawing/2014/main" id="{09608F36-B811-4678-9B2E-C1DBF3CB8E7B}"/>
               </a:ext>
             </a:extLst>
           </p:cNvPr>
@@ -3996,8 +3905,8 @@
         </p:nvSpPr>
         <p:spPr bwMode="auto">
           <a:xfrm>
-            <a:off x="1781175" y="3242449"/>
-            <a:ext cx="2292350" cy="276999"/>
+            <a:off x="1711815" y="953396"/>
+            <a:ext cx="2279650" cy="276999"/>
           </a:xfrm>
           <a:prstGeom prst="rect">
             <a:avLst/>
@@ -4136,62 +4045,17 @@
                 <a:ea typeface="Amazon Ember" panose="020B0603020204020204" pitchFamily="34" charset="0"/>
                 <a:cs typeface="Arial" panose="020B0604020202020204" pitchFamily="34" charset="0"/>
               </a:rPr>
-              <a:t>AWS Secrets Manager</a:t>
+              <a:t>AWS CodeCommit</a:t>
             </a:r>
           </a:p>
         </p:txBody>
       </p:sp>
-      <p:cxnSp>
-        <p:nvCxnSpPr>
-          <p:cNvPr id="14" name="Straight Arrow Connector 13">
-            <a:extLst>
-              <a:ext uri="{FF2B5EF4-FFF2-40B4-BE49-F238E27FC236}">
-                <a16:creationId xmlns:a16="http://schemas.microsoft.com/office/drawing/2014/main" id="{559183E3-ECFF-41E9-B2B5-6716948E891E}"/>
-              </a:ext>
-            </a:extLst>
-          </p:cNvPr>
-          <p:cNvCxnSpPr>
-            <a:stCxn id="6" idx="1"/>
-            <a:endCxn id="8" idx="1"/>
-          </p:cNvCxnSpPr>
-          <p:nvPr/>
-        </p:nvCxnSpPr>
-        <p:spPr>
-          <a:xfrm>
-            <a:off x="1466850" y="2209413"/>
-            <a:ext cx="615950" cy="1"/>
-          </a:xfrm>
-          <a:prstGeom prst="straightConnector1">
-            <a:avLst/>
-          </a:prstGeom>
-          <a:ln>
-            <a:solidFill>
-              <a:schemeClr val="tx1"/>
-            </a:solidFill>
-            <a:tailEnd type="triangle"/>
-          </a:ln>
-        </p:spPr>
-        <p:style>
-          <a:lnRef idx="1">
-            <a:schemeClr val="accent1"/>
-          </a:lnRef>
-          <a:fillRef idx="0">
-            <a:schemeClr val="accent1"/>
-          </a:fillRef>
-          <a:effectRef idx="0">
-            <a:schemeClr val="accent1"/>
-          </a:effectRef>
-          <a:fontRef idx="minor">
-            <a:schemeClr val="tx1"/>
-          </a:fontRef>
-        </p:style>
-      </p:cxnSp>
       <p:pic>
         <p:nvPicPr>
-          <p:cNvPr id="16" name="Graphic 17">
-            <a:extLst>
-              <a:ext uri="{FF2B5EF4-FFF2-40B4-BE49-F238E27FC236}">
-                <a16:creationId xmlns:a16="http://schemas.microsoft.com/office/drawing/2014/main" id="{9732EA32-6861-4CF5-840C-CEF303FA1AD8}"/>
+          <p:cNvPr id="11" name="Graphic 17">
+            <a:extLst>
+              <a:ext uri="{FF2B5EF4-FFF2-40B4-BE49-F238E27FC236}">
+                <a16:creationId xmlns:a16="http://schemas.microsoft.com/office/drawing/2014/main" id="{1DA4C9B2-6388-406E-9C49-845FE9E377DD}"/>
               </a:ext>
             </a:extLst>
           </p:cNvPr>
@@ -4215,7 +4079,7 @@
         </p:blipFill>
         <p:spPr bwMode="auto">
           <a:xfrm>
-            <a:off x="4711700" y="1057275"/>
+            <a:off x="2489150" y="2386154"/>
             <a:ext cx="762000" cy="762000"/>
           </a:xfrm>
           <a:prstGeom prst="rect">
@@ -4248,10 +4112,10 @@
       </p:pic>
       <p:sp>
         <p:nvSpPr>
-          <p:cNvPr id="17" name="TextBox 9">
-            <a:extLst>
-              <a:ext uri="{FF2B5EF4-FFF2-40B4-BE49-F238E27FC236}">
-                <a16:creationId xmlns:a16="http://schemas.microsoft.com/office/drawing/2014/main" id="{096DD053-1F3E-4BD1-A749-590184392660}"/>
+          <p:cNvPr id="12" name="TextBox 11">
+            <a:extLst>
+              <a:ext uri="{FF2B5EF4-FFF2-40B4-BE49-F238E27FC236}">
+                <a16:creationId xmlns:a16="http://schemas.microsoft.com/office/drawing/2014/main" id="{1A63977B-231E-4CD7-AFA9-E899F4513029}"/>
               </a:ext>
             </a:extLst>
           </p:cNvPr>
@@ -4262,8 +4126,8 @@
         </p:nvSpPr>
         <p:spPr bwMode="auto">
           <a:xfrm>
-            <a:off x="3971323" y="777575"/>
-            <a:ext cx="2243137" cy="276999"/>
+            <a:off x="1689767" y="3148151"/>
+            <a:ext cx="2292350" cy="276999"/>
           </a:xfrm>
           <a:prstGeom prst="rect">
             <a:avLst/>
@@ -4402,6 +4266,227 @@
                 <a:ea typeface="Amazon Ember" panose="020B0603020204020204" pitchFamily="34" charset="0"/>
                 <a:cs typeface="Arial" panose="020B0604020202020204" pitchFamily="34" charset="0"/>
               </a:rPr>
+              <a:t>AWS Secrets Manager</a:t>
+            </a:r>
+          </a:p>
+        </p:txBody>
+      </p:sp>
+      <p:pic>
+        <p:nvPicPr>
+          <p:cNvPr id="16" name="Graphic 17">
+            <a:extLst>
+              <a:ext uri="{FF2B5EF4-FFF2-40B4-BE49-F238E27FC236}">
+                <a16:creationId xmlns:a16="http://schemas.microsoft.com/office/drawing/2014/main" id="{9732EA32-6861-4CF5-840C-CEF303FA1AD8}"/>
+              </a:ext>
+            </a:extLst>
+          </p:cNvPr>
+          <p:cNvPicPr>
+            <a:picLocks noChangeAspect="1" noChangeArrowheads="1"/>
+          </p:cNvPicPr>
+          <p:nvPr/>
+        </p:nvPicPr>
+        <p:blipFill>
+          <a:blip r:embed="rId9">
+            <a:extLst>
+              <a:ext uri="{28A0092B-C50C-407E-A947-70E740481C1C}">
+                <a14:useLocalDpi xmlns:a14="http://schemas.microsoft.com/office/drawing/2010/main" val="0"/>
+              </a:ext>
+            </a:extLst>
+          </a:blip>
+          <a:srcRect/>
+          <a:stretch>
+            <a:fillRect/>
+          </a:stretch>
+        </p:blipFill>
+        <p:spPr bwMode="auto">
+          <a:xfrm>
+            <a:off x="4479184" y="1238250"/>
+            <a:ext cx="762000" cy="762000"/>
+          </a:xfrm>
+          <a:prstGeom prst="rect">
+            <a:avLst/>
+          </a:prstGeom>
+          <a:noFill/>
+          <a:ln>
+            <a:noFill/>
+          </a:ln>
+          <a:extLst>
+            <a:ext uri="{909E8E84-426E-40DD-AFC4-6F175D3DCCD1}">
+              <a14:hiddenFill xmlns:a14="http://schemas.microsoft.com/office/drawing/2010/main">
+                <a:solidFill>
+                  <a:srgbClr val="FFFFFF"/>
+                </a:solidFill>
+              </a14:hiddenFill>
+            </a:ext>
+            <a:ext uri="{91240B29-F687-4F45-9708-019B960494DF}">
+              <a14:hiddenLine xmlns:a14="http://schemas.microsoft.com/office/drawing/2010/main" w="9525">
+                <a:solidFill>
+                  <a:srgbClr val="000000"/>
+                </a:solidFill>
+                <a:miter lim="800000"/>
+                <a:headEnd/>
+                <a:tailEnd/>
+              </a14:hiddenLine>
+            </a:ext>
+          </a:extLst>
+        </p:spPr>
+      </p:pic>
+      <p:sp>
+        <p:nvSpPr>
+          <p:cNvPr id="17" name="TextBox 9">
+            <a:extLst>
+              <a:ext uri="{FF2B5EF4-FFF2-40B4-BE49-F238E27FC236}">
+                <a16:creationId xmlns:a16="http://schemas.microsoft.com/office/drawing/2014/main" id="{096DD053-1F3E-4BD1-A749-590184392660}"/>
+              </a:ext>
+            </a:extLst>
+          </p:cNvPr>
+          <p:cNvSpPr txBox="1">
+            <a:spLocks noChangeArrowheads="1"/>
+          </p:cNvSpPr>
+          <p:nvPr/>
+        </p:nvSpPr>
+        <p:spPr bwMode="auto">
+          <a:xfrm>
+            <a:off x="3756078" y="953395"/>
+            <a:ext cx="2243137" cy="276999"/>
+          </a:xfrm>
+          <a:prstGeom prst="rect">
+            <a:avLst/>
+          </a:prstGeom>
+          <a:noFill/>
+          <a:ln>
+            <a:noFill/>
+          </a:ln>
+          <a:extLst>
+            <a:ext uri="{909E8E84-426E-40DD-AFC4-6F175D3DCCD1}">
+              <a14:hiddenFill xmlns:a14="http://schemas.microsoft.com/office/drawing/2010/main">
+                <a:solidFill>
+                  <a:srgbClr val="FFFFFF"/>
+                </a:solidFill>
+              </a14:hiddenFill>
+            </a:ext>
+            <a:ext uri="{91240B29-F687-4F45-9708-019B960494DF}">
+              <a14:hiddenLine xmlns:a14="http://schemas.microsoft.com/office/drawing/2010/main" w="9525">
+                <a:solidFill>
+                  <a:srgbClr val="000000"/>
+                </a:solidFill>
+                <a:miter lim="800000"/>
+                <a:headEnd/>
+                <a:tailEnd/>
+              </a14:hiddenLine>
+            </a:ext>
+          </a:extLst>
+        </p:spPr>
+        <p:txBody>
+          <a:bodyPr>
+            <a:spAutoFit/>
+          </a:bodyPr>
+          <a:lstStyle>
+            <a:lvl1pPr>
+              <a:defRPr>
+                <a:solidFill>
+                  <a:schemeClr val="tx1"/>
+                </a:solidFill>
+                <a:latin typeface="Calibri" panose="020F0502020204030204" pitchFamily="34" charset="0"/>
+              </a:defRPr>
+            </a:lvl1pPr>
+            <a:lvl2pPr marL="742950" indent="-285750">
+              <a:defRPr>
+                <a:solidFill>
+                  <a:schemeClr val="tx1"/>
+                </a:solidFill>
+                <a:latin typeface="Calibri" panose="020F0502020204030204" pitchFamily="34" charset="0"/>
+              </a:defRPr>
+            </a:lvl2pPr>
+            <a:lvl3pPr marL="1143000" indent="-228600">
+              <a:defRPr>
+                <a:solidFill>
+                  <a:schemeClr val="tx1"/>
+                </a:solidFill>
+                <a:latin typeface="Calibri" panose="020F0502020204030204" pitchFamily="34" charset="0"/>
+              </a:defRPr>
+            </a:lvl3pPr>
+            <a:lvl4pPr marL="1600200" indent="-228600">
+              <a:defRPr>
+                <a:solidFill>
+                  <a:schemeClr val="tx1"/>
+                </a:solidFill>
+                <a:latin typeface="Calibri" panose="020F0502020204030204" pitchFamily="34" charset="0"/>
+              </a:defRPr>
+            </a:lvl4pPr>
+            <a:lvl5pPr marL="2057400" indent="-228600">
+              <a:defRPr>
+                <a:solidFill>
+                  <a:schemeClr val="tx1"/>
+                </a:solidFill>
+                <a:latin typeface="Calibri" panose="020F0502020204030204" pitchFamily="34" charset="0"/>
+              </a:defRPr>
+            </a:lvl5pPr>
+            <a:lvl6pPr marL="2514600" indent="-228600" eaLnBrk="0" fontAlgn="base" hangingPunct="0">
+              <a:spcBef>
+                <a:spcPct val="0"/>
+              </a:spcBef>
+              <a:spcAft>
+                <a:spcPct val="0"/>
+              </a:spcAft>
+              <a:defRPr>
+                <a:solidFill>
+                  <a:schemeClr val="tx1"/>
+                </a:solidFill>
+                <a:latin typeface="Calibri" panose="020F0502020204030204" pitchFamily="34" charset="0"/>
+              </a:defRPr>
+            </a:lvl6pPr>
+            <a:lvl7pPr marL="2971800" indent="-228600" eaLnBrk="0" fontAlgn="base" hangingPunct="0">
+              <a:spcBef>
+                <a:spcPct val="0"/>
+              </a:spcBef>
+              <a:spcAft>
+                <a:spcPct val="0"/>
+              </a:spcAft>
+              <a:defRPr>
+                <a:solidFill>
+                  <a:schemeClr val="tx1"/>
+                </a:solidFill>
+                <a:latin typeface="Calibri" panose="020F0502020204030204" pitchFamily="34" charset="0"/>
+              </a:defRPr>
+            </a:lvl7pPr>
+            <a:lvl8pPr marL="3429000" indent="-228600" eaLnBrk="0" fontAlgn="base" hangingPunct="0">
+              <a:spcBef>
+                <a:spcPct val="0"/>
+              </a:spcBef>
+              <a:spcAft>
+                <a:spcPct val="0"/>
+              </a:spcAft>
+              <a:defRPr>
+                <a:solidFill>
+                  <a:schemeClr val="tx1"/>
+                </a:solidFill>
+                <a:latin typeface="Calibri" panose="020F0502020204030204" pitchFamily="34" charset="0"/>
+              </a:defRPr>
+            </a:lvl8pPr>
+            <a:lvl9pPr marL="3886200" indent="-228600" eaLnBrk="0" fontAlgn="base" hangingPunct="0">
+              <a:spcBef>
+                <a:spcPct val="0"/>
+              </a:spcBef>
+              <a:spcAft>
+                <a:spcPct val="0"/>
+              </a:spcAft>
+              <a:defRPr>
+                <a:solidFill>
+                  <a:schemeClr val="tx1"/>
+                </a:solidFill>
+                <a:latin typeface="Calibri" panose="020F0502020204030204" pitchFamily="34" charset="0"/>
+              </a:defRPr>
+            </a:lvl9pPr>
+          </a:lstStyle>
+          <a:p>
+            <a:pPr algn="ctr" eaLnBrk="1" hangingPunct="1"/>
+            <a:r>
+              <a:rPr lang="en-US" altLang="en-US" sz="1200" dirty="0">
+                <a:latin typeface="Arial" panose="020B0604020202020204" pitchFamily="34" charset="0"/>
+                <a:ea typeface="Amazon Ember" panose="020B0603020204020204" pitchFamily="34" charset="0"/>
+                <a:cs typeface="Arial" panose="020B0604020202020204" pitchFamily="34" charset="0"/>
+              </a:rPr>
               <a:t>Amazon CloudWatch</a:t>
             </a:r>
           </a:p>
@@ -4418,14 +4503,15 @@
           </p:cNvPr>
           <p:cNvCxnSpPr>
             <a:cxnSpLocks/>
+            <a:stCxn id="9" idx="3"/>
             <a:endCxn id="16" idx="1"/>
           </p:cNvCxnSpPr>
           <p:nvPr/>
         </p:nvCxnSpPr>
         <p:spPr>
           <a:xfrm>
-            <a:off x="3771900" y="1438275"/>
-            <a:ext cx="939800" cy="0"/>
+            <a:off x="3247947" y="1611392"/>
+            <a:ext cx="1231237" cy="7858"/>
           </a:xfrm>
           <a:prstGeom prst="straightConnector1">
             <a:avLst/>
@@ -4467,7 +4553,7 @@
           <p:nvPr/>
         </p:nvPicPr>
         <p:blipFill>
-          <a:blip r:embed="rId9">
+          <a:blip r:embed="rId10">
             <a:extLst>
               <a:ext uri="{28A0092B-C50C-407E-A947-70E740481C1C}">
                 <a14:useLocalDpi xmlns:a14="http://schemas.microsoft.com/office/drawing/2010/main" val="0"/>
@@ -4481,7 +4567,7 @@
         </p:blipFill>
         <p:spPr bwMode="auto">
           <a:xfrm>
-            <a:off x="6954837" y="1057275"/>
+            <a:off x="6467211" y="1238250"/>
             <a:ext cx="762000" cy="762000"/>
           </a:xfrm>
           <a:prstGeom prst="rect">
@@ -4529,8 +4615,8 @@
         </p:nvCxnSpPr>
         <p:spPr>
           <a:xfrm>
-            <a:off x="5473700" y="1438275"/>
-            <a:ext cx="1481137" cy="0"/>
+            <a:off x="5241184" y="1619250"/>
+            <a:ext cx="1226027" cy="0"/>
           </a:xfrm>
           <a:prstGeom prst="straightConnector1">
             <a:avLst/>
@@ -4557,12 +4643,886 @@
           </a:fontRef>
         </p:style>
       </p:cxnSp>
-      <p:sp>
-        <p:nvSpPr>
-          <p:cNvPr id="29" name="Rectangle 28">
-            <a:extLst>
-              <a:ext uri="{FF2B5EF4-FFF2-40B4-BE49-F238E27FC236}">
-                <a16:creationId xmlns:a16="http://schemas.microsoft.com/office/drawing/2014/main" id="{ED0AE2BE-DD63-4B44-9B0F-2DBEB02E0BFB}"/>
+      <p:pic>
+        <p:nvPicPr>
+          <p:cNvPr id="30" name="Graphic 8">
+            <a:extLst>
+              <a:ext uri="{FF2B5EF4-FFF2-40B4-BE49-F238E27FC236}">
+                <a16:creationId xmlns:a16="http://schemas.microsoft.com/office/drawing/2014/main" id="{49872A5D-9F48-4070-A0AD-C4013DBEDF9F}"/>
+              </a:ext>
+            </a:extLst>
+          </p:cNvPr>
+          <p:cNvPicPr>
+            <a:picLocks noChangeAspect="1" noChangeArrowheads="1"/>
+          </p:cNvPicPr>
+          <p:nvPr/>
+        </p:nvPicPr>
+        <p:blipFill>
+          <a:blip r:embed="rId11">
+            <a:extLst>
+              <a:ext uri="{28A0092B-C50C-407E-A947-70E740481C1C}">
+                <a14:useLocalDpi xmlns:a14="http://schemas.microsoft.com/office/drawing/2010/main" val="0"/>
+              </a:ext>
+            </a:extLst>
+          </a:blip>
+          <a:srcRect/>
+          <a:stretch>
+            <a:fillRect/>
+          </a:stretch>
+        </p:blipFill>
+        <p:spPr bwMode="auto">
+          <a:xfrm>
+            <a:off x="10453134" y="1230393"/>
+            <a:ext cx="762000" cy="762000"/>
+          </a:xfrm>
+          <a:prstGeom prst="rect">
+            <a:avLst/>
+          </a:prstGeom>
+          <a:noFill/>
+          <a:ln>
+            <a:noFill/>
+          </a:ln>
+          <a:extLst>
+            <a:ext uri="{909E8E84-426E-40DD-AFC4-6F175D3DCCD1}">
+              <a14:hiddenFill xmlns:a14="http://schemas.microsoft.com/office/drawing/2010/main">
+                <a:solidFill>
+                  <a:srgbClr val="FFFFFF"/>
+                </a:solidFill>
+              </a14:hiddenFill>
+            </a:ext>
+            <a:ext uri="{91240B29-F687-4F45-9708-019B960494DF}">
+              <a14:hiddenLine xmlns:a14="http://schemas.microsoft.com/office/drawing/2010/main" w="9525">
+                <a:solidFill>
+                  <a:srgbClr val="000000"/>
+                </a:solidFill>
+                <a:miter lim="800000"/>
+                <a:headEnd/>
+                <a:tailEnd/>
+              </a14:hiddenLine>
+            </a:ext>
+          </a:extLst>
+        </p:spPr>
+      </p:pic>
+      <p:sp>
+        <p:nvSpPr>
+          <p:cNvPr id="31" name="TextBox 9">
+            <a:extLst>
+              <a:ext uri="{FF2B5EF4-FFF2-40B4-BE49-F238E27FC236}">
+                <a16:creationId xmlns:a16="http://schemas.microsoft.com/office/drawing/2014/main" id="{557FC45D-D762-414A-A0B2-5ECB32BCEAC8}"/>
+              </a:ext>
+            </a:extLst>
+          </p:cNvPr>
+          <p:cNvSpPr txBox="1">
+            <a:spLocks noChangeArrowheads="1"/>
+          </p:cNvSpPr>
+          <p:nvPr/>
+        </p:nvSpPr>
+        <p:spPr bwMode="auto">
+          <a:xfrm>
+            <a:off x="10251246" y="942408"/>
+            <a:ext cx="1172659" cy="276999"/>
+          </a:xfrm>
+          <a:prstGeom prst="rect">
+            <a:avLst/>
+          </a:prstGeom>
+          <a:noFill/>
+          <a:ln>
+            <a:noFill/>
+          </a:ln>
+          <a:extLst>
+            <a:ext uri="{909E8E84-426E-40DD-AFC4-6F175D3DCCD1}">
+              <a14:hiddenFill xmlns:a14="http://schemas.microsoft.com/office/drawing/2010/main">
+                <a:solidFill>
+                  <a:srgbClr val="FFFFFF"/>
+                </a:solidFill>
+              </a14:hiddenFill>
+            </a:ext>
+            <a:ext uri="{91240B29-F687-4F45-9708-019B960494DF}">
+              <a14:hiddenLine xmlns:a14="http://schemas.microsoft.com/office/drawing/2010/main" w="9525">
+                <a:solidFill>
+                  <a:srgbClr val="000000"/>
+                </a:solidFill>
+                <a:miter lim="800000"/>
+                <a:headEnd/>
+                <a:tailEnd/>
+              </a14:hiddenLine>
+            </a:ext>
+          </a:extLst>
+        </p:spPr>
+        <p:txBody>
+          <a:bodyPr wrap="square">
+            <a:spAutoFit/>
+          </a:bodyPr>
+          <a:lstStyle>
+            <a:lvl1pPr>
+              <a:defRPr>
+                <a:solidFill>
+                  <a:schemeClr val="tx1"/>
+                </a:solidFill>
+                <a:latin typeface="Calibri" panose="020F0502020204030204" pitchFamily="34" charset="0"/>
+              </a:defRPr>
+            </a:lvl1pPr>
+            <a:lvl2pPr marL="742950" indent="-285750">
+              <a:defRPr>
+                <a:solidFill>
+                  <a:schemeClr val="tx1"/>
+                </a:solidFill>
+                <a:latin typeface="Calibri" panose="020F0502020204030204" pitchFamily="34" charset="0"/>
+              </a:defRPr>
+            </a:lvl2pPr>
+            <a:lvl3pPr marL="1143000" indent="-228600">
+              <a:defRPr>
+                <a:solidFill>
+                  <a:schemeClr val="tx1"/>
+                </a:solidFill>
+                <a:latin typeface="Calibri" panose="020F0502020204030204" pitchFamily="34" charset="0"/>
+              </a:defRPr>
+            </a:lvl3pPr>
+            <a:lvl4pPr marL="1600200" indent="-228600">
+              <a:defRPr>
+                <a:solidFill>
+                  <a:schemeClr val="tx1"/>
+                </a:solidFill>
+                <a:latin typeface="Calibri" panose="020F0502020204030204" pitchFamily="34" charset="0"/>
+              </a:defRPr>
+            </a:lvl4pPr>
+            <a:lvl5pPr marL="2057400" indent="-228600">
+              <a:defRPr>
+                <a:solidFill>
+                  <a:schemeClr val="tx1"/>
+                </a:solidFill>
+                <a:latin typeface="Calibri" panose="020F0502020204030204" pitchFamily="34" charset="0"/>
+              </a:defRPr>
+            </a:lvl5pPr>
+            <a:lvl6pPr marL="2514600" indent="-228600" eaLnBrk="0" fontAlgn="base" hangingPunct="0">
+              <a:spcBef>
+                <a:spcPct val="0"/>
+              </a:spcBef>
+              <a:spcAft>
+                <a:spcPct val="0"/>
+              </a:spcAft>
+              <a:defRPr>
+                <a:solidFill>
+                  <a:schemeClr val="tx1"/>
+                </a:solidFill>
+                <a:latin typeface="Calibri" panose="020F0502020204030204" pitchFamily="34" charset="0"/>
+              </a:defRPr>
+            </a:lvl6pPr>
+            <a:lvl7pPr marL="2971800" indent="-228600" eaLnBrk="0" fontAlgn="base" hangingPunct="0">
+              <a:spcBef>
+                <a:spcPct val="0"/>
+              </a:spcBef>
+              <a:spcAft>
+                <a:spcPct val="0"/>
+              </a:spcAft>
+              <a:defRPr>
+                <a:solidFill>
+                  <a:schemeClr val="tx1"/>
+                </a:solidFill>
+                <a:latin typeface="Calibri" panose="020F0502020204030204" pitchFamily="34" charset="0"/>
+              </a:defRPr>
+            </a:lvl7pPr>
+            <a:lvl8pPr marL="3429000" indent="-228600" eaLnBrk="0" fontAlgn="base" hangingPunct="0">
+              <a:spcBef>
+                <a:spcPct val="0"/>
+              </a:spcBef>
+              <a:spcAft>
+                <a:spcPct val="0"/>
+              </a:spcAft>
+              <a:defRPr>
+                <a:solidFill>
+                  <a:schemeClr val="tx1"/>
+                </a:solidFill>
+                <a:latin typeface="Calibri" panose="020F0502020204030204" pitchFamily="34" charset="0"/>
+              </a:defRPr>
+            </a:lvl8pPr>
+            <a:lvl9pPr marL="3886200" indent="-228600" eaLnBrk="0" fontAlgn="base" hangingPunct="0">
+              <a:spcBef>
+                <a:spcPct val="0"/>
+              </a:spcBef>
+              <a:spcAft>
+                <a:spcPct val="0"/>
+              </a:spcAft>
+              <a:defRPr>
+                <a:solidFill>
+                  <a:schemeClr val="tx1"/>
+                </a:solidFill>
+                <a:latin typeface="Calibri" panose="020F0502020204030204" pitchFamily="34" charset="0"/>
+              </a:defRPr>
+            </a:lvl9pPr>
+          </a:lstStyle>
+          <a:p>
+            <a:pPr algn="ctr" eaLnBrk="1" hangingPunct="1"/>
+            <a:r>
+              <a:rPr lang="en-US" altLang="en-US" sz="1200" dirty="0">
+                <a:latin typeface="Arial" panose="020B0604020202020204" pitchFamily="34" charset="0"/>
+                <a:ea typeface="Amazon Ember" panose="020B0603020204020204" pitchFamily="34" charset="0"/>
+                <a:cs typeface="Arial" panose="020B0604020202020204" pitchFamily="34" charset="0"/>
+              </a:rPr>
+              <a:t>Amazon S3</a:t>
+            </a:r>
+          </a:p>
+        </p:txBody>
+      </p:sp>
+      <p:cxnSp>
+        <p:nvCxnSpPr>
+          <p:cNvPr id="33" name="Straight Arrow Connector 32">
+            <a:extLst>
+              <a:ext uri="{FF2B5EF4-FFF2-40B4-BE49-F238E27FC236}">
+                <a16:creationId xmlns:a16="http://schemas.microsoft.com/office/drawing/2014/main" id="{D0741506-DC54-4832-8FB3-3420FDD1B110}"/>
+              </a:ext>
+            </a:extLst>
+          </p:cNvPr>
+          <p:cNvCxnSpPr>
+            <a:cxnSpLocks/>
+            <a:stCxn id="25" idx="3"/>
+            <a:endCxn id="38" idx="1"/>
+          </p:cNvCxnSpPr>
+          <p:nvPr/>
+        </p:nvCxnSpPr>
+        <p:spPr>
+          <a:xfrm flipV="1">
+            <a:off x="7229211" y="1611394"/>
+            <a:ext cx="1231236" cy="7856"/>
+          </a:xfrm>
+          <a:prstGeom prst="straightConnector1">
+            <a:avLst/>
+          </a:prstGeom>
+          <a:ln>
+            <a:solidFill>
+              <a:schemeClr val="tx1"/>
+            </a:solidFill>
+            <a:tailEnd type="triangle"/>
+          </a:ln>
+        </p:spPr>
+        <p:style>
+          <a:lnRef idx="1">
+            <a:schemeClr val="accent1"/>
+          </a:lnRef>
+          <a:fillRef idx="0">
+            <a:schemeClr val="accent1"/>
+          </a:fillRef>
+          <a:effectRef idx="0">
+            <a:schemeClr val="accent1"/>
+          </a:effectRef>
+          <a:fontRef idx="minor">
+            <a:schemeClr val="tx1"/>
+          </a:fontRef>
+        </p:style>
+      </p:cxnSp>
+      <p:sp>
+        <p:nvSpPr>
+          <p:cNvPr id="26" name="TextBox 9">
+            <a:extLst>
+              <a:ext uri="{FF2B5EF4-FFF2-40B4-BE49-F238E27FC236}">
+                <a16:creationId xmlns:a16="http://schemas.microsoft.com/office/drawing/2014/main" id="{E89BE5F6-B45C-477A-8ACF-22A6E59EF656}"/>
+              </a:ext>
+            </a:extLst>
+          </p:cNvPr>
+          <p:cNvSpPr txBox="1">
+            <a:spLocks noChangeArrowheads="1"/>
+          </p:cNvSpPr>
+          <p:nvPr/>
+        </p:nvSpPr>
+        <p:spPr bwMode="auto">
+          <a:xfrm>
+            <a:off x="5698176" y="957021"/>
+            <a:ext cx="2243137" cy="276999"/>
+          </a:xfrm>
+          <a:prstGeom prst="rect">
+            <a:avLst/>
+          </a:prstGeom>
+          <a:noFill/>
+          <a:ln>
+            <a:noFill/>
+          </a:ln>
+        </p:spPr>
+        <p:txBody>
+          <a:bodyPr>
+            <a:spAutoFit/>
+          </a:bodyPr>
+          <a:lstStyle>
+            <a:lvl1pPr>
+              <a:defRPr>
+                <a:solidFill>
+                  <a:schemeClr val="tx1"/>
+                </a:solidFill>
+                <a:latin typeface="Calibri" panose="020F0502020204030204" pitchFamily="34" charset="0"/>
+              </a:defRPr>
+            </a:lvl1pPr>
+            <a:lvl2pPr marL="742950" indent="-285750">
+              <a:defRPr>
+                <a:solidFill>
+                  <a:schemeClr val="tx1"/>
+                </a:solidFill>
+                <a:latin typeface="Calibri" panose="020F0502020204030204" pitchFamily="34" charset="0"/>
+              </a:defRPr>
+            </a:lvl2pPr>
+            <a:lvl3pPr marL="1143000" indent="-228600">
+              <a:defRPr>
+                <a:solidFill>
+                  <a:schemeClr val="tx1"/>
+                </a:solidFill>
+                <a:latin typeface="Calibri" panose="020F0502020204030204" pitchFamily="34" charset="0"/>
+              </a:defRPr>
+            </a:lvl3pPr>
+            <a:lvl4pPr marL="1600200" indent="-228600">
+              <a:defRPr>
+                <a:solidFill>
+                  <a:schemeClr val="tx1"/>
+                </a:solidFill>
+                <a:latin typeface="Calibri" panose="020F0502020204030204" pitchFamily="34" charset="0"/>
+              </a:defRPr>
+            </a:lvl4pPr>
+            <a:lvl5pPr marL="2057400" indent="-228600">
+              <a:defRPr>
+                <a:solidFill>
+                  <a:schemeClr val="tx1"/>
+                </a:solidFill>
+                <a:latin typeface="Calibri" panose="020F0502020204030204" pitchFamily="34" charset="0"/>
+              </a:defRPr>
+            </a:lvl5pPr>
+            <a:lvl6pPr marL="2514600" indent="-228600" eaLnBrk="0" fontAlgn="base" hangingPunct="0">
+              <a:spcBef>
+                <a:spcPct val="0"/>
+              </a:spcBef>
+              <a:spcAft>
+                <a:spcPct val="0"/>
+              </a:spcAft>
+              <a:defRPr>
+                <a:solidFill>
+                  <a:schemeClr val="tx1"/>
+                </a:solidFill>
+                <a:latin typeface="Calibri" panose="020F0502020204030204" pitchFamily="34" charset="0"/>
+              </a:defRPr>
+            </a:lvl6pPr>
+            <a:lvl7pPr marL="2971800" indent="-228600" eaLnBrk="0" fontAlgn="base" hangingPunct="0">
+              <a:spcBef>
+                <a:spcPct val="0"/>
+              </a:spcBef>
+              <a:spcAft>
+                <a:spcPct val="0"/>
+              </a:spcAft>
+              <a:defRPr>
+                <a:solidFill>
+                  <a:schemeClr val="tx1"/>
+                </a:solidFill>
+                <a:latin typeface="Calibri" panose="020F0502020204030204" pitchFamily="34" charset="0"/>
+              </a:defRPr>
+            </a:lvl7pPr>
+            <a:lvl8pPr marL="3429000" indent="-228600" eaLnBrk="0" fontAlgn="base" hangingPunct="0">
+              <a:spcBef>
+                <a:spcPct val="0"/>
+              </a:spcBef>
+              <a:spcAft>
+                <a:spcPct val="0"/>
+              </a:spcAft>
+              <a:defRPr>
+                <a:solidFill>
+                  <a:schemeClr val="tx1"/>
+                </a:solidFill>
+                <a:latin typeface="Calibri" panose="020F0502020204030204" pitchFamily="34" charset="0"/>
+              </a:defRPr>
+            </a:lvl8pPr>
+            <a:lvl9pPr marL="3886200" indent="-228600" eaLnBrk="0" fontAlgn="base" hangingPunct="0">
+              <a:spcBef>
+                <a:spcPct val="0"/>
+              </a:spcBef>
+              <a:spcAft>
+                <a:spcPct val="0"/>
+              </a:spcAft>
+              <a:defRPr>
+                <a:solidFill>
+                  <a:schemeClr val="tx1"/>
+                </a:solidFill>
+                <a:latin typeface="Calibri" panose="020F0502020204030204" pitchFamily="34" charset="0"/>
+              </a:defRPr>
+            </a:lvl9pPr>
+          </a:lstStyle>
+          <a:p>
+            <a:pPr algn="ctr" eaLnBrk="1" hangingPunct="1"/>
+            <a:r>
+              <a:rPr lang="en-US" altLang="en-US" sz="1200" dirty="0">
+                <a:latin typeface="Arial" panose="020B0604020202020204" pitchFamily="34" charset="0"/>
+                <a:ea typeface="Amazon Ember" panose="020B0603020204020204" pitchFamily="34" charset="0"/>
+                <a:cs typeface="Arial" panose="020B0604020202020204" pitchFamily="34" charset="0"/>
+              </a:rPr>
+              <a:t>AWS CodePipeline</a:t>
+            </a:r>
+          </a:p>
+        </p:txBody>
+      </p:sp>
+      <p:pic>
+        <p:nvPicPr>
+          <p:cNvPr id="38" name="Graphic 19">
+            <a:extLst>
+              <a:ext uri="{FF2B5EF4-FFF2-40B4-BE49-F238E27FC236}">
+                <a16:creationId xmlns:a16="http://schemas.microsoft.com/office/drawing/2014/main" id="{E252FEB5-17D7-49C4-83D5-48CFCA7FB4C4}"/>
+              </a:ext>
+            </a:extLst>
+          </p:cNvPr>
+          <p:cNvPicPr>
+            <a:picLocks noChangeAspect="1" noChangeArrowheads="1"/>
+          </p:cNvPicPr>
+          <p:nvPr/>
+        </p:nvPicPr>
+        <p:blipFill>
+          <a:blip r:embed="rId12">
+            <a:extLst>
+              <a:ext uri="{28A0092B-C50C-407E-A947-70E740481C1C}">
+                <a14:useLocalDpi xmlns:a14="http://schemas.microsoft.com/office/drawing/2010/main" val="0"/>
+              </a:ext>
+            </a:extLst>
+          </a:blip>
+          <a:srcRect/>
+          <a:stretch>
+            <a:fillRect/>
+          </a:stretch>
+        </p:blipFill>
+        <p:spPr bwMode="auto">
+          <a:xfrm>
+            <a:off x="8460447" y="1230394"/>
+            <a:ext cx="762000" cy="762000"/>
+          </a:xfrm>
+          <a:prstGeom prst="rect">
+            <a:avLst/>
+          </a:prstGeom>
+          <a:noFill/>
+          <a:ln>
+            <a:noFill/>
+          </a:ln>
+          <a:extLst>
+            <a:ext uri="{909E8E84-426E-40DD-AFC4-6F175D3DCCD1}">
+              <a14:hiddenFill xmlns:a14="http://schemas.microsoft.com/office/drawing/2010/main">
+                <a:solidFill>
+                  <a:srgbClr val="FFFFFF"/>
+                </a:solidFill>
+              </a14:hiddenFill>
+            </a:ext>
+            <a:ext uri="{91240B29-F687-4F45-9708-019B960494DF}">
+              <a14:hiddenLine xmlns:a14="http://schemas.microsoft.com/office/drawing/2010/main" w="9525">
+                <a:solidFill>
+                  <a:srgbClr val="000000"/>
+                </a:solidFill>
+                <a:miter lim="800000"/>
+                <a:headEnd/>
+                <a:tailEnd/>
+              </a14:hiddenLine>
+            </a:ext>
+          </a:extLst>
+        </p:spPr>
+      </p:pic>
+      <p:sp>
+        <p:nvSpPr>
+          <p:cNvPr id="39" name="TextBox 11">
+            <a:extLst>
+              <a:ext uri="{FF2B5EF4-FFF2-40B4-BE49-F238E27FC236}">
+                <a16:creationId xmlns:a16="http://schemas.microsoft.com/office/drawing/2014/main" id="{B4DB8034-B4FF-41BE-A4C8-DDD23D28C5D6}"/>
+              </a:ext>
+            </a:extLst>
+          </p:cNvPr>
+          <p:cNvSpPr txBox="1">
+            <a:spLocks noChangeArrowheads="1"/>
+          </p:cNvSpPr>
+          <p:nvPr/>
+        </p:nvSpPr>
+        <p:spPr bwMode="auto">
+          <a:xfrm>
+            <a:off x="7681107" y="959618"/>
+            <a:ext cx="2292350" cy="276999"/>
+          </a:xfrm>
+          <a:prstGeom prst="rect">
+            <a:avLst/>
+          </a:prstGeom>
+          <a:noFill/>
+          <a:ln>
+            <a:noFill/>
+          </a:ln>
+          <a:extLst>
+            <a:ext uri="{909E8E84-426E-40DD-AFC4-6F175D3DCCD1}">
+              <a14:hiddenFill xmlns:a14="http://schemas.microsoft.com/office/drawing/2010/main">
+                <a:solidFill>
+                  <a:srgbClr val="FFFFFF"/>
+                </a:solidFill>
+              </a14:hiddenFill>
+            </a:ext>
+            <a:ext uri="{91240B29-F687-4F45-9708-019B960494DF}">
+              <a14:hiddenLine xmlns:a14="http://schemas.microsoft.com/office/drawing/2010/main" w="9525">
+                <a:solidFill>
+                  <a:srgbClr val="000000"/>
+                </a:solidFill>
+                <a:miter lim="800000"/>
+                <a:headEnd/>
+                <a:tailEnd/>
+              </a14:hiddenLine>
+            </a:ext>
+          </a:extLst>
+        </p:spPr>
+        <p:txBody>
+          <a:bodyPr>
+            <a:spAutoFit/>
+          </a:bodyPr>
+          <a:lstStyle>
+            <a:lvl1pPr>
+              <a:defRPr>
+                <a:solidFill>
+                  <a:schemeClr val="tx1"/>
+                </a:solidFill>
+                <a:latin typeface="Calibri" panose="020F0502020204030204" pitchFamily="34" charset="0"/>
+              </a:defRPr>
+            </a:lvl1pPr>
+            <a:lvl2pPr marL="742950" indent="-285750">
+              <a:defRPr>
+                <a:solidFill>
+                  <a:schemeClr val="tx1"/>
+                </a:solidFill>
+                <a:latin typeface="Calibri" panose="020F0502020204030204" pitchFamily="34" charset="0"/>
+              </a:defRPr>
+            </a:lvl2pPr>
+            <a:lvl3pPr marL="1143000" indent="-228600">
+              <a:defRPr>
+                <a:solidFill>
+                  <a:schemeClr val="tx1"/>
+                </a:solidFill>
+                <a:latin typeface="Calibri" panose="020F0502020204030204" pitchFamily="34" charset="0"/>
+              </a:defRPr>
+            </a:lvl3pPr>
+            <a:lvl4pPr marL="1600200" indent="-228600">
+              <a:defRPr>
+                <a:solidFill>
+                  <a:schemeClr val="tx1"/>
+                </a:solidFill>
+                <a:latin typeface="Calibri" panose="020F0502020204030204" pitchFamily="34" charset="0"/>
+              </a:defRPr>
+            </a:lvl4pPr>
+            <a:lvl5pPr marL="2057400" indent="-228600">
+              <a:defRPr>
+                <a:solidFill>
+                  <a:schemeClr val="tx1"/>
+                </a:solidFill>
+                <a:latin typeface="Calibri" panose="020F0502020204030204" pitchFamily="34" charset="0"/>
+              </a:defRPr>
+            </a:lvl5pPr>
+            <a:lvl6pPr marL="2514600" indent="-228600" eaLnBrk="0" fontAlgn="base" hangingPunct="0">
+              <a:spcBef>
+                <a:spcPct val="0"/>
+              </a:spcBef>
+              <a:spcAft>
+                <a:spcPct val="0"/>
+              </a:spcAft>
+              <a:defRPr>
+                <a:solidFill>
+                  <a:schemeClr val="tx1"/>
+                </a:solidFill>
+                <a:latin typeface="Calibri" panose="020F0502020204030204" pitchFamily="34" charset="0"/>
+              </a:defRPr>
+            </a:lvl6pPr>
+            <a:lvl7pPr marL="2971800" indent="-228600" eaLnBrk="0" fontAlgn="base" hangingPunct="0">
+              <a:spcBef>
+                <a:spcPct val="0"/>
+              </a:spcBef>
+              <a:spcAft>
+                <a:spcPct val="0"/>
+              </a:spcAft>
+              <a:defRPr>
+                <a:solidFill>
+                  <a:schemeClr val="tx1"/>
+                </a:solidFill>
+                <a:latin typeface="Calibri" panose="020F0502020204030204" pitchFamily="34" charset="0"/>
+              </a:defRPr>
+            </a:lvl7pPr>
+            <a:lvl8pPr marL="3429000" indent="-228600" eaLnBrk="0" fontAlgn="base" hangingPunct="0">
+              <a:spcBef>
+                <a:spcPct val="0"/>
+              </a:spcBef>
+              <a:spcAft>
+                <a:spcPct val="0"/>
+              </a:spcAft>
+              <a:defRPr>
+                <a:solidFill>
+                  <a:schemeClr val="tx1"/>
+                </a:solidFill>
+                <a:latin typeface="Calibri" panose="020F0502020204030204" pitchFamily="34" charset="0"/>
+              </a:defRPr>
+            </a:lvl8pPr>
+            <a:lvl9pPr marL="3886200" indent="-228600" eaLnBrk="0" fontAlgn="base" hangingPunct="0">
+              <a:spcBef>
+                <a:spcPct val="0"/>
+              </a:spcBef>
+              <a:spcAft>
+                <a:spcPct val="0"/>
+              </a:spcAft>
+              <a:defRPr>
+                <a:solidFill>
+                  <a:schemeClr val="tx1"/>
+                </a:solidFill>
+                <a:latin typeface="Calibri" panose="020F0502020204030204" pitchFamily="34" charset="0"/>
+              </a:defRPr>
+            </a:lvl9pPr>
+          </a:lstStyle>
+          <a:p>
+            <a:pPr algn="ctr" eaLnBrk="1" hangingPunct="1"/>
+            <a:r>
+              <a:rPr lang="en-US" altLang="en-US" sz="1200" dirty="0">
+                <a:latin typeface="Arial" panose="020B0604020202020204" pitchFamily="34" charset="0"/>
+                <a:ea typeface="Amazon Ember" panose="020B0603020204020204" pitchFamily="34" charset="0"/>
+                <a:cs typeface="Arial" panose="020B0604020202020204" pitchFamily="34" charset="0"/>
+              </a:rPr>
+              <a:t>AWS CodeBuild</a:t>
+            </a:r>
+          </a:p>
+        </p:txBody>
+      </p:sp>
+      <p:pic>
+        <p:nvPicPr>
+          <p:cNvPr id="46" name="Picture 45">
+            <a:extLst>
+              <a:ext uri="{FF2B5EF4-FFF2-40B4-BE49-F238E27FC236}">
+                <a16:creationId xmlns:a16="http://schemas.microsoft.com/office/drawing/2014/main" id="{484A49EF-0EE5-45AF-B978-397033D95F96}"/>
+              </a:ext>
+            </a:extLst>
+          </p:cNvPr>
+          <p:cNvPicPr>
+            <a:picLocks noChangeAspect="1"/>
+          </p:cNvPicPr>
+          <p:nvPr/>
+        </p:nvPicPr>
+        <p:blipFill>
+          <a:blip r:embed="rId13">
+            <a:extLst>
+              <a:ext uri="{28A0092B-C50C-407E-A947-70E740481C1C}">
+                <a14:useLocalDpi xmlns:a14="http://schemas.microsoft.com/office/drawing/2010/main" val="0"/>
+              </a:ext>
+            </a:extLst>
+          </a:blip>
+          <a:stretch>
+            <a:fillRect/>
+          </a:stretch>
+        </p:blipFill>
+        <p:spPr>
+          <a:xfrm>
+            <a:off x="524457" y="4202410"/>
+            <a:ext cx="758952" cy="758952"/>
+          </a:xfrm>
+          <a:prstGeom prst="rect">
+            <a:avLst/>
+          </a:prstGeom>
+        </p:spPr>
+      </p:pic>
+      <p:sp>
+        <p:nvSpPr>
+          <p:cNvPr id="47" name="TextBox 11">
+            <a:extLst>
+              <a:ext uri="{FF2B5EF4-FFF2-40B4-BE49-F238E27FC236}">
+                <a16:creationId xmlns:a16="http://schemas.microsoft.com/office/drawing/2014/main" id="{1A69D172-13F5-4959-A79D-488356159F85}"/>
+              </a:ext>
+            </a:extLst>
+          </p:cNvPr>
+          <p:cNvSpPr txBox="1">
+            <a:spLocks noChangeArrowheads="1"/>
+          </p:cNvSpPr>
+          <p:nvPr/>
+        </p:nvSpPr>
+        <p:spPr bwMode="auto">
+          <a:xfrm>
+            <a:off x="296535" y="3922864"/>
+            <a:ext cx="1231235" cy="276999"/>
+          </a:xfrm>
+          <a:prstGeom prst="rect">
+            <a:avLst/>
+          </a:prstGeom>
+          <a:noFill/>
+          <a:ln>
+            <a:noFill/>
+          </a:ln>
+          <a:extLst>
+            <a:ext uri="{909E8E84-426E-40DD-AFC4-6F175D3DCCD1}">
+              <a14:hiddenFill xmlns:a14="http://schemas.microsoft.com/office/drawing/2010/main">
+                <a:solidFill>
+                  <a:srgbClr val="FFFFFF"/>
+                </a:solidFill>
+              </a14:hiddenFill>
+            </a:ext>
+            <a:ext uri="{91240B29-F687-4F45-9708-019B960494DF}">
+              <a14:hiddenLine xmlns:a14="http://schemas.microsoft.com/office/drawing/2010/main" w="9525">
+                <a:solidFill>
+                  <a:srgbClr val="000000"/>
+                </a:solidFill>
+                <a:miter lim="800000"/>
+                <a:headEnd/>
+                <a:tailEnd/>
+              </a14:hiddenLine>
+            </a:ext>
+          </a:extLst>
+        </p:spPr>
+        <p:txBody>
+          <a:bodyPr wrap="square">
+            <a:spAutoFit/>
+          </a:bodyPr>
+          <a:lstStyle>
+            <a:lvl1pPr>
+              <a:defRPr>
+                <a:solidFill>
+                  <a:schemeClr val="tx1"/>
+                </a:solidFill>
+                <a:latin typeface="Calibri" panose="020F0502020204030204" pitchFamily="34" charset="0"/>
+              </a:defRPr>
+            </a:lvl1pPr>
+            <a:lvl2pPr marL="742950" indent="-285750">
+              <a:defRPr>
+                <a:solidFill>
+                  <a:schemeClr val="tx1"/>
+                </a:solidFill>
+                <a:latin typeface="Calibri" panose="020F0502020204030204" pitchFamily="34" charset="0"/>
+              </a:defRPr>
+            </a:lvl2pPr>
+            <a:lvl3pPr marL="1143000" indent="-228600">
+              <a:defRPr>
+                <a:solidFill>
+                  <a:schemeClr val="tx1"/>
+                </a:solidFill>
+                <a:latin typeface="Calibri" panose="020F0502020204030204" pitchFamily="34" charset="0"/>
+              </a:defRPr>
+            </a:lvl3pPr>
+            <a:lvl4pPr marL="1600200" indent="-228600">
+              <a:defRPr>
+                <a:solidFill>
+                  <a:schemeClr val="tx1"/>
+                </a:solidFill>
+                <a:latin typeface="Calibri" panose="020F0502020204030204" pitchFamily="34" charset="0"/>
+              </a:defRPr>
+            </a:lvl4pPr>
+            <a:lvl5pPr marL="2057400" indent="-228600">
+              <a:defRPr>
+                <a:solidFill>
+                  <a:schemeClr val="tx1"/>
+                </a:solidFill>
+                <a:latin typeface="Calibri" panose="020F0502020204030204" pitchFamily="34" charset="0"/>
+              </a:defRPr>
+            </a:lvl5pPr>
+            <a:lvl6pPr marL="2514600" indent="-228600" eaLnBrk="0" fontAlgn="base" hangingPunct="0">
+              <a:spcBef>
+                <a:spcPct val="0"/>
+              </a:spcBef>
+              <a:spcAft>
+                <a:spcPct val="0"/>
+              </a:spcAft>
+              <a:defRPr>
+                <a:solidFill>
+                  <a:schemeClr val="tx1"/>
+                </a:solidFill>
+                <a:latin typeface="Calibri" panose="020F0502020204030204" pitchFamily="34" charset="0"/>
+              </a:defRPr>
+            </a:lvl6pPr>
+            <a:lvl7pPr marL="2971800" indent="-228600" eaLnBrk="0" fontAlgn="base" hangingPunct="0">
+              <a:spcBef>
+                <a:spcPct val="0"/>
+              </a:spcBef>
+              <a:spcAft>
+                <a:spcPct val="0"/>
+              </a:spcAft>
+              <a:defRPr>
+                <a:solidFill>
+                  <a:schemeClr val="tx1"/>
+                </a:solidFill>
+                <a:latin typeface="Calibri" panose="020F0502020204030204" pitchFamily="34" charset="0"/>
+              </a:defRPr>
+            </a:lvl7pPr>
+            <a:lvl8pPr marL="3429000" indent="-228600" eaLnBrk="0" fontAlgn="base" hangingPunct="0">
+              <a:spcBef>
+                <a:spcPct val="0"/>
+              </a:spcBef>
+              <a:spcAft>
+                <a:spcPct val="0"/>
+              </a:spcAft>
+              <a:defRPr>
+                <a:solidFill>
+                  <a:schemeClr val="tx1"/>
+                </a:solidFill>
+                <a:latin typeface="Calibri" panose="020F0502020204030204" pitchFamily="34" charset="0"/>
+              </a:defRPr>
+            </a:lvl8pPr>
+            <a:lvl9pPr marL="3886200" indent="-228600" eaLnBrk="0" fontAlgn="base" hangingPunct="0">
+              <a:spcBef>
+                <a:spcPct val="0"/>
+              </a:spcBef>
+              <a:spcAft>
+                <a:spcPct val="0"/>
+              </a:spcAft>
+              <a:defRPr>
+                <a:solidFill>
+                  <a:schemeClr val="tx1"/>
+                </a:solidFill>
+                <a:latin typeface="Calibri" panose="020F0502020204030204" pitchFamily="34" charset="0"/>
+              </a:defRPr>
+            </a:lvl9pPr>
+          </a:lstStyle>
+          <a:p>
+            <a:pPr algn="ctr" eaLnBrk="1" hangingPunct="1"/>
+            <a:r>
+              <a:rPr lang="en-US" altLang="en-US" sz="1200" dirty="0">
+                <a:latin typeface="Arial" panose="020B0604020202020204" pitchFamily="34" charset="0"/>
+                <a:ea typeface="Amazon Ember" panose="020B0603020204020204" pitchFamily="34" charset="0"/>
+                <a:cs typeface="Arial" panose="020B0604020202020204" pitchFamily="34" charset="0"/>
+              </a:rPr>
+              <a:t>Liquibase</a:t>
+            </a:r>
+          </a:p>
+        </p:txBody>
+      </p:sp>
+      <p:cxnSp>
+        <p:nvCxnSpPr>
+          <p:cNvPr id="49" name="Straight Arrow Connector 48">
+            <a:extLst>
+              <a:ext uri="{FF2B5EF4-FFF2-40B4-BE49-F238E27FC236}">
+                <a16:creationId xmlns:a16="http://schemas.microsoft.com/office/drawing/2014/main" id="{061862F2-8F7D-4C4A-A82D-F93E7915727F}"/>
+              </a:ext>
+            </a:extLst>
+          </p:cNvPr>
+          <p:cNvCxnSpPr>
+            <a:cxnSpLocks/>
+            <a:stCxn id="38" idx="3"/>
+            <a:endCxn id="30" idx="1"/>
+          </p:cNvCxnSpPr>
+          <p:nvPr/>
+        </p:nvCxnSpPr>
+        <p:spPr>
+          <a:xfrm flipV="1">
+            <a:off x="9222447" y="1611393"/>
+            <a:ext cx="1230687" cy="1"/>
+          </a:xfrm>
+          <a:prstGeom prst="straightConnector1">
+            <a:avLst/>
+          </a:prstGeom>
+          <a:ln>
+            <a:solidFill>
+              <a:schemeClr val="tx1"/>
+            </a:solidFill>
+            <a:headEnd type="none"/>
+            <a:tailEnd type="triangle"/>
+          </a:ln>
+        </p:spPr>
+        <p:style>
+          <a:lnRef idx="1">
+            <a:schemeClr val="accent1"/>
+          </a:lnRef>
+          <a:fillRef idx="0">
+            <a:schemeClr val="accent1"/>
+          </a:fillRef>
+          <a:effectRef idx="0">
+            <a:schemeClr val="accent1"/>
+          </a:effectRef>
+          <a:fontRef idx="minor">
+            <a:schemeClr val="tx1"/>
+          </a:fontRef>
+        </p:style>
+      </p:cxnSp>
+      <p:sp>
+        <p:nvSpPr>
+          <p:cNvPr id="51" name="Rectangle 50">
+            <a:extLst>
+              <a:ext uri="{FF2B5EF4-FFF2-40B4-BE49-F238E27FC236}">
+                <a16:creationId xmlns:a16="http://schemas.microsoft.com/office/drawing/2014/main" id="{F78C4E3C-65A7-46F1-B186-C0E0100C9F84}"/>
               </a:ext>
             </a:extLst>
           </p:cNvPr>
@@ -4571,151 +5531,12 @@
         </p:nvSpPr>
         <p:spPr>
           <a:xfrm>
-            <a:off x="5803876" y="2209413"/>
-            <a:ext cx="3063922" cy="1536313"/>
-          </a:xfrm>
-          <a:custGeom>
+            <a:off x="4003393" y="4448157"/>
+            <a:ext cx="1786929" cy="1536311"/>
+          </a:xfrm>
+          <a:prstGeom prst="rect">
             <a:avLst/>
-            <a:gdLst>
-              <a:gd name="connsiteX0" fmla="*/ 0 w 3063922"/>
-              <a:gd name="connsiteY0" fmla="*/ 0 h 1536313"/>
-              <a:gd name="connsiteX1" fmla="*/ 3063922 w 3063922"/>
-              <a:gd name="connsiteY1" fmla="*/ 0 h 1536313"/>
-              <a:gd name="connsiteX2" fmla="*/ 3063922 w 3063922"/>
-              <a:gd name="connsiteY2" fmla="*/ 1536313 h 1536313"/>
-              <a:gd name="connsiteX3" fmla="*/ 0 w 3063922"/>
-              <a:gd name="connsiteY3" fmla="*/ 1536313 h 1536313"/>
-              <a:gd name="connsiteX4" fmla="*/ 0 w 3063922"/>
-              <a:gd name="connsiteY4" fmla="*/ 0 h 1536313"/>
-              <a:gd name="connsiteX0" fmla="*/ 0 w 3063922"/>
-              <a:gd name="connsiteY0" fmla="*/ 0 h 1536313"/>
-              <a:gd name="connsiteX1" fmla="*/ 3063922 w 3063922"/>
-              <a:gd name="connsiteY1" fmla="*/ 0 h 1536313"/>
-              <a:gd name="connsiteX2" fmla="*/ 3063922 w 3063922"/>
-              <a:gd name="connsiteY2" fmla="*/ 1536313 h 1536313"/>
-              <a:gd name="connsiteX3" fmla="*/ 358799 w 3063922"/>
-              <a:gd name="connsiteY3" fmla="*/ 1533912 h 1536313"/>
-              <a:gd name="connsiteX4" fmla="*/ 0 w 3063922"/>
-              <a:gd name="connsiteY4" fmla="*/ 1536313 h 1536313"/>
-              <a:gd name="connsiteX5" fmla="*/ 0 w 3063922"/>
-              <a:gd name="connsiteY5" fmla="*/ 0 h 1536313"/>
-              <a:gd name="connsiteX0" fmla="*/ 0 w 3063922"/>
-              <a:gd name="connsiteY0" fmla="*/ 0 h 1536313"/>
-              <a:gd name="connsiteX1" fmla="*/ 3063922 w 3063922"/>
-              <a:gd name="connsiteY1" fmla="*/ 0 h 1536313"/>
-              <a:gd name="connsiteX2" fmla="*/ 3063922 w 3063922"/>
-              <a:gd name="connsiteY2" fmla="*/ 1536313 h 1536313"/>
-              <a:gd name="connsiteX3" fmla="*/ 415949 w 3063922"/>
-              <a:gd name="connsiteY3" fmla="*/ 1533912 h 1536313"/>
-              <a:gd name="connsiteX4" fmla="*/ 0 w 3063922"/>
-              <a:gd name="connsiteY4" fmla="*/ 1536313 h 1536313"/>
-              <a:gd name="connsiteX5" fmla="*/ 0 w 3063922"/>
-              <a:gd name="connsiteY5" fmla="*/ 0 h 1536313"/>
-              <a:gd name="connsiteX0" fmla="*/ 0 w 3063922"/>
-              <a:gd name="connsiteY0" fmla="*/ 0 h 1536313"/>
-              <a:gd name="connsiteX1" fmla="*/ 3063922 w 3063922"/>
-              <a:gd name="connsiteY1" fmla="*/ 0 h 1536313"/>
-              <a:gd name="connsiteX2" fmla="*/ 3063922 w 3063922"/>
-              <a:gd name="connsiteY2" fmla="*/ 1536313 h 1536313"/>
-              <a:gd name="connsiteX3" fmla="*/ 2616224 w 3063922"/>
-              <a:gd name="connsiteY3" fmla="*/ 1533912 h 1536313"/>
-              <a:gd name="connsiteX4" fmla="*/ 415949 w 3063922"/>
-              <a:gd name="connsiteY4" fmla="*/ 1533912 h 1536313"/>
-              <a:gd name="connsiteX5" fmla="*/ 0 w 3063922"/>
-              <a:gd name="connsiteY5" fmla="*/ 1536313 h 1536313"/>
-              <a:gd name="connsiteX6" fmla="*/ 0 w 3063922"/>
-              <a:gd name="connsiteY6" fmla="*/ 0 h 1536313"/>
-              <a:gd name="connsiteX0" fmla="*/ 0 w 3063922"/>
-              <a:gd name="connsiteY0" fmla="*/ 0 h 1536313"/>
-              <a:gd name="connsiteX1" fmla="*/ 3063922 w 3063922"/>
-              <a:gd name="connsiteY1" fmla="*/ 0 h 1536313"/>
-              <a:gd name="connsiteX2" fmla="*/ 3063922 w 3063922"/>
-              <a:gd name="connsiteY2" fmla="*/ 1536313 h 1536313"/>
-              <a:gd name="connsiteX3" fmla="*/ 2616224 w 3063922"/>
-              <a:gd name="connsiteY3" fmla="*/ 1533912 h 1536313"/>
-              <a:gd name="connsiteX4" fmla="*/ 820500 w 3063922"/>
-              <a:gd name="connsiteY4" fmla="*/ 1533598 h 1536313"/>
-              <a:gd name="connsiteX5" fmla="*/ 415949 w 3063922"/>
-              <a:gd name="connsiteY5" fmla="*/ 1533912 h 1536313"/>
-              <a:gd name="connsiteX6" fmla="*/ 0 w 3063922"/>
-              <a:gd name="connsiteY6" fmla="*/ 1536313 h 1536313"/>
-              <a:gd name="connsiteX7" fmla="*/ 0 w 3063922"/>
-              <a:gd name="connsiteY7" fmla="*/ 0 h 1536313"/>
-              <a:gd name="connsiteX0" fmla="*/ 0 w 3063922"/>
-              <a:gd name="connsiteY0" fmla="*/ 0 h 1536313"/>
-              <a:gd name="connsiteX1" fmla="*/ 3063922 w 3063922"/>
-              <a:gd name="connsiteY1" fmla="*/ 0 h 1536313"/>
-              <a:gd name="connsiteX2" fmla="*/ 3063922 w 3063922"/>
-              <a:gd name="connsiteY2" fmla="*/ 1536313 h 1536313"/>
-              <a:gd name="connsiteX3" fmla="*/ 1159657 w 3063922"/>
-              <a:gd name="connsiteY3" fmla="*/ 1533912 h 1536313"/>
-              <a:gd name="connsiteX4" fmla="*/ 820500 w 3063922"/>
-              <a:gd name="connsiteY4" fmla="*/ 1533598 h 1536313"/>
-              <a:gd name="connsiteX5" fmla="*/ 415949 w 3063922"/>
-              <a:gd name="connsiteY5" fmla="*/ 1533912 h 1536313"/>
-              <a:gd name="connsiteX6" fmla="*/ 0 w 3063922"/>
-              <a:gd name="connsiteY6" fmla="*/ 1536313 h 1536313"/>
-              <a:gd name="connsiteX7" fmla="*/ 0 w 3063922"/>
-              <a:gd name="connsiteY7" fmla="*/ 0 h 1536313"/>
-            </a:gdLst>
-            <a:ahLst/>
-            <a:cxnLst>
-              <a:cxn ang="0">
-                <a:pos x="connsiteX0" y="connsiteY0"/>
-              </a:cxn>
-              <a:cxn ang="0">
-                <a:pos x="connsiteX1" y="connsiteY1"/>
-              </a:cxn>
-              <a:cxn ang="0">
-                <a:pos x="connsiteX2" y="connsiteY2"/>
-              </a:cxn>
-              <a:cxn ang="0">
-                <a:pos x="connsiteX3" y="connsiteY3"/>
-              </a:cxn>
-              <a:cxn ang="0">
-                <a:pos x="connsiteX4" y="connsiteY4"/>
-              </a:cxn>
-              <a:cxn ang="0">
-                <a:pos x="connsiteX5" y="connsiteY5"/>
-              </a:cxn>
-              <a:cxn ang="0">
-                <a:pos x="connsiteX6" y="connsiteY6"/>
-              </a:cxn>
-              <a:cxn ang="0">
-                <a:pos x="connsiteX7" y="connsiteY7"/>
-              </a:cxn>
-            </a:cxnLst>
-            <a:rect l="l" t="t" r="r" b="b"/>
-            <a:pathLst>
-              <a:path w="3063922" h="1536313">
-                <a:moveTo>
-                  <a:pt x="0" y="0"/>
-                </a:moveTo>
-                <a:lnTo>
-                  <a:pt x="3063922" y="0"/>
-                </a:lnTo>
-                <a:lnTo>
-                  <a:pt x="3063922" y="1536313"/>
-                </a:lnTo>
-                <a:lnTo>
-                  <a:pt x="1159657" y="1533912"/>
-                </a:lnTo>
-                <a:lnTo>
-                  <a:pt x="820500" y="1533598"/>
-                </a:lnTo>
-                <a:lnTo>
-                  <a:pt x="415949" y="1533912"/>
-                </a:lnTo>
-                <a:lnTo>
-                  <a:pt x="0" y="1536313"/>
-                </a:lnTo>
-                <a:lnTo>
-                  <a:pt x="0" y="0"/>
-                </a:lnTo>
-                <a:close/>
-              </a:path>
-            </a:pathLst>
-          </a:custGeom>
+          </a:prstGeom>
           <a:noFill/>
           <a:ln>
             <a:solidFill>
@@ -4744,7 +5565,6 @@
           <a:bodyPr rtlCol="0" anchor="t" anchorCtr="0"/>
           <a:lstStyle/>
           <a:p>
-            <a:pPr algn="ctr"/>
             <a:r>
               <a:rPr lang="en-US" sz="1200" dirty="0">
                 <a:solidFill>
@@ -4753,17 +5573,17 @@
                 <a:latin typeface="Arial" panose="020B0604020202020204" pitchFamily="34" charset="0"/>
                 <a:cs typeface="Arial" panose="020B0604020202020204" pitchFamily="34" charset="0"/>
               </a:rPr>
-              <a:t>Liquibase Pro via AWS CodeBuild</a:t>
+              <a:t>Test</a:t>
             </a:r>
           </a:p>
         </p:txBody>
       </p:sp>
       <p:pic>
         <p:nvPicPr>
-          <p:cNvPr id="30" name="Graphic 8">
-            <a:extLst>
-              <a:ext uri="{FF2B5EF4-FFF2-40B4-BE49-F238E27FC236}">
-                <a16:creationId xmlns:a16="http://schemas.microsoft.com/office/drawing/2014/main" id="{49872A5D-9F48-4070-A0AD-C4013DBEDF9F}"/>
+          <p:cNvPr id="52" name="Graphic 6">
+            <a:extLst>
+              <a:ext uri="{FF2B5EF4-FFF2-40B4-BE49-F238E27FC236}">
+                <a16:creationId xmlns:a16="http://schemas.microsoft.com/office/drawing/2014/main" id="{9ED76D6E-D147-4E51-A3B8-D8129FC46FBD}"/>
               </a:ext>
             </a:extLst>
           </p:cNvPr>
@@ -4773,7 +5593,7 @@
           <p:nvPr/>
         </p:nvPicPr>
         <p:blipFill>
-          <a:blip r:embed="rId10">
+          <a:blip r:embed="rId14">
             <a:extLst>
               <a:ext uri="{28A0092B-C50C-407E-A947-70E740481C1C}">
                 <a14:useLocalDpi xmlns:a14="http://schemas.microsoft.com/office/drawing/2010/main" val="0"/>
@@ -4787,7 +5607,7 @@
         </p:blipFill>
         <p:spPr bwMode="auto">
           <a:xfrm>
-            <a:off x="9920286" y="2485808"/>
+            <a:off x="4497198" y="4741666"/>
             <a:ext cx="762000" cy="762000"/>
           </a:xfrm>
           <a:prstGeom prst="rect">
@@ -4818,581 +5638,12 @@
           </a:extLst>
         </p:spPr>
       </p:pic>
-      <p:sp>
-        <p:nvSpPr>
-          <p:cNvPr id="31" name="TextBox 9">
-            <a:extLst>
-              <a:ext uri="{FF2B5EF4-FFF2-40B4-BE49-F238E27FC236}">
-                <a16:creationId xmlns:a16="http://schemas.microsoft.com/office/drawing/2014/main" id="{557FC45D-D762-414A-A0B2-5ECB32BCEAC8}"/>
-              </a:ext>
-            </a:extLst>
-          </p:cNvPr>
-          <p:cNvSpPr txBox="1">
-            <a:spLocks noChangeArrowheads="1"/>
-          </p:cNvSpPr>
-          <p:nvPr/>
-        </p:nvSpPr>
-        <p:spPr bwMode="auto">
-          <a:xfrm>
-            <a:off x="9181305" y="3248214"/>
-            <a:ext cx="2239962" cy="461665"/>
-          </a:xfrm>
-          <a:prstGeom prst="rect">
-            <a:avLst/>
-          </a:prstGeom>
-          <a:noFill/>
-          <a:ln>
-            <a:noFill/>
-          </a:ln>
-          <a:extLst>
-            <a:ext uri="{909E8E84-426E-40DD-AFC4-6F175D3DCCD1}">
-              <a14:hiddenFill xmlns:a14="http://schemas.microsoft.com/office/drawing/2010/main">
-                <a:solidFill>
-                  <a:srgbClr val="FFFFFF"/>
-                </a:solidFill>
-              </a14:hiddenFill>
-            </a:ext>
-            <a:ext uri="{91240B29-F687-4F45-9708-019B960494DF}">
-              <a14:hiddenLine xmlns:a14="http://schemas.microsoft.com/office/drawing/2010/main" w="9525">
-                <a:solidFill>
-                  <a:srgbClr val="000000"/>
-                </a:solidFill>
-                <a:miter lim="800000"/>
-                <a:headEnd/>
-                <a:tailEnd/>
-              </a14:hiddenLine>
-            </a:ext>
-          </a:extLst>
-        </p:spPr>
-        <p:txBody>
-          <a:bodyPr>
-            <a:spAutoFit/>
-          </a:bodyPr>
-          <a:lstStyle>
-            <a:lvl1pPr>
-              <a:defRPr>
-                <a:solidFill>
-                  <a:schemeClr val="tx1"/>
-                </a:solidFill>
-                <a:latin typeface="Calibri" panose="020F0502020204030204" pitchFamily="34" charset="0"/>
-              </a:defRPr>
-            </a:lvl1pPr>
-            <a:lvl2pPr marL="742950" indent="-285750">
-              <a:defRPr>
-                <a:solidFill>
-                  <a:schemeClr val="tx1"/>
-                </a:solidFill>
-                <a:latin typeface="Calibri" panose="020F0502020204030204" pitchFamily="34" charset="0"/>
-              </a:defRPr>
-            </a:lvl2pPr>
-            <a:lvl3pPr marL="1143000" indent="-228600">
-              <a:defRPr>
-                <a:solidFill>
-                  <a:schemeClr val="tx1"/>
-                </a:solidFill>
-                <a:latin typeface="Calibri" panose="020F0502020204030204" pitchFamily="34" charset="0"/>
-              </a:defRPr>
-            </a:lvl3pPr>
-            <a:lvl4pPr marL="1600200" indent="-228600">
-              <a:defRPr>
-                <a:solidFill>
-                  <a:schemeClr val="tx1"/>
-                </a:solidFill>
-                <a:latin typeface="Calibri" panose="020F0502020204030204" pitchFamily="34" charset="0"/>
-              </a:defRPr>
-            </a:lvl4pPr>
-            <a:lvl5pPr marL="2057400" indent="-228600">
-              <a:defRPr>
-                <a:solidFill>
-                  <a:schemeClr val="tx1"/>
-                </a:solidFill>
-                <a:latin typeface="Calibri" panose="020F0502020204030204" pitchFamily="34" charset="0"/>
-              </a:defRPr>
-            </a:lvl5pPr>
-            <a:lvl6pPr marL="2514600" indent="-228600" eaLnBrk="0" fontAlgn="base" hangingPunct="0">
-              <a:spcBef>
-                <a:spcPct val="0"/>
-              </a:spcBef>
-              <a:spcAft>
-                <a:spcPct val="0"/>
-              </a:spcAft>
-              <a:defRPr>
-                <a:solidFill>
-                  <a:schemeClr val="tx1"/>
-                </a:solidFill>
-                <a:latin typeface="Calibri" panose="020F0502020204030204" pitchFamily="34" charset="0"/>
-              </a:defRPr>
-            </a:lvl6pPr>
-            <a:lvl7pPr marL="2971800" indent="-228600" eaLnBrk="0" fontAlgn="base" hangingPunct="0">
-              <a:spcBef>
-                <a:spcPct val="0"/>
-              </a:spcBef>
-              <a:spcAft>
-                <a:spcPct val="0"/>
-              </a:spcAft>
-              <a:defRPr>
-                <a:solidFill>
-                  <a:schemeClr val="tx1"/>
-                </a:solidFill>
-                <a:latin typeface="Calibri" panose="020F0502020204030204" pitchFamily="34" charset="0"/>
-              </a:defRPr>
-            </a:lvl7pPr>
-            <a:lvl8pPr marL="3429000" indent="-228600" eaLnBrk="0" fontAlgn="base" hangingPunct="0">
-              <a:spcBef>
-                <a:spcPct val="0"/>
-              </a:spcBef>
-              <a:spcAft>
-                <a:spcPct val="0"/>
-              </a:spcAft>
-              <a:defRPr>
-                <a:solidFill>
-                  <a:schemeClr val="tx1"/>
-                </a:solidFill>
-                <a:latin typeface="Calibri" panose="020F0502020204030204" pitchFamily="34" charset="0"/>
-              </a:defRPr>
-            </a:lvl8pPr>
-            <a:lvl9pPr marL="3886200" indent="-228600" eaLnBrk="0" fontAlgn="base" hangingPunct="0">
-              <a:spcBef>
-                <a:spcPct val="0"/>
-              </a:spcBef>
-              <a:spcAft>
-                <a:spcPct val="0"/>
-              </a:spcAft>
-              <a:defRPr>
-                <a:solidFill>
-                  <a:schemeClr val="tx1"/>
-                </a:solidFill>
-                <a:latin typeface="Calibri" panose="020F0502020204030204" pitchFamily="34" charset="0"/>
-              </a:defRPr>
-            </a:lvl9pPr>
-          </a:lstStyle>
-          <a:p>
-            <a:pPr algn="ctr" eaLnBrk="1" hangingPunct="1"/>
-            <a:r>
-              <a:rPr lang="en-US" altLang="en-US" sz="1200" dirty="0">
-                <a:latin typeface="Arial" panose="020B0604020202020204" pitchFamily="34" charset="0"/>
-                <a:ea typeface="Amazon Ember" panose="020B0603020204020204" pitchFamily="34" charset="0"/>
-                <a:cs typeface="Arial" panose="020B0604020202020204" pitchFamily="34" charset="0"/>
-              </a:rPr>
-              <a:t>Amazon Simple Storage Service (Amazon S3)</a:t>
-            </a:r>
-          </a:p>
-        </p:txBody>
-      </p:sp>
-      <p:cxnSp>
-        <p:nvCxnSpPr>
-          <p:cNvPr id="33" name="Straight Arrow Connector 32">
-            <a:extLst>
-              <a:ext uri="{FF2B5EF4-FFF2-40B4-BE49-F238E27FC236}">
-                <a16:creationId xmlns:a16="http://schemas.microsoft.com/office/drawing/2014/main" id="{D0741506-DC54-4832-8FB3-3420FDD1B110}"/>
-              </a:ext>
-            </a:extLst>
-          </p:cNvPr>
-          <p:cNvCxnSpPr>
-            <a:cxnSpLocks/>
-            <a:stCxn id="25" idx="2"/>
-          </p:cNvCxnSpPr>
-          <p:nvPr/>
-        </p:nvCxnSpPr>
-        <p:spPr>
-          <a:xfrm>
-            <a:off x="7335837" y="1819275"/>
-            <a:ext cx="0" cy="390138"/>
-          </a:xfrm>
-          <a:prstGeom prst="straightConnector1">
-            <a:avLst/>
-          </a:prstGeom>
-          <a:ln>
-            <a:solidFill>
-              <a:schemeClr val="tx1"/>
-            </a:solidFill>
-            <a:tailEnd type="triangle"/>
-          </a:ln>
-        </p:spPr>
-        <p:style>
-          <a:lnRef idx="1">
-            <a:schemeClr val="accent1"/>
-          </a:lnRef>
-          <a:fillRef idx="0">
-            <a:schemeClr val="accent1"/>
-          </a:fillRef>
-          <a:effectRef idx="0">
-            <a:schemeClr val="accent1"/>
-          </a:effectRef>
-          <a:fontRef idx="minor">
-            <a:schemeClr val="tx1"/>
-          </a:fontRef>
-        </p:style>
-      </p:cxnSp>
-      <p:sp>
-        <p:nvSpPr>
-          <p:cNvPr id="26" name="TextBox 9">
-            <a:extLst>
-              <a:ext uri="{FF2B5EF4-FFF2-40B4-BE49-F238E27FC236}">
-                <a16:creationId xmlns:a16="http://schemas.microsoft.com/office/drawing/2014/main" id="{E89BE5F6-B45C-477A-8ACF-22A6E59EF656}"/>
-              </a:ext>
-            </a:extLst>
-          </p:cNvPr>
-          <p:cNvSpPr txBox="1">
-            <a:spLocks noChangeArrowheads="1"/>
-          </p:cNvSpPr>
-          <p:nvPr/>
-        </p:nvSpPr>
-        <p:spPr bwMode="auto">
-          <a:xfrm>
-            <a:off x="6207317" y="777575"/>
-            <a:ext cx="2243137" cy="276999"/>
-          </a:xfrm>
-          <a:prstGeom prst="rect">
-            <a:avLst/>
-          </a:prstGeom>
-          <a:noFill/>
-          <a:ln>
-            <a:noFill/>
-          </a:ln>
-        </p:spPr>
-        <p:txBody>
-          <a:bodyPr>
-            <a:spAutoFit/>
-          </a:bodyPr>
-          <a:lstStyle>
-            <a:lvl1pPr>
-              <a:defRPr>
-                <a:solidFill>
-                  <a:schemeClr val="tx1"/>
-                </a:solidFill>
-                <a:latin typeface="Calibri" panose="020F0502020204030204" pitchFamily="34" charset="0"/>
-              </a:defRPr>
-            </a:lvl1pPr>
-            <a:lvl2pPr marL="742950" indent="-285750">
-              <a:defRPr>
-                <a:solidFill>
-                  <a:schemeClr val="tx1"/>
-                </a:solidFill>
-                <a:latin typeface="Calibri" panose="020F0502020204030204" pitchFamily="34" charset="0"/>
-              </a:defRPr>
-            </a:lvl2pPr>
-            <a:lvl3pPr marL="1143000" indent="-228600">
-              <a:defRPr>
-                <a:solidFill>
-                  <a:schemeClr val="tx1"/>
-                </a:solidFill>
-                <a:latin typeface="Calibri" panose="020F0502020204030204" pitchFamily="34" charset="0"/>
-              </a:defRPr>
-            </a:lvl3pPr>
-            <a:lvl4pPr marL="1600200" indent="-228600">
-              <a:defRPr>
-                <a:solidFill>
-                  <a:schemeClr val="tx1"/>
-                </a:solidFill>
-                <a:latin typeface="Calibri" panose="020F0502020204030204" pitchFamily="34" charset="0"/>
-              </a:defRPr>
-            </a:lvl4pPr>
-            <a:lvl5pPr marL="2057400" indent="-228600">
-              <a:defRPr>
-                <a:solidFill>
-                  <a:schemeClr val="tx1"/>
-                </a:solidFill>
-                <a:latin typeface="Calibri" panose="020F0502020204030204" pitchFamily="34" charset="0"/>
-              </a:defRPr>
-            </a:lvl5pPr>
-            <a:lvl6pPr marL="2514600" indent="-228600" eaLnBrk="0" fontAlgn="base" hangingPunct="0">
-              <a:spcBef>
-                <a:spcPct val="0"/>
-              </a:spcBef>
-              <a:spcAft>
-                <a:spcPct val="0"/>
-              </a:spcAft>
-              <a:defRPr>
-                <a:solidFill>
-                  <a:schemeClr val="tx1"/>
-                </a:solidFill>
-                <a:latin typeface="Calibri" panose="020F0502020204030204" pitchFamily="34" charset="0"/>
-              </a:defRPr>
-            </a:lvl6pPr>
-            <a:lvl7pPr marL="2971800" indent="-228600" eaLnBrk="0" fontAlgn="base" hangingPunct="0">
-              <a:spcBef>
-                <a:spcPct val="0"/>
-              </a:spcBef>
-              <a:spcAft>
-                <a:spcPct val="0"/>
-              </a:spcAft>
-              <a:defRPr>
-                <a:solidFill>
-                  <a:schemeClr val="tx1"/>
-                </a:solidFill>
-                <a:latin typeface="Calibri" panose="020F0502020204030204" pitchFamily="34" charset="0"/>
-              </a:defRPr>
-            </a:lvl7pPr>
-            <a:lvl8pPr marL="3429000" indent="-228600" eaLnBrk="0" fontAlgn="base" hangingPunct="0">
-              <a:spcBef>
-                <a:spcPct val="0"/>
-              </a:spcBef>
-              <a:spcAft>
-                <a:spcPct val="0"/>
-              </a:spcAft>
-              <a:defRPr>
-                <a:solidFill>
-                  <a:schemeClr val="tx1"/>
-                </a:solidFill>
-                <a:latin typeface="Calibri" panose="020F0502020204030204" pitchFamily="34" charset="0"/>
-              </a:defRPr>
-            </a:lvl8pPr>
-            <a:lvl9pPr marL="3886200" indent="-228600" eaLnBrk="0" fontAlgn="base" hangingPunct="0">
-              <a:spcBef>
-                <a:spcPct val="0"/>
-              </a:spcBef>
-              <a:spcAft>
-                <a:spcPct val="0"/>
-              </a:spcAft>
-              <a:defRPr>
-                <a:solidFill>
-                  <a:schemeClr val="tx1"/>
-                </a:solidFill>
-                <a:latin typeface="Calibri" panose="020F0502020204030204" pitchFamily="34" charset="0"/>
-              </a:defRPr>
-            </a:lvl9pPr>
-          </a:lstStyle>
-          <a:p>
-            <a:pPr algn="ctr" eaLnBrk="1" hangingPunct="1"/>
-            <a:r>
-              <a:rPr lang="en-US" altLang="en-US" sz="1200" dirty="0">
-                <a:latin typeface="Arial" panose="020B0604020202020204" pitchFamily="34" charset="0"/>
-                <a:ea typeface="Amazon Ember" panose="020B0603020204020204" pitchFamily="34" charset="0"/>
-                <a:cs typeface="Arial" panose="020B0604020202020204" pitchFamily="34" charset="0"/>
-              </a:rPr>
-              <a:t>AWS CodePipeline</a:t>
-            </a:r>
-          </a:p>
-        </p:txBody>
-      </p:sp>
       <p:pic>
         <p:nvPicPr>
-          <p:cNvPr id="38" name="Graphic 19">
-            <a:extLst>
-              <a:ext uri="{FF2B5EF4-FFF2-40B4-BE49-F238E27FC236}">
-                <a16:creationId xmlns:a16="http://schemas.microsoft.com/office/drawing/2014/main" id="{E252FEB5-17D7-49C4-83D5-48CFCA7FB4C4}"/>
-              </a:ext>
-            </a:extLst>
-          </p:cNvPr>
-          <p:cNvPicPr>
-            <a:picLocks noChangeAspect="1" noChangeArrowheads="1"/>
-          </p:cNvPicPr>
-          <p:nvPr/>
-        </p:nvPicPr>
-        <p:blipFill>
-          <a:blip r:embed="rId11">
-            <a:extLst>
-              <a:ext uri="{28A0092B-C50C-407E-A947-70E740481C1C}">
-                <a14:useLocalDpi xmlns:a14="http://schemas.microsoft.com/office/drawing/2010/main" val="0"/>
-              </a:ext>
-            </a:extLst>
-          </a:blip>
-          <a:srcRect/>
-          <a:stretch>
-            <a:fillRect/>
-          </a:stretch>
-        </p:blipFill>
-        <p:spPr bwMode="auto">
-          <a:xfrm>
-            <a:off x="6215062" y="2480449"/>
-            <a:ext cx="762000" cy="762000"/>
-          </a:xfrm>
-          <a:prstGeom prst="rect">
-            <a:avLst/>
-          </a:prstGeom>
-          <a:noFill/>
-          <a:ln>
-            <a:noFill/>
-          </a:ln>
-          <a:extLst>
-            <a:ext uri="{909E8E84-426E-40DD-AFC4-6F175D3DCCD1}">
-              <a14:hiddenFill xmlns:a14="http://schemas.microsoft.com/office/drawing/2010/main">
-                <a:solidFill>
-                  <a:srgbClr val="FFFFFF"/>
-                </a:solidFill>
-              </a14:hiddenFill>
-            </a:ext>
-            <a:ext uri="{91240B29-F687-4F45-9708-019B960494DF}">
-              <a14:hiddenLine xmlns:a14="http://schemas.microsoft.com/office/drawing/2010/main" w="9525">
-                <a:solidFill>
-                  <a:srgbClr val="000000"/>
-                </a:solidFill>
-                <a:miter lim="800000"/>
-                <a:headEnd/>
-                <a:tailEnd/>
-              </a14:hiddenLine>
-            </a:ext>
-          </a:extLst>
-        </p:spPr>
-      </p:pic>
-      <p:sp>
-        <p:nvSpPr>
-          <p:cNvPr id="39" name="TextBox 11">
-            <a:extLst>
-              <a:ext uri="{FF2B5EF4-FFF2-40B4-BE49-F238E27FC236}">
-                <a16:creationId xmlns:a16="http://schemas.microsoft.com/office/drawing/2014/main" id="{B4DB8034-B4FF-41BE-A4C8-DDD23D28C5D6}"/>
-              </a:ext>
-            </a:extLst>
-          </p:cNvPr>
-          <p:cNvSpPr txBox="1">
-            <a:spLocks noChangeArrowheads="1"/>
-          </p:cNvSpPr>
-          <p:nvPr/>
-        </p:nvSpPr>
-        <p:spPr bwMode="auto">
-          <a:xfrm>
-            <a:off x="5457825" y="3242449"/>
-            <a:ext cx="2292350" cy="276999"/>
-          </a:xfrm>
-          <a:prstGeom prst="rect">
-            <a:avLst/>
-          </a:prstGeom>
-          <a:noFill/>
-          <a:ln>
-            <a:noFill/>
-          </a:ln>
-          <a:extLst>
-            <a:ext uri="{909E8E84-426E-40DD-AFC4-6F175D3DCCD1}">
-              <a14:hiddenFill xmlns:a14="http://schemas.microsoft.com/office/drawing/2010/main">
-                <a:solidFill>
-                  <a:srgbClr val="FFFFFF"/>
-                </a:solidFill>
-              </a14:hiddenFill>
-            </a:ext>
-            <a:ext uri="{91240B29-F687-4F45-9708-019B960494DF}">
-              <a14:hiddenLine xmlns:a14="http://schemas.microsoft.com/office/drawing/2010/main" w="9525">
-                <a:solidFill>
-                  <a:srgbClr val="000000"/>
-                </a:solidFill>
-                <a:miter lim="800000"/>
-                <a:headEnd/>
-                <a:tailEnd/>
-              </a14:hiddenLine>
-            </a:ext>
-          </a:extLst>
-        </p:spPr>
-        <p:txBody>
-          <a:bodyPr>
-            <a:spAutoFit/>
-          </a:bodyPr>
-          <a:lstStyle>
-            <a:lvl1pPr>
-              <a:defRPr>
-                <a:solidFill>
-                  <a:schemeClr val="tx1"/>
-                </a:solidFill>
-                <a:latin typeface="Calibri" panose="020F0502020204030204" pitchFamily="34" charset="0"/>
-              </a:defRPr>
-            </a:lvl1pPr>
-            <a:lvl2pPr marL="742950" indent="-285750">
-              <a:defRPr>
-                <a:solidFill>
-                  <a:schemeClr val="tx1"/>
-                </a:solidFill>
-                <a:latin typeface="Calibri" panose="020F0502020204030204" pitchFamily="34" charset="0"/>
-              </a:defRPr>
-            </a:lvl2pPr>
-            <a:lvl3pPr marL="1143000" indent="-228600">
-              <a:defRPr>
-                <a:solidFill>
-                  <a:schemeClr val="tx1"/>
-                </a:solidFill>
-                <a:latin typeface="Calibri" panose="020F0502020204030204" pitchFamily="34" charset="0"/>
-              </a:defRPr>
-            </a:lvl3pPr>
-            <a:lvl4pPr marL="1600200" indent="-228600">
-              <a:defRPr>
-                <a:solidFill>
-                  <a:schemeClr val="tx1"/>
-                </a:solidFill>
-                <a:latin typeface="Calibri" panose="020F0502020204030204" pitchFamily="34" charset="0"/>
-              </a:defRPr>
-            </a:lvl4pPr>
-            <a:lvl5pPr marL="2057400" indent="-228600">
-              <a:defRPr>
-                <a:solidFill>
-                  <a:schemeClr val="tx1"/>
-                </a:solidFill>
-                <a:latin typeface="Calibri" panose="020F0502020204030204" pitchFamily="34" charset="0"/>
-              </a:defRPr>
-            </a:lvl5pPr>
-            <a:lvl6pPr marL="2514600" indent="-228600" eaLnBrk="0" fontAlgn="base" hangingPunct="0">
-              <a:spcBef>
-                <a:spcPct val="0"/>
-              </a:spcBef>
-              <a:spcAft>
-                <a:spcPct val="0"/>
-              </a:spcAft>
-              <a:defRPr>
-                <a:solidFill>
-                  <a:schemeClr val="tx1"/>
-                </a:solidFill>
-                <a:latin typeface="Calibri" panose="020F0502020204030204" pitchFamily="34" charset="0"/>
-              </a:defRPr>
-            </a:lvl6pPr>
-            <a:lvl7pPr marL="2971800" indent="-228600" eaLnBrk="0" fontAlgn="base" hangingPunct="0">
-              <a:spcBef>
-                <a:spcPct val="0"/>
-              </a:spcBef>
-              <a:spcAft>
-                <a:spcPct val="0"/>
-              </a:spcAft>
-              <a:defRPr>
-                <a:solidFill>
-                  <a:schemeClr val="tx1"/>
-                </a:solidFill>
-                <a:latin typeface="Calibri" panose="020F0502020204030204" pitchFamily="34" charset="0"/>
-              </a:defRPr>
-            </a:lvl7pPr>
-            <a:lvl8pPr marL="3429000" indent="-228600" eaLnBrk="0" fontAlgn="base" hangingPunct="0">
-              <a:spcBef>
-                <a:spcPct val="0"/>
-              </a:spcBef>
-              <a:spcAft>
-                <a:spcPct val="0"/>
-              </a:spcAft>
-              <a:defRPr>
-                <a:solidFill>
-                  <a:schemeClr val="tx1"/>
-                </a:solidFill>
-                <a:latin typeface="Calibri" panose="020F0502020204030204" pitchFamily="34" charset="0"/>
-              </a:defRPr>
-            </a:lvl8pPr>
-            <a:lvl9pPr marL="3886200" indent="-228600" eaLnBrk="0" fontAlgn="base" hangingPunct="0">
-              <a:spcBef>
-                <a:spcPct val="0"/>
-              </a:spcBef>
-              <a:spcAft>
-                <a:spcPct val="0"/>
-              </a:spcAft>
-              <a:defRPr>
-                <a:solidFill>
-                  <a:schemeClr val="tx1"/>
-                </a:solidFill>
-                <a:latin typeface="Calibri" panose="020F0502020204030204" pitchFamily="34" charset="0"/>
-              </a:defRPr>
-            </a:lvl9pPr>
-          </a:lstStyle>
-          <a:p>
-            <a:pPr algn="ctr" eaLnBrk="1" hangingPunct="1"/>
-            <a:r>
-              <a:rPr lang="en-US" altLang="en-US" sz="1200" dirty="0">
-                <a:latin typeface="Arial" panose="020B0604020202020204" pitchFamily="34" charset="0"/>
-                <a:ea typeface="Amazon Ember" panose="020B0603020204020204" pitchFamily="34" charset="0"/>
-                <a:cs typeface="Arial" panose="020B0604020202020204" pitchFamily="34" charset="0"/>
-              </a:rPr>
-              <a:t>AWS CodeBuild</a:t>
-            </a:r>
-          </a:p>
-        </p:txBody>
-      </p:sp>
-      <p:pic>
-        <p:nvPicPr>
-          <p:cNvPr id="46" name="Picture 45">
-            <a:extLst>
-              <a:ext uri="{FF2B5EF4-FFF2-40B4-BE49-F238E27FC236}">
-                <a16:creationId xmlns:a16="http://schemas.microsoft.com/office/drawing/2014/main" id="{484A49EF-0EE5-45AF-B978-397033D95F96}"/>
+          <p:cNvPr id="55" name="Graphic 54">
+            <a:extLst>
+              <a:ext uri="{FF2B5EF4-FFF2-40B4-BE49-F238E27FC236}">
+                <a16:creationId xmlns:a16="http://schemas.microsoft.com/office/drawing/2014/main" id="{58DD49BD-3576-4F00-9E84-0617E2D97930}"/>
               </a:ext>
             </a:extLst>
           </p:cNvPr>
@@ -5402,10 +5653,10 @@
           <p:nvPr/>
         </p:nvPicPr>
         <p:blipFill>
-          <a:blip r:embed="rId12">
-            <a:extLst>
-              <a:ext uri="{28A0092B-C50C-407E-A947-70E740481C1C}">
-                <a14:useLocalDpi xmlns:a14="http://schemas.microsoft.com/office/drawing/2010/main" val="0"/>
+          <a:blip r:embed="rId15">
+            <a:extLst>
+              <a:ext uri="{96DAC541-7B7A-43D3-8B79-37D633B846F1}">
+                <asvg:svgBlip xmlns:asvg="http://schemas.microsoft.com/office/drawing/2016/SVG/main" r:embed="rId16"/>
               </a:ext>
             </a:extLst>
           </a:blip>
@@ -5415,8 +5666,8 @@
         </p:blipFill>
         <p:spPr>
           <a:xfrm>
-            <a:off x="7691502" y="2479271"/>
-            <a:ext cx="758952" cy="758952"/>
+            <a:off x="1908142" y="3561710"/>
+            <a:ext cx="381000" cy="381000"/>
           </a:xfrm>
           <a:prstGeom prst="rect">
             <a:avLst/>
@@ -5425,227 +5676,20 @@
       </p:pic>
       <p:sp>
         <p:nvSpPr>
-          <p:cNvPr id="47" name="TextBox 11">
-            <a:extLst>
-              <a:ext uri="{FF2B5EF4-FFF2-40B4-BE49-F238E27FC236}">
-                <a16:creationId xmlns:a16="http://schemas.microsoft.com/office/drawing/2014/main" id="{1A69D172-13F5-4959-A79D-488356159F85}"/>
-              </a:ext>
-            </a:extLst>
-          </p:cNvPr>
-          <p:cNvSpPr txBox="1">
-            <a:spLocks noChangeArrowheads="1"/>
-          </p:cNvSpPr>
+          <p:cNvPr id="56" name="Rectangle 55">
+            <a:extLst>
+              <a:ext uri="{FF2B5EF4-FFF2-40B4-BE49-F238E27FC236}">
+                <a16:creationId xmlns:a16="http://schemas.microsoft.com/office/drawing/2014/main" id="{9E73A98B-7EAD-4841-A9A8-BA2B41F4C1A9}"/>
+              </a:ext>
+            </a:extLst>
+          </p:cNvPr>
+          <p:cNvSpPr/>
           <p:nvPr/>
         </p:nvSpPr>
-        <p:spPr bwMode="auto">
-          <a:xfrm>
-            <a:off x="6921499" y="3247808"/>
-            <a:ext cx="2292350" cy="276999"/>
-          </a:xfrm>
-          <a:prstGeom prst="rect">
-            <a:avLst/>
-          </a:prstGeom>
-          <a:noFill/>
-          <a:ln>
-            <a:noFill/>
-          </a:ln>
-          <a:extLst>
-            <a:ext uri="{909E8E84-426E-40DD-AFC4-6F175D3DCCD1}">
-              <a14:hiddenFill xmlns:a14="http://schemas.microsoft.com/office/drawing/2010/main">
-                <a:solidFill>
-                  <a:srgbClr val="FFFFFF"/>
-                </a:solidFill>
-              </a14:hiddenFill>
-            </a:ext>
-            <a:ext uri="{91240B29-F687-4F45-9708-019B960494DF}">
-              <a14:hiddenLine xmlns:a14="http://schemas.microsoft.com/office/drawing/2010/main" w="9525">
-                <a:solidFill>
-                  <a:srgbClr val="000000"/>
-                </a:solidFill>
-                <a:miter lim="800000"/>
-                <a:headEnd/>
-                <a:tailEnd/>
-              </a14:hiddenLine>
-            </a:ext>
-          </a:extLst>
-        </p:spPr>
-        <p:txBody>
-          <a:bodyPr>
-            <a:spAutoFit/>
-          </a:bodyPr>
-          <a:lstStyle>
-            <a:lvl1pPr>
-              <a:defRPr>
-                <a:solidFill>
-                  <a:schemeClr val="tx1"/>
-                </a:solidFill>
-                <a:latin typeface="Calibri" panose="020F0502020204030204" pitchFamily="34" charset="0"/>
-              </a:defRPr>
-            </a:lvl1pPr>
-            <a:lvl2pPr marL="742950" indent="-285750">
-              <a:defRPr>
-                <a:solidFill>
-                  <a:schemeClr val="tx1"/>
-                </a:solidFill>
-                <a:latin typeface="Calibri" panose="020F0502020204030204" pitchFamily="34" charset="0"/>
-              </a:defRPr>
-            </a:lvl2pPr>
-            <a:lvl3pPr marL="1143000" indent="-228600">
-              <a:defRPr>
-                <a:solidFill>
-                  <a:schemeClr val="tx1"/>
-                </a:solidFill>
-                <a:latin typeface="Calibri" panose="020F0502020204030204" pitchFamily="34" charset="0"/>
-              </a:defRPr>
-            </a:lvl3pPr>
-            <a:lvl4pPr marL="1600200" indent="-228600">
-              <a:defRPr>
-                <a:solidFill>
-                  <a:schemeClr val="tx1"/>
-                </a:solidFill>
-                <a:latin typeface="Calibri" panose="020F0502020204030204" pitchFamily="34" charset="0"/>
-              </a:defRPr>
-            </a:lvl4pPr>
-            <a:lvl5pPr marL="2057400" indent="-228600">
-              <a:defRPr>
-                <a:solidFill>
-                  <a:schemeClr val="tx1"/>
-                </a:solidFill>
-                <a:latin typeface="Calibri" panose="020F0502020204030204" pitchFamily="34" charset="0"/>
-              </a:defRPr>
-            </a:lvl5pPr>
-            <a:lvl6pPr marL="2514600" indent="-228600" eaLnBrk="0" fontAlgn="base" hangingPunct="0">
-              <a:spcBef>
-                <a:spcPct val="0"/>
-              </a:spcBef>
-              <a:spcAft>
-                <a:spcPct val="0"/>
-              </a:spcAft>
-              <a:defRPr>
-                <a:solidFill>
-                  <a:schemeClr val="tx1"/>
-                </a:solidFill>
-                <a:latin typeface="Calibri" panose="020F0502020204030204" pitchFamily="34" charset="0"/>
-              </a:defRPr>
-            </a:lvl6pPr>
-            <a:lvl7pPr marL="2971800" indent="-228600" eaLnBrk="0" fontAlgn="base" hangingPunct="0">
-              <a:spcBef>
-                <a:spcPct val="0"/>
-              </a:spcBef>
-              <a:spcAft>
-                <a:spcPct val="0"/>
-              </a:spcAft>
-              <a:defRPr>
-                <a:solidFill>
-                  <a:schemeClr val="tx1"/>
-                </a:solidFill>
-                <a:latin typeface="Calibri" panose="020F0502020204030204" pitchFamily="34" charset="0"/>
-              </a:defRPr>
-            </a:lvl7pPr>
-            <a:lvl8pPr marL="3429000" indent="-228600" eaLnBrk="0" fontAlgn="base" hangingPunct="0">
-              <a:spcBef>
-                <a:spcPct val="0"/>
-              </a:spcBef>
-              <a:spcAft>
-                <a:spcPct val="0"/>
-              </a:spcAft>
-              <a:defRPr>
-                <a:solidFill>
-                  <a:schemeClr val="tx1"/>
-                </a:solidFill>
-                <a:latin typeface="Calibri" panose="020F0502020204030204" pitchFamily="34" charset="0"/>
-              </a:defRPr>
-            </a:lvl8pPr>
-            <a:lvl9pPr marL="3886200" indent="-228600" eaLnBrk="0" fontAlgn="base" hangingPunct="0">
-              <a:spcBef>
-                <a:spcPct val="0"/>
-              </a:spcBef>
-              <a:spcAft>
-                <a:spcPct val="0"/>
-              </a:spcAft>
-              <a:defRPr>
-                <a:solidFill>
-                  <a:schemeClr val="tx1"/>
-                </a:solidFill>
-                <a:latin typeface="Calibri" panose="020F0502020204030204" pitchFamily="34" charset="0"/>
-              </a:defRPr>
-            </a:lvl9pPr>
-          </a:lstStyle>
-          <a:p>
-            <a:pPr algn="ctr" eaLnBrk="1" hangingPunct="1"/>
-            <a:r>
-              <a:rPr lang="en-US" altLang="en-US" sz="1200" dirty="0">
-                <a:latin typeface="Arial" panose="020B0604020202020204" pitchFamily="34" charset="0"/>
-                <a:ea typeface="Amazon Ember" panose="020B0603020204020204" pitchFamily="34" charset="0"/>
-                <a:cs typeface="Arial" panose="020B0604020202020204" pitchFamily="34" charset="0"/>
-              </a:rPr>
-              <a:t>Liquibase Pro</a:t>
-            </a:r>
-          </a:p>
-        </p:txBody>
-      </p:sp>
-      <p:cxnSp>
-        <p:nvCxnSpPr>
-          <p:cNvPr id="49" name="Straight Arrow Connector 48">
-            <a:extLst>
-              <a:ext uri="{FF2B5EF4-FFF2-40B4-BE49-F238E27FC236}">
-                <a16:creationId xmlns:a16="http://schemas.microsoft.com/office/drawing/2014/main" id="{061862F2-8F7D-4C4A-A82D-F93E7915727F}"/>
-              </a:ext>
-            </a:extLst>
-          </p:cNvPr>
-          <p:cNvCxnSpPr>
-            <a:cxnSpLocks/>
-            <a:endCxn id="30" idx="1"/>
-          </p:cNvCxnSpPr>
-          <p:nvPr/>
-        </p:nvCxnSpPr>
         <p:spPr>
           <a:xfrm>
-            <a:off x="8864688" y="2866808"/>
-            <a:ext cx="1055598" cy="0"/>
-          </a:xfrm>
-          <a:prstGeom prst="straightConnector1">
-            <a:avLst/>
-          </a:prstGeom>
-          <a:ln>
-            <a:solidFill>
-              <a:schemeClr val="tx1"/>
-            </a:solidFill>
-            <a:headEnd type="none"/>
-            <a:tailEnd type="triangle"/>
-          </a:ln>
-        </p:spPr>
-        <p:style>
-          <a:lnRef idx="1">
-            <a:schemeClr val="accent1"/>
-          </a:lnRef>
-          <a:fillRef idx="0">
-            <a:schemeClr val="accent1"/>
-          </a:fillRef>
-          <a:effectRef idx="0">
-            <a:schemeClr val="accent1"/>
-          </a:effectRef>
-          <a:fontRef idx="minor">
-            <a:schemeClr val="tx1"/>
-          </a:fontRef>
-        </p:style>
-      </p:cxnSp>
-      <p:sp>
-        <p:nvSpPr>
-          <p:cNvPr id="51" name="Rectangle 50">
-            <a:extLst>
-              <a:ext uri="{FF2B5EF4-FFF2-40B4-BE49-F238E27FC236}">
-                <a16:creationId xmlns:a16="http://schemas.microsoft.com/office/drawing/2014/main" id="{F78C4E3C-65A7-46F1-B186-C0E0100C9F84}"/>
-              </a:ext>
-            </a:extLst>
-          </p:cNvPr>
-          <p:cNvSpPr/>
-          <p:nvPr/>
-        </p:nvSpPr>
-        <p:spPr>
-          <a:xfrm>
-            <a:off x="1855499" y="4449894"/>
-            <a:ext cx="2147369" cy="1536311"/>
+            <a:off x="6809571" y="4448157"/>
+            <a:ext cx="1786928" cy="1536311"/>
           </a:xfrm>
           <a:prstGeom prst="rect">
             <a:avLst/>
@@ -5686,17 +5730,17 @@
                 <a:latin typeface="Arial" panose="020B0604020202020204" pitchFamily="34" charset="0"/>
                 <a:cs typeface="Arial" panose="020B0604020202020204" pitchFamily="34" charset="0"/>
               </a:rPr>
-              <a:t>Test</a:t>
+              <a:t>Staging</a:t>
             </a:r>
           </a:p>
         </p:txBody>
       </p:sp>
       <p:pic>
         <p:nvPicPr>
-          <p:cNvPr id="52" name="Graphic 6">
-            <a:extLst>
-              <a:ext uri="{FF2B5EF4-FFF2-40B4-BE49-F238E27FC236}">
-                <a16:creationId xmlns:a16="http://schemas.microsoft.com/office/drawing/2014/main" id="{9ED76D6E-D147-4E51-A3B8-D8129FC46FBD}"/>
+          <p:cNvPr id="57" name="Graphic 6">
+            <a:extLst>
+              <a:ext uri="{FF2B5EF4-FFF2-40B4-BE49-F238E27FC236}">
+                <a16:creationId xmlns:a16="http://schemas.microsoft.com/office/drawing/2014/main" id="{8F3D521F-0CE9-4939-B8D6-40B703C9F6C6}"/>
               </a:ext>
             </a:extLst>
           </p:cNvPr>
@@ -5706,7 +5750,7 @@
           <p:nvPr/>
         </p:nvPicPr>
         <p:blipFill>
-          <a:blip r:embed="rId13">
+          <a:blip r:embed="rId14">
             <a:extLst>
               <a:ext uri="{28A0092B-C50C-407E-A947-70E740481C1C}">
                 <a14:useLocalDpi xmlns:a14="http://schemas.microsoft.com/office/drawing/2010/main" val="0"/>
@@ -5720,7 +5764,7 @@
         </p:blipFill>
         <p:spPr bwMode="auto">
           <a:xfrm>
-            <a:off x="2546350" y="4762540"/>
+            <a:off x="7317030" y="4752144"/>
             <a:ext cx="762000" cy="762000"/>
           </a:xfrm>
           <a:prstGeom prst="rect">
@@ -5753,190 +5797,30 @@
       </p:pic>
       <p:sp>
         <p:nvSpPr>
-          <p:cNvPr id="53" name="TextBox 9">
-            <a:extLst>
-              <a:ext uri="{FF2B5EF4-FFF2-40B4-BE49-F238E27FC236}">
-                <a16:creationId xmlns:a16="http://schemas.microsoft.com/office/drawing/2014/main" id="{3C2A38B4-D5C9-455C-A00B-CFCBDB44F987}"/>
-              </a:ext>
-            </a:extLst>
-          </p:cNvPr>
-          <p:cNvSpPr txBox="1">
-            <a:spLocks noChangeArrowheads="1"/>
-          </p:cNvSpPr>
+          <p:cNvPr id="59" name="Rectangle 58">
+            <a:extLst>
+              <a:ext uri="{FF2B5EF4-FFF2-40B4-BE49-F238E27FC236}">
+                <a16:creationId xmlns:a16="http://schemas.microsoft.com/office/drawing/2014/main" id="{47CB1C78-5135-45CC-83D0-C5D6A3032817}"/>
+              </a:ext>
+            </a:extLst>
+          </p:cNvPr>
+          <p:cNvSpPr/>
           <p:nvPr/>
         </p:nvSpPr>
-        <p:spPr bwMode="auto">
+        <p:spPr>
           <a:xfrm>
-            <a:off x="1788318" y="5524540"/>
-            <a:ext cx="2243137" cy="461665"/>
+            <a:off x="9542124" y="4448157"/>
+            <a:ext cx="1786550" cy="1536311"/>
           </a:xfrm>
           <a:prstGeom prst="rect">
             <a:avLst/>
           </a:prstGeom>
           <a:noFill/>
           <a:ln>
-            <a:noFill/>
-          </a:ln>
-          <a:extLst>
-            <a:ext uri="{909E8E84-426E-40DD-AFC4-6F175D3DCCD1}">
-              <a14:hiddenFill xmlns:a14="http://schemas.microsoft.com/office/drawing/2010/main">
-                <a:solidFill>
-                  <a:srgbClr val="FFFFFF"/>
-                </a:solidFill>
-              </a14:hiddenFill>
-            </a:ext>
-            <a:ext uri="{91240B29-F687-4F45-9708-019B960494DF}">
-              <a14:hiddenLine xmlns:a14="http://schemas.microsoft.com/office/drawing/2010/main" w="9525">
-                <a:solidFill>
-                  <a:srgbClr val="000000"/>
-                </a:solidFill>
-                <a:miter lim="800000"/>
-                <a:headEnd/>
-                <a:tailEnd/>
-              </a14:hiddenLine>
-            </a:ext>
-          </a:extLst>
-        </p:spPr>
-        <p:txBody>
-          <a:bodyPr>
-            <a:spAutoFit/>
-          </a:bodyPr>
-          <a:lstStyle>
-            <a:lvl1pPr>
-              <a:defRPr>
-                <a:solidFill>
-                  <a:schemeClr val="tx1"/>
-                </a:solidFill>
-                <a:latin typeface="Calibri" panose="020F0502020204030204" pitchFamily="34" charset="0"/>
-              </a:defRPr>
-            </a:lvl1pPr>
-            <a:lvl2pPr marL="742950" indent="-285750">
-              <a:defRPr>
-                <a:solidFill>
-                  <a:schemeClr val="tx1"/>
-                </a:solidFill>
-                <a:latin typeface="Calibri" panose="020F0502020204030204" pitchFamily="34" charset="0"/>
-              </a:defRPr>
-            </a:lvl2pPr>
-            <a:lvl3pPr marL="1143000" indent="-228600">
-              <a:defRPr>
-                <a:solidFill>
-                  <a:schemeClr val="tx1"/>
-                </a:solidFill>
-                <a:latin typeface="Calibri" panose="020F0502020204030204" pitchFamily="34" charset="0"/>
-              </a:defRPr>
-            </a:lvl3pPr>
-            <a:lvl4pPr marL="1600200" indent="-228600">
-              <a:defRPr>
-                <a:solidFill>
-                  <a:schemeClr val="tx1"/>
-                </a:solidFill>
-                <a:latin typeface="Calibri" panose="020F0502020204030204" pitchFamily="34" charset="0"/>
-              </a:defRPr>
-            </a:lvl4pPr>
-            <a:lvl5pPr marL="2057400" indent="-228600">
-              <a:defRPr>
-                <a:solidFill>
-                  <a:schemeClr val="tx1"/>
-                </a:solidFill>
-                <a:latin typeface="Calibri" panose="020F0502020204030204" pitchFamily="34" charset="0"/>
-              </a:defRPr>
-            </a:lvl5pPr>
-            <a:lvl6pPr marL="2514600" indent="-228600" eaLnBrk="0" fontAlgn="base" hangingPunct="0">
-              <a:spcBef>
-                <a:spcPct val="0"/>
-              </a:spcBef>
-              <a:spcAft>
-                <a:spcPct val="0"/>
-              </a:spcAft>
-              <a:defRPr>
-                <a:solidFill>
-                  <a:schemeClr val="tx1"/>
-                </a:solidFill>
-                <a:latin typeface="Calibri" panose="020F0502020204030204" pitchFamily="34" charset="0"/>
-              </a:defRPr>
-            </a:lvl6pPr>
-            <a:lvl7pPr marL="2971800" indent="-228600" eaLnBrk="0" fontAlgn="base" hangingPunct="0">
-              <a:spcBef>
-                <a:spcPct val="0"/>
-              </a:spcBef>
-              <a:spcAft>
-                <a:spcPct val="0"/>
-              </a:spcAft>
-              <a:defRPr>
-                <a:solidFill>
-                  <a:schemeClr val="tx1"/>
-                </a:solidFill>
-                <a:latin typeface="Calibri" panose="020F0502020204030204" pitchFamily="34" charset="0"/>
-              </a:defRPr>
-            </a:lvl7pPr>
-            <a:lvl8pPr marL="3429000" indent="-228600" eaLnBrk="0" fontAlgn="base" hangingPunct="0">
-              <a:spcBef>
-                <a:spcPct val="0"/>
-              </a:spcBef>
-              <a:spcAft>
-                <a:spcPct val="0"/>
-              </a:spcAft>
-              <a:defRPr>
-                <a:solidFill>
-                  <a:schemeClr val="tx1"/>
-                </a:solidFill>
-                <a:latin typeface="Calibri" panose="020F0502020204030204" pitchFamily="34" charset="0"/>
-              </a:defRPr>
-            </a:lvl8pPr>
-            <a:lvl9pPr marL="3886200" indent="-228600" eaLnBrk="0" fontAlgn="base" hangingPunct="0">
-              <a:spcBef>
-                <a:spcPct val="0"/>
-              </a:spcBef>
-              <a:spcAft>
-                <a:spcPct val="0"/>
-              </a:spcAft>
-              <a:defRPr>
-                <a:solidFill>
-                  <a:schemeClr val="tx1"/>
-                </a:solidFill>
-                <a:latin typeface="Calibri" panose="020F0502020204030204" pitchFamily="34" charset="0"/>
-              </a:defRPr>
-            </a:lvl9pPr>
-          </a:lstStyle>
-          <a:p>
-            <a:pPr algn="ctr" eaLnBrk="1" hangingPunct="1"/>
-            <a:r>
-              <a:rPr lang="en-US" altLang="en-US" sz="1200" dirty="0">
-                <a:latin typeface="Arial" panose="020B0604020202020204" pitchFamily="34" charset="0"/>
-                <a:ea typeface="Amazon Ember" panose="020B0603020204020204" pitchFamily="34" charset="0"/>
-                <a:cs typeface="Arial" panose="020B0604020202020204" pitchFamily="34" charset="0"/>
-              </a:rPr>
-              <a:t>Amazon Relational Database Service (Amazon RDS)</a:t>
-            </a:r>
-          </a:p>
-        </p:txBody>
-      </p:sp>
-      <p:sp>
-        <p:nvSpPr>
-          <p:cNvPr id="54" name="Rectangle 53">
-            <a:extLst>
-              <a:ext uri="{FF2B5EF4-FFF2-40B4-BE49-F238E27FC236}">
-                <a16:creationId xmlns:a16="http://schemas.microsoft.com/office/drawing/2014/main" id="{B222DE5D-C035-4094-BF47-2B81A090E933}"/>
-              </a:ext>
-            </a:extLst>
-          </p:cNvPr>
-          <p:cNvSpPr/>
-          <p:nvPr/>
-        </p:nvSpPr>
-        <p:spPr>
-          <a:xfrm>
-            <a:off x="1000184" y="3953687"/>
-            <a:ext cx="10562276" cy="2231185"/>
-          </a:xfrm>
-          <a:prstGeom prst="rect">
-            <a:avLst/>
-          </a:prstGeom>
-          <a:noFill/>
-          <a:ln w="12700">
             <a:solidFill>
-              <a:srgbClr val="1E8900"/>
+              <a:schemeClr val="tx1"/>
             </a:solidFill>
+            <a:prstDash val="dash"/>
           </a:ln>
         </p:spPr>
         <p:style>
@@ -5956,135 +5840,28 @@
           </a:fontRef>
         </p:style>
         <p:txBody>
-          <a:bodyPr lIns="502920" tIns="91440"/>
+          <a:bodyPr rtlCol="0" anchor="t" anchorCtr="0"/>
           <a:lstStyle/>
           <a:p>
-            <a:pPr eaLnBrk="1" fontAlgn="auto" hangingPunct="1">
-              <a:spcBef>
-                <a:spcPts val="0"/>
-              </a:spcBef>
-              <a:spcAft>
-                <a:spcPts val="0"/>
-              </a:spcAft>
-              <a:defRPr/>
-            </a:pPr>
             <a:r>
               <a:rPr lang="en-US" sz="1200" dirty="0">
-                <a:ln w="0"/>
-                <a:solidFill>
-                  <a:srgbClr val="1E8900"/>
+                <a:solidFill>
+                  <a:schemeClr val="tx1"/>
                 </a:solidFill>
                 <a:latin typeface="Arial" panose="020B0604020202020204" pitchFamily="34" charset="0"/>
                 <a:cs typeface="Arial" panose="020B0604020202020204" pitchFamily="34" charset="0"/>
               </a:rPr>
-              <a:t>VPC</a:t>
+              <a:t>Production</a:t>
             </a:r>
           </a:p>
         </p:txBody>
       </p:sp>
       <p:pic>
         <p:nvPicPr>
-          <p:cNvPr id="55" name="Graphic 54">
-            <a:extLst>
-              <a:ext uri="{FF2B5EF4-FFF2-40B4-BE49-F238E27FC236}">
-                <a16:creationId xmlns:a16="http://schemas.microsoft.com/office/drawing/2014/main" id="{58DD49BD-3576-4F00-9E84-0617E2D97930}"/>
-              </a:ext>
-            </a:extLst>
-          </p:cNvPr>
-          <p:cNvPicPr>
-            <a:picLocks noChangeAspect="1"/>
-          </p:cNvPicPr>
-          <p:nvPr/>
-        </p:nvPicPr>
-        <p:blipFill>
-          <a:blip r:embed="rId14">
-            <a:extLst>
-              <a:ext uri="{96DAC541-7B7A-43D3-8B79-37D633B846F1}">
-                <asvg:svgBlip xmlns:asvg="http://schemas.microsoft.com/office/drawing/2016/SVG/main" r:embed="rId15"/>
-              </a:ext>
-            </a:extLst>
-          </a:blip>
-          <a:stretch>
-            <a:fillRect/>
-          </a:stretch>
-        </p:blipFill>
-        <p:spPr>
-          <a:xfrm>
-            <a:off x="1000184" y="3955276"/>
-            <a:ext cx="381000" cy="381000"/>
-          </a:xfrm>
-          <a:prstGeom prst="rect">
-            <a:avLst/>
-          </a:prstGeom>
-        </p:spPr>
-      </p:pic>
-      <p:sp>
-        <p:nvSpPr>
-          <p:cNvPr id="56" name="Rectangle 55">
-            <a:extLst>
-              <a:ext uri="{FF2B5EF4-FFF2-40B4-BE49-F238E27FC236}">
-                <a16:creationId xmlns:a16="http://schemas.microsoft.com/office/drawing/2014/main" id="{9E73A98B-7EAD-4841-A9A8-BA2B41F4C1A9}"/>
-              </a:ext>
-            </a:extLst>
-          </p:cNvPr>
-          <p:cNvSpPr/>
-          <p:nvPr/>
-        </p:nvSpPr>
-        <p:spPr>
-          <a:xfrm>
-            <a:off x="5552132" y="4448157"/>
-            <a:ext cx="2147369" cy="1536311"/>
-          </a:xfrm>
-          <a:prstGeom prst="rect">
-            <a:avLst/>
-          </a:prstGeom>
-          <a:noFill/>
-          <a:ln>
-            <a:solidFill>
-              <a:schemeClr val="tx1"/>
-            </a:solidFill>
-            <a:prstDash val="dash"/>
-          </a:ln>
-        </p:spPr>
-        <p:style>
-          <a:lnRef idx="2">
-            <a:schemeClr val="accent1">
-              <a:shade val="50000"/>
-            </a:schemeClr>
-          </a:lnRef>
-          <a:fillRef idx="1">
-            <a:schemeClr val="accent1"/>
-          </a:fillRef>
-          <a:effectRef idx="0">
-            <a:schemeClr val="accent1"/>
-          </a:effectRef>
-          <a:fontRef idx="minor">
-            <a:schemeClr val="lt1"/>
-          </a:fontRef>
-        </p:style>
-        <p:txBody>
-          <a:bodyPr rtlCol="0" anchor="t" anchorCtr="0"/>
-          <a:lstStyle/>
-          <a:p>
-            <a:r>
-              <a:rPr lang="en-US" sz="1200" dirty="0">
-                <a:solidFill>
-                  <a:schemeClr val="tx1"/>
-                </a:solidFill>
-                <a:latin typeface="Arial" panose="020B0604020202020204" pitchFamily="34" charset="0"/>
-                <a:cs typeface="Arial" panose="020B0604020202020204" pitchFamily="34" charset="0"/>
-              </a:rPr>
-              <a:t>Staging</a:t>
-            </a:r>
-          </a:p>
-        </p:txBody>
-      </p:sp>
-      <p:pic>
-        <p:nvPicPr>
-          <p:cNvPr id="57" name="Graphic 6">
-            <a:extLst>
-              <a:ext uri="{FF2B5EF4-FFF2-40B4-BE49-F238E27FC236}">
-                <a16:creationId xmlns:a16="http://schemas.microsoft.com/office/drawing/2014/main" id="{8F3D521F-0CE9-4939-B8D6-40B703C9F6C6}"/>
+          <p:cNvPr id="60" name="Graphic 6">
+            <a:extLst>
+              <a:ext uri="{FF2B5EF4-FFF2-40B4-BE49-F238E27FC236}">
+                <a16:creationId xmlns:a16="http://schemas.microsoft.com/office/drawing/2014/main" id="{146A329E-7C05-42C6-B2B5-2859D0A28255}"/>
               </a:ext>
             </a:extLst>
           </p:cNvPr>
@@ -6094,7 +5871,7 @@
           <p:nvPr/>
         </p:nvPicPr>
         <p:blipFill>
-          <a:blip r:embed="rId13">
+          <a:blip r:embed="rId14">
             <a:extLst>
               <a:ext uri="{28A0092B-C50C-407E-A947-70E740481C1C}">
                 <a14:useLocalDpi xmlns:a14="http://schemas.microsoft.com/office/drawing/2010/main" val="0"/>
@@ -6108,7 +5885,7 @@
         </p:blipFill>
         <p:spPr bwMode="auto">
           <a:xfrm>
-            <a:off x="6242983" y="4760803"/>
+            <a:off x="10088533" y="4752144"/>
             <a:ext cx="762000" cy="762000"/>
           </a:xfrm>
           <a:prstGeom prst="rect">
@@ -6141,10 +5918,10 @@
       </p:pic>
       <p:sp>
         <p:nvSpPr>
-          <p:cNvPr id="58" name="TextBox 9">
-            <a:extLst>
-              <a:ext uri="{FF2B5EF4-FFF2-40B4-BE49-F238E27FC236}">
-                <a16:creationId xmlns:a16="http://schemas.microsoft.com/office/drawing/2014/main" id="{316E6A45-D1B7-4C05-9A0F-A81E98C523F4}"/>
+          <p:cNvPr id="61" name="TextBox 9">
+            <a:extLst>
+              <a:ext uri="{FF2B5EF4-FFF2-40B4-BE49-F238E27FC236}">
+                <a16:creationId xmlns:a16="http://schemas.microsoft.com/office/drawing/2014/main" id="{344B722D-586D-4962-B82C-8637635C1127}"/>
               </a:ext>
             </a:extLst>
           </p:cNvPr>
@@ -6155,8 +5932,8 @@
         </p:nvSpPr>
         <p:spPr bwMode="auto">
           <a:xfrm>
-            <a:off x="5484951" y="5522803"/>
-            <a:ext cx="2243137" cy="276999"/>
+            <a:off x="9823531" y="5522803"/>
+            <a:ext cx="1280620" cy="276999"/>
           </a:xfrm>
           <a:prstGeom prst="rect">
             <a:avLst/>
@@ -6186,7 +5963,7 @@
           </a:extLst>
         </p:spPr>
         <p:txBody>
-          <a:bodyPr>
+          <a:bodyPr wrap="square">
             <a:spAutoFit/>
           </a:bodyPr>
           <a:lstStyle>
@@ -6300,73 +6077,12 @@
           </a:p>
         </p:txBody>
       </p:sp>
-      <p:sp>
-        <p:nvSpPr>
-          <p:cNvPr id="59" name="Rectangle 58">
-            <a:extLst>
-              <a:ext uri="{FF2B5EF4-FFF2-40B4-BE49-F238E27FC236}">
-                <a16:creationId xmlns:a16="http://schemas.microsoft.com/office/drawing/2014/main" id="{47CB1C78-5135-45CC-83D0-C5D6A3032817}"/>
-              </a:ext>
-            </a:extLst>
-          </p:cNvPr>
-          <p:cNvSpPr/>
-          <p:nvPr/>
-        </p:nvSpPr>
-        <p:spPr>
-          <a:xfrm>
-            <a:off x="9181305" y="4448157"/>
-            <a:ext cx="2147369" cy="1536311"/>
-          </a:xfrm>
-          <a:prstGeom prst="rect">
-            <a:avLst/>
-          </a:prstGeom>
-          <a:noFill/>
-          <a:ln>
-            <a:solidFill>
-              <a:schemeClr val="tx1"/>
-            </a:solidFill>
-            <a:prstDash val="dash"/>
-          </a:ln>
-        </p:spPr>
-        <p:style>
-          <a:lnRef idx="2">
-            <a:schemeClr val="accent1">
-              <a:shade val="50000"/>
-            </a:schemeClr>
-          </a:lnRef>
-          <a:fillRef idx="1">
-            <a:schemeClr val="accent1"/>
-          </a:fillRef>
-          <a:effectRef idx="0">
-            <a:schemeClr val="accent1"/>
-          </a:effectRef>
-          <a:fontRef idx="minor">
-            <a:schemeClr val="lt1"/>
-          </a:fontRef>
-        </p:style>
-        <p:txBody>
-          <a:bodyPr rtlCol="0" anchor="t" anchorCtr="0"/>
-          <a:lstStyle/>
-          <a:p>
-            <a:r>
-              <a:rPr lang="en-US" sz="1200" dirty="0">
-                <a:solidFill>
-                  <a:schemeClr val="tx1"/>
-                </a:solidFill>
-                <a:latin typeface="Arial" panose="020B0604020202020204" pitchFamily="34" charset="0"/>
-                <a:cs typeface="Arial" panose="020B0604020202020204" pitchFamily="34" charset="0"/>
-              </a:rPr>
-              <a:t>Production</a:t>
-            </a:r>
-          </a:p>
-        </p:txBody>
-      </p:sp>
       <p:pic>
         <p:nvPicPr>
-          <p:cNvPr id="60" name="Graphic 6">
-            <a:extLst>
-              <a:ext uri="{FF2B5EF4-FFF2-40B4-BE49-F238E27FC236}">
-                <a16:creationId xmlns:a16="http://schemas.microsoft.com/office/drawing/2014/main" id="{146A329E-7C05-42C6-B2B5-2859D0A28255}"/>
+          <p:cNvPr id="64" name="Graphic 23">
+            <a:extLst>
+              <a:ext uri="{FF2B5EF4-FFF2-40B4-BE49-F238E27FC236}">
+                <a16:creationId xmlns:a16="http://schemas.microsoft.com/office/drawing/2014/main" id="{B3F98431-72A7-470D-B9BC-CBAA0072D410}"/>
               </a:ext>
             </a:extLst>
           </p:cNvPr>
@@ -6376,22 +6092,20 @@
           <p:nvPr/>
         </p:nvPicPr>
         <p:blipFill>
-          <a:blip r:embed="rId13">
-            <a:extLst>
-              <a:ext uri="{28A0092B-C50C-407E-A947-70E740481C1C}">
-                <a14:useLocalDpi xmlns:a14="http://schemas.microsoft.com/office/drawing/2010/main" val="0"/>
+          <a:blip r:embed="rId5">
+            <a:extLst>
+              <a:ext uri="{96DAC541-7B7A-43D3-8B79-37D633B846F1}">
+                <asvg:svgBlip xmlns:asvg="http://schemas.microsoft.com/office/drawing/2016/SVG/main" r:embed="rId6"/>
               </a:ext>
             </a:extLst>
           </a:blip>
           <a:srcRect/>
-          <a:stretch>
-            <a:fillRect/>
-          </a:stretch>
+          <a:stretch/>
         </p:blipFill>
         <p:spPr bwMode="auto">
-          <a:xfrm>
-            <a:off x="9872156" y="4760803"/>
-            <a:ext cx="762000" cy="762000"/>
+          <a:xfrm flipH="1">
+            <a:off x="6066467" y="4980622"/>
+            <a:ext cx="469900" cy="469900"/>
           </a:xfrm>
           <a:prstGeom prst="rect">
             <a:avLst/>
@@ -6423,10 +6137,10 @@
       </p:pic>
       <p:sp>
         <p:nvSpPr>
-          <p:cNvPr id="61" name="TextBox 9">
-            <a:extLst>
-              <a:ext uri="{FF2B5EF4-FFF2-40B4-BE49-F238E27FC236}">
-                <a16:creationId xmlns:a16="http://schemas.microsoft.com/office/drawing/2014/main" id="{344B722D-586D-4962-B82C-8637635C1127}"/>
+          <p:cNvPr id="65" name="TextBox 40">
+            <a:extLst>
+              <a:ext uri="{FF2B5EF4-FFF2-40B4-BE49-F238E27FC236}">
+                <a16:creationId xmlns:a16="http://schemas.microsoft.com/office/drawing/2014/main" id="{CAD6459D-5061-4EE3-A909-090CD490E539}"/>
               </a:ext>
             </a:extLst>
           </p:cNvPr>
@@ -6437,8 +6151,8 @@
         </p:nvSpPr>
         <p:spPr bwMode="auto">
           <a:xfrm>
-            <a:off x="9114124" y="5522803"/>
-            <a:ext cx="2243137" cy="276999"/>
+            <a:off x="5760950" y="5453566"/>
+            <a:ext cx="1073150" cy="261610"/>
           </a:xfrm>
           <a:prstGeom prst="rect">
             <a:avLst/>
@@ -6572,22 +6286,21 @@
           <a:p>
             <a:pPr algn="ctr" eaLnBrk="1" hangingPunct="1"/>
             <a:r>
-              <a:rPr lang="en-US" altLang="en-US" sz="1200" dirty="0">
+              <a:rPr lang="en-US" altLang="en-US" sz="1100" dirty="0">
                 <a:latin typeface="Arial" panose="020B0604020202020204" pitchFamily="34" charset="0"/>
-                <a:ea typeface="Amazon Ember" panose="020B0603020204020204" pitchFamily="34" charset="0"/>
                 <a:cs typeface="Arial" panose="020B0604020202020204" pitchFamily="34" charset="0"/>
               </a:rPr>
-              <a:t>Amazon RDS)</a:t>
+              <a:t>Approval</a:t>
             </a:r>
           </a:p>
         </p:txBody>
       </p:sp>
       <p:pic>
         <p:nvPicPr>
-          <p:cNvPr id="64" name="Graphic 23">
-            <a:extLst>
-              <a:ext uri="{FF2B5EF4-FFF2-40B4-BE49-F238E27FC236}">
-                <a16:creationId xmlns:a16="http://schemas.microsoft.com/office/drawing/2014/main" id="{B3F98431-72A7-470D-B9BC-CBAA0072D410}"/>
+          <p:cNvPr id="66" name="Graphic 23">
+            <a:extLst>
+              <a:ext uri="{FF2B5EF4-FFF2-40B4-BE49-F238E27FC236}">
+                <a16:creationId xmlns:a16="http://schemas.microsoft.com/office/drawing/2014/main" id="{77E70077-92B7-49C6-955A-526C24FD8C5E}"/>
               </a:ext>
             </a:extLst>
           </p:cNvPr>
@@ -6597,10 +6310,10 @@
           <p:nvPr/>
         </p:nvPicPr>
         <p:blipFill>
-          <a:blip r:embed="rId4">
+          <a:blip r:embed="rId5">
             <a:extLst>
               <a:ext uri="{96DAC541-7B7A-43D3-8B79-37D633B846F1}">
-                <asvg:svgBlip xmlns:asvg="http://schemas.microsoft.com/office/drawing/2016/SVG/main" r:embed="rId5"/>
+                <asvg:svgBlip xmlns:asvg="http://schemas.microsoft.com/office/drawing/2016/SVG/main" r:embed="rId6"/>
               </a:ext>
             </a:extLst>
           </a:blip>
@@ -6609,7 +6322,7 @@
         </p:blipFill>
         <p:spPr bwMode="auto">
           <a:xfrm flipH="1">
-            <a:off x="4542550" y="4980622"/>
+            <a:off x="8872643" y="4980622"/>
             <a:ext cx="469900" cy="469900"/>
           </a:xfrm>
           <a:prstGeom prst="rect">
@@ -6642,10 +6355,10 @@
       </p:pic>
       <p:sp>
         <p:nvSpPr>
-          <p:cNvPr id="65" name="TextBox 40">
-            <a:extLst>
-              <a:ext uri="{FF2B5EF4-FFF2-40B4-BE49-F238E27FC236}">
-                <a16:creationId xmlns:a16="http://schemas.microsoft.com/office/drawing/2014/main" id="{CAD6459D-5061-4EE3-A909-090CD490E539}"/>
+          <p:cNvPr id="67" name="TextBox 40">
+            <a:extLst>
+              <a:ext uri="{FF2B5EF4-FFF2-40B4-BE49-F238E27FC236}">
+                <a16:creationId xmlns:a16="http://schemas.microsoft.com/office/drawing/2014/main" id="{17AD7977-0B26-4A89-AA57-6D96D5EC4030}"/>
               </a:ext>
             </a:extLst>
           </p:cNvPr>
@@ -6656,7 +6369,7 @@
         </p:nvSpPr>
         <p:spPr bwMode="auto">
           <a:xfrm>
-            <a:off x="4246225" y="5450522"/>
+            <a:off x="8568143" y="5449173"/>
             <a:ext cx="1073150" cy="261610"/>
           </a:xfrm>
           <a:prstGeom prst="rect">
@@ -6800,224 +6513,6 @@
           </a:p>
         </p:txBody>
       </p:sp>
-      <p:pic>
-        <p:nvPicPr>
-          <p:cNvPr id="66" name="Graphic 23">
-            <a:extLst>
-              <a:ext uri="{FF2B5EF4-FFF2-40B4-BE49-F238E27FC236}">
-                <a16:creationId xmlns:a16="http://schemas.microsoft.com/office/drawing/2014/main" id="{77E70077-92B7-49C6-955A-526C24FD8C5E}"/>
-              </a:ext>
-            </a:extLst>
-          </p:cNvPr>
-          <p:cNvPicPr>
-            <a:picLocks noChangeAspect="1" noChangeArrowheads="1"/>
-          </p:cNvPicPr>
-          <p:nvPr/>
-        </p:nvPicPr>
-        <p:blipFill>
-          <a:blip r:embed="rId4">
-            <a:extLst>
-              <a:ext uri="{96DAC541-7B7A-43D3-8B79-37D633B846F1}">
-                <asvg:svgBlip xmlns:asvg="http://schemas.microsoft.com/office/drawing/2016/SVG/main" r:embed="rId5"/>
-              </a:ext>
-            </a:extLst>
-          </a:blip>
-          <a:srcRect/>
-          <a:stretch/>
-        </p:blipFill>
-        <p:spPr bwMode="auto">
-          <a:xfrm flipH="1">
-            <a:off x="8239183" y="4981362"/>
-            <a:ext cx="469900" cy="469900"/>
-          </a:xfrm>
-          <a:prstGeom prst="rect">
-            <a:avLst/>
-          </a:prstGeom>
-          <a:noFill/>
-          <a:ln>
-            <a:noFill/>
-          </a:ln>
-          <a:extLst>
-            <a:ext uri="{909E8E84-426E-40DD-AFC4-6F175D3DCCD1}">
-              <a14:hiddenFill xmlns:a14="http://schemas.microsoft.com/office/drawing/2010/main">
-                <a:solidFill>
-                  <a:srgbClr val="FFFFFF"/>
-                </a:solidFill>
-              </a14:hiddenFill>
-            </a:ext>
-            <a:ext uri="{91240B29-F687-4F45-9708-019B960494DF}">
-              <a14:hiddenLine xmlns:a14="http://schemas.microsoft.com/office/drawing/2010/main" w="9525">
-                <a:solidFill>
-                  <a:srgbClr val="000000"/>
-                </a:solidFill>
-                <a:miter lim="800000"/>
-                <a:headEnd/>
-                <a:tailEnd/>
-              </a14:hiddenLine>
-            </a:ext>
-          </a:extLst>
-        </p:spPr>
-      </p:pic>
-      <p:sp>
-        <p:nvSpPr>
-          <p:cNvPr id="67" name="TextBox 40">
-            <a:extLst>
-              <a:ext uri="{FF2B5EF4-FFF2-40B4-BE49-F238E27FC236}">
-                <a16:creationId xmlns:a16="http://schemas.microsoft.com/office/drawing/2014/main" id="{17AD7977-0B26-4A89-AA57-6D96D5EC4030}"/>
-              </a:ext>
-            </a:extLst>
-          </p:cNvPr>
-          <p:cNvSpPr txBox="1">
-            <a:spLocks noChangeArrowheads="1"/>
-          </p:cNvSpPr>
-          <p:nvPr/>
-        </p:nvSpPr>
-        <p:spPr bwMode="auto">
-          <a:xfrm>
-            <a:off x="7937558" y="5444916"/>
-            <a:ext cx="1073150" cy="261610"/>
-          </a:xfrm>
-          <a:prstGeom prst="rect">
-            <a:avLst/>
-          </a:prstGeom>
-          <a:noFill/>
-          <a:ln>
-            <a:noFill/>
-          </a:ln>
-          <a:extLst>
-            <a:ext uri="{909E8E84-426E-40DD-AFC4-6F175D3DCCD1}">
-              <a14:hiddenFill xmlns:a14="http://schemas.microsoft.com/office/drawing/2010/main">
-                <a:solidFill>
-                  <a:srgbClr val="FFFFFF"/>
-                </a:solidFill>
-              </a14:hiddenFill>
-            </a:ext>
-            <a:ext uri="{91240B29-F687-4F45-9708-019B960494DF}">
-              <a14:hiddenLine xmlns:a14="http://schemas.microsoft.com/office/drawing/2010/main" w="9525">
-                <a:solidFill>
-                  <a:srgbClr val="000000"/>
-                </a:solidFill>
-                <a:miter lim="800000"/>
-                <a:headEnd/>
-                <a:tailEnd/>
-              </a14:hiddenLine>
-            </a:ext>
-          </a:extLst>
-        </p:spPr>
-        <p:txBody>
-          <a:bodyPr>
-            <a:spAutoFit/>
-          </a:bodyPr>
-          <a:lstStyle>
-            <a:lvl1pPr>
-              <a:defRPr>
-                <a:solidFill>
-                  <a:schemeClr val="tx1"/>
-                </a:solidFill>
-                <a:latin typeface="Calibri" panose="020F0502020204030204" pitchFamily="34" charset="0"/>
-              </a:defRPr>
-            </a:lvl1pPr>
-            <a:lvl2pPr marL="742950" indent="-285750">
-              <a:defRPr>
-                <a:solidFill>
-                  <a:schemeClr val="tx1"/>
-                </a:solidFill>
-                <a:latin typeface="Calibri" panose="020F0502020204030204" pitchFamily="34" charset="0"/>
-              </a:defRPr>
-            </a:lvl2pPr>
-            <a:lvl3pPr marL="1143000" indent="-228600">
-              <a:defRPr>
-                <a:solidFill>
-                  <a:schemeClr val="tx1"/>
-                </a:solidFill>
-                <a:latin typeface="Calibri" panose="020F0502020204030204" pitchFamily="34" charset="0"/>
-              </a:defRPr>
-            </a:lvl3pPr>
-            <a:lvl4pPr marL="1600200" indent="-228600">
-              <a:defRPr>
-                <a:solidFill>
-                  <a:schemeClr val="tx1"/>
-                </a:solidFill>
-                <a:latin typeface="Calibri" panose="020F0502020204030204" pitchFamily="34" charset="0"/>
-              </a:defRPr>
-            </a:lvl4pPr>
-            <a:lvl5pPr marL="2057400" indent="-228600">
-              <a:defRPr>
-                <a:solidFill>
-                  <a:schemeClr val="tx1"/>
-                </a:solidFill>
-                <a:latin typeface="Calibri" panose="020F0502020204030204" pitchFamily="34" charset="0"/>
-              </a:defRPr>
-            </a:lvl5pPr>
-            <a:lvl6pPr marL="2514600" indent="-228600" eaLnBrk="0" fontAlgn="base" hangingPunct="0">
-              <a:spcBef>
-                <a:spcPct val="0"/>
-              </a:spcBef>
-              <a:spcAft>
-                <a:spcPct val="0"/>
-              </a:spcAft>
-              <a:defRPr>
-                <a:solidFill>
-                  <a:schemeClr val="tx1"/>
-                </a:solidFill>
-                <a:latin typeface="Calibri" panose="020F0502020204030204" pitchFamily="34" charset="0"/>
-              </a:defRPr>
-            </a:lvl6pPr>
-            <a:lvl7pPr marL="2971800" indent="-228600" eaLnBrk="0" fontAlgn="base" hangingPunct="0">
-              <a:spcBef>
-                <a:spcPct val="0"/>
-              </a:spcBef>
-              <a:spcAft>
-                <a:spcPct val="0"/>
-              </a:spcAft>
-              <a:defRPr>
-                <a:solidFill>
-                  <a:schemeClr val="tx1"/>
-                </a:solidFill>
-                <a:latin typeface="Calibri" panose="020F0502020204030204" pitchFamily="34" charset="0"/>
-              </a:defRPr>
-            </a:lvl7pPr>
-            <a:lvl8pPr marL="3429000" indent="-228600" eaLnBrk="0" fontAlgn="base" hangingPunct="0">
-              <a:spcBef>
-                <a:spcPct val="0"/>
-              </a:spcBef>
-              <a:spcAft>
-                <a:spcPct val="0"/>
-              </a:spcAft>
-              <a:defRPr>
-                <a:solidFill>
-                  <a:schemeClr val="tx1"/>
-                </a:solidFill>
-                <a:latin typeface="Calibri" panose="020F0502020204030204" pitchFamily="34" charset="0"/>
-              </a:defRPr>
-            </a:lvl8pPr>
-            <a:lvl9pPr marL="3886200" indent="-228600" eaLnBrk="0" fontAlgn="base" hangingPunct="0">
-              <a:spcBef>
-                <a:spcPct val="0"/>
-              </a:spcBef>
-              <a:spcAft>
-                <a:spcPct val="0"/>
-              </a:spcAft>
-              <a:defRPr>
-                <a:solidFill>
-                  <a:schemeClr val="tx1"/>
-                </a:solidFill>
-                <a:latin typeface="Calibri" panose="020F0502020204030204" pitchFamily="34" charset="0"/>
-              </a:defRPr>
-            </a:lvl9pPr>
-          </a:lstStyle>
-          <a:p>
-            <a:pPr algn="ctr" eaLnBrk="1" hangingPunct="1"/>
-            <a:r>
-              <a:rPr lang="en-US" altLang="en-US" sz="1100" dirty="0">
-                <a:latin typeface="Arial" panose="020B0604020202020204" pitchFamily="34" charset="0"/>
-                <a:cs typeface="Arial" panose="020B0604020202020204" pitchFamily="34" charset="0"/>
-              </a:rPr>
-              <a:t>Approval</a:t>
-            </a:r>
-          </a:p>
-        </p:txBody>
-      </p:sp>
       <p:cxnSp>
         <p:nvCxnSpPr>
           <p:cNvPr id="70" name="Straight Arrow Connector 69">
@@ -7028,6 +6523,7 @@
             </a:extLst>
           </p:cNvPr>
           <p:cNvCxnSpPr>
+            <a:cxnSpLocks/>
             <a:stCxn id="51" idx="3"/>
             <a:endCxn id="64" idx="3"/>
           </p:cNvCxnSpPr>
@@ -7035,8 +6531,8 @@
         </p:nvCxnSpPr>
         <p:spPr>
           <a:xfrm flipV="1">
-            <a:off x="4002868" y="5215572"/>
-            <a:ext cx="539682" cy="2478"/>
+            <a:off x="5790322" y="5215572"/>
+            <a:ext cx="276145" cy="741"/>
           </a:xfrm>
           <a:prstGeom prst="straightConnector1">
             <a:avLst/>
@@ -7073,6 +6569,7 @@
             </a:extLst>
           </p:cNvPr>
           <p:cNvCxnSpPr>
+            <a:cxnSpLocks/>
             <a:stCxn id="64" idx="1"/>
             <a:endCxn id="56" idx="1"/>
           </p:cNvCxnSpPr>
@@ -7080,8 +6577,8 @@
         </p:nvCxnSpPr>
         <p:spPr>
           <a:xfrm>
-            <a:off x="5012450" y="5215572"/>
-            <a:ext cx="539682" cy="741"/>
+            <a:off x="6536367" y="5215572"/>
+            <a:ext cx="273204" cy="741"/>
           </a:xfrm>
           <a:prstGeom prst="straightConnector1">
             <a:avLst/>
@@ -7118,6 +6615,7 @@
             </a:extLst>
           </p:cNvPr>
           <p:cNvCxnSpPr>
+            <a:cxnSpLocks/>
             <a:stCxn id="56" idx="3"/>
             <a:endCxn id="66" idx="3"/>
           </p:cNvCxnSpPr>
@@ -7125,8 +6623,8 @@
         </p:nvCxnSpPr>
         <p:spPr>
           <a:xfrm flipV="1">
-            <a:off x="7699501" y="5216312"/>
-            <a:ext cx="539682" cy="1"/>
+            <a:off x="8596499" y="5215572"/>
+            <a:ext cx="276144" cy="741"/>
           </a:xfrm>
           <a:prstGeom prst="straightConnector1">
             <a:avLst/>
@@ -7163,6 +6661,7 @@
             </a:extLst>
           </p:cNvPr>
           <p:cNvCxnSpPr>
+            <a:cxnSpLocks/>
             <a:stCxn id="66" idx="1"/>
             <a:endCxn id="59" idx="1"/>
           </p:cNvCxnSpPr>
@@ -7170,11 +6669,906 @@
         </p:nvCxnSpPr>
         <p:spPr>
           <a:xfrm>
-            <a:off x="8709083" y="5216312"/>
-            <a:ext cx="472222" cy="1"/>
+            <a:off x="9342543" y="5215572"/>
+            <a:ext cx="199581" cy="741"/>
           </a:xfrm>
           <a:prstGeom prst="straightConnector1">
             <a:avLst/>
+          </a:prstGeom>
+          <a:ln>
+            <a:solidFill>
+              <a:schemeClr val="tx1"/>
+            </a:solidFill>
+            <a:tailEnd type="triangle"/>
+          </a:ln>
+        </p:spPr>
+        <p:style>
+          <a:lnRef idx="1">
+            <a:schemeClr val="accent1"/>
+          </a:lnRef>
+          <a:fillRef idx="0">
+            <a:schemeClr val="accent1"/>
+          </a:fillRef>
+          <a:effectRef idx="0">
+            <a:schemeClr val="accent1"/>
+          </a:effectRef>
+          <a:fontRef idx="minor">
+            <a:schemeClr val="tx1"/>
+          </a:fontRef>
+        </p:style>
+      </p:cxnSp>
+      <p:sp>
+        <p:nvSpPr>
+          <p:cNvPr id="68" name="Rectangle 67">
+            <a:extLst>
+              <a:ext uri="{FF2B5EF4-FFF2-40B4-BE49-F238E27FC236}">
+                <a16:creationId xmlns:a16="http://schemas.microsoft.com/office/drawing/2014/main" id="{7C1B8700-66AA-4C4F-8F21-AFDC99402817}"/>
+              </a:ext>
+            </a:extLst>
+          </p:cNvPr>
+          <p:cNvSpPr/>
+          <p:nvPr/>
+        </p:nvSpPr>
+        <p:spPr>
+          <a:xfrm>
+            <a:off x="2074182" y="4011911"/>
+            <a:ext cx="1589596" cy="2096659"/>
+          </a:xfrm>
+          <a:prstGeom prst="rect">
+            <a:avLst/>
+          </a:prstGeom>
+          <a:solidFill>
+            <a:srgbClr val="1D8900">
+              <a:alpha val="9804"/>
+            </a:srgbClr>
+          </a:solidFill>
+          <a:ln w="12700">
+            <a:noFill/>
+            <a:prstDash val="dash"/>
+          </a:ln>
+        </p:spPr>
+        <p:style>
+          <a:lnRef idx="2">
+            <a:schemeClr val="accent1">
+              <a:shade val="50000"/>
+            </a:schemeClr>
+          </a:lnRef>
+          <a:fillRef idx="1">
+            <a:schemeClr val="accent1"/>
+          </a:fillRef>
+          <a:effectRef idx="0">
+            <a:schemeClr val="accent1"/>
+          </a:effectRef>
+          <a:fontRef idx="minor">
+            <a:schemeClr val="lt1"/>
+          </a:fontRef>
+        </p:style>
+        <p:txBody>
+          <a:bodyPr lIns="502920"/>
+          <a:lstStyle/>
+          <a:p>
+            <a:pPr eaLnBrk="1" fontAlgn="auto" hangingPunct="1">
+              <a:spcBef>
+                <a:spcPts val="0"/>
+              </a:spcBef>
+              <a:spcAft>
+                <a:spcPts val="0"/>
+              </a:spcAft>
+              <a:defRPr/>
+            </a:pPr>
+            <a:r>
+              <a:rPr lang="en-US" sz="1200" dirty="0">
+                <a:solidFill>
+                  <a:srgbClr val="1E8900"/>
+                </a:solidFill>
+                <a:latin typeface="Arial" panose="020B0604020202020204" pitchFamily="34" charset="0"/>
+                <a:cs typeface="Arial" panose="020B0604020202020204" pitchFamily="34" charset="0"/>
+              </a:rPr>
+              <a:t>Public subnet</a:t>
+            </a:r>
+          </a:p>
+        </p:txBody>
+      </p:sp>
+      <p:pic>
+        <p:nvPicPr>
+          <p:cNvPr id="69" name="Graphic 68">
+            <a:extLst>
+              <a:ext uri="{FF2B5EF4-FFF2-40B4-BE49-F238E27FC236}">
+                <a16:creationId xmlns:a16="http://schemas.microsoft.com/office/drawing/2014/main" id="{1AF8F5C3-EBF1-4490-B630-E877F6057C03}"/>
+              </a:ext>
+            </a:extLst>
+          </p:cNvPr>
+          <p:cNvPicPr>
+            <a:picLocks noChangeAspect="1"/>
+          </p:cNvPicPr>
+          <p:nvPr/>
+        </p:nvPicPr>
+        <p:blipFill>
+          <a:blip r:embed="rId17">
+            <a:extLst>
+              <a:ext uri="{96DAC541-7B7A-43D3-8B79-37D633B846F1}">
+                <asvg:svgBlip xmlns:asvg="http://schemas.microsoft.com/office/drawing/2016/SVG/main" r:embed="rId18"/>
+              </a:ext>
+            </a:extLst>
+          </a:blip>
+          <a:stretch>
+            <a:fillRect/>
+          </a:stretch>
+        </p:blipFill>
+        <p:spPr>
+          <a:xfrm>
+            <a:off x="2078773" y="4009363"/>
+            <a:ext cx="381000" cy="381000"/>
+          </a:xfrm>
+          <a:prstGeom prst="rect">
+            <a:avLst/>
+          </a:prstGeom>
+        </p:spPr>
+      </p:pic>
+      <p:pic>
+        <p:nvPicPr>
+          <p:cNvPr id="73" name="Graphic 72">
+            <a:extLst>
+              <a:ext uri="{FF2B5EF4-FFF2-40B4-BE49-F238E27FC236}">
+                <a16:creationId xmlns:a16="http://schemas.microsoft.com/office/drawing/2014/main" id="{050D583A-D88E-442E-A2A5-BB40618635B1}"/>
+              </a:ext>
+            </a:extLst>
+          </p:cNvPr>
+          <p:cNvPicPr>
+            <a:picLocks noChangeAspect="1"/>
+          </p:cNvPicPr>
+          <p:nvPr/>
+        </p:nvPicPr>
+        <p:blipFill>
+          <a:blip r:embed="rId19">
+            <a:extLst>
+              <a:ext uri="{96DAC541-7B7A-43D3-8B79-37D633B846F1}">
+                <asvg:svgBlip xmlns:asvg="http://schemas.microsoft.com/office/drawing/2016/SVG/main" r:embed="rId20"/>
+              </a:ext>
+            </a:extLst>
+          </a:blip>
+          <a:stretch>
+            <a:fillRect/>
+          </a:stretch>
+        </p:blipFill>
+        <p:spPr>
+          <a:xfrm>
+            <a:off x="3892731" y="4011910"/>
+            <a:ext cx="381000" cy="381000"/>
+          </a:xfrm>
+          <a:prstGeom prst="rect">
+            <a:avLst/>
+          </a:prstGeom>
+        </p:spPr>
+      </p:pic>
+      <p:sp>
+        <p:nvSpPr>
+          <p:cNvPr id="75" name="TextBox 17">
+            <a:extLst>
+              <a:ext uri="{FF2B5EF4-FFF2-40B4-BE49-F238E27FC236}">
+                <a16:creationId xmlns:a16="http://schemas.microsoft.com/office/drawing/2014/main" id="{D633755F-4132-4259-9873-61A642579A90}"/>
+              </a:ext>
+            </a:extLst>
+          </p:cNvPr>
+          <p:cNvSpPr txBox="1">
+            <a:spLocks noChangeArrowheads="1"/>
+          </p:cNvSpPr>
+          <p:nvPr/>
+        </p:nvSpPr>
+        <p:spPr bwMode="auto">
+          <a:xfrm>
+            <a:off x="2251597" y="5445116"/>
+            <a:ext cx="1234766" cy="261610"/>
+          </a:xfrm>
+          <a:prstGeom prst="rect">
+            <a:avLst/>
+          </a:prstGeom>
+          <a:noFill/>
+          <a:ln>
+            <a:noFill/>
+          </a:ln>
+          <a:extLst>
+            <a:ext uri="{909E8E84-426E-40DD-AFC4-6F175D3DCCD1}">
+              <a14:hiddenFill xmlns:a14="http://schemas.microsoft.com/office/drawing/2010/main">
+                <a:solidFill>
+                  <a:srgbClr val="FFFFFF"/>
+                </a:solidFill>
+              </a14:hiddenFill>
+            </a:ext>
+            <a:ext uri="{91240B29-F687-4F45-9708-019B960494DF}">
+              <a14:hiddenLine xmlns:a14="http://schemas.microsoft.com/office/drawing/2010/main" w="9525">
+                <a:solidFill>
+                  <a:srgbClr val="000000"/>
+                </a:solidFill>
+                <a:miter lim="800000"/>
+                <a:headEnd/>
+                <a:tailEnd/>
+              </a14:hiddenLine>
+            </a:ext>
+          </a:extLst>
+        </p:spPr>
+        <p:txBody>
+          <a:bodyPr wrap="square">
+            <a:spAutoFit/>
+          </a:bodyPr>
+          <a:lstStyle>
+            <a:lvl1pPr>
+              <a:defRPr>
+                <a:solidFill>
+                  <a:schemeClr val="tx1"/>
+                </a:solidFill>
+                <a:latin typeface="Calibri" panose="020F0502020204030204" pitchFamily="34" charset="0"/>
+              </a:defRPr>
+            </a:lvl1pPr>
+            <a:lvl2pPr marL="742950" indent="-285750">
+              <a:defRPr>
+                <a:solidFill>
+                  <a:schemeClr val="tx1"/>
+                </a:solidFill>
+                <a:latin typeface="Calibri" panose="020F0502020204030204" pitchFamily="34" charset="0"/>
+              </a:defRPr>
+            </a:lvl2pPr>
+            <a:lvl3pPr marL="1143000" indent="-228600">
+              <a:defRPr>
+                <a:solidFill>
+                  <a:schemeClr val="tx1"/>
+                </a:solidFill>
+                <a:latin typeface="Calibri" panose="020F0502020204030204" pitchFamily="34" charset="0"/>
+              </a:defRPr>
+            </a:lvl3pPr>
+            <a:lvl4pPr marL="1600200" indent="-228600">
+              <a:defRPr>
+                <a:solidFill>
+                  <a:schemeClr val="tx1"/>
+                </a:solidFill>
+                <a:latin typeface="Calibri" panose="020F0502020204030204" pitchFamily="34" charset="0"/>
+              </a:defRPr>
+            </a:lvl4pPr>
+            <a:lvl5pPr marL="2057400" indent="-228600">
+              <a:defRPr>
+                <a:solidFill>
+                  <a:schemeClr val="tx1"/>
+                </a:solidFill>
+                <a:latin typeface="Calibri" panose="020F0502020204030204" pitchFamily="34" charset="0"/>
+              </a:defRPr>
+            </a:lvl5pPr>
+            <a:lvl6pPr marL="2514600" indent="-228600" eaLnBrk="0" fontAlgn="base" hangingPunct="0">
+              <a:spcBef>
+                <a:spcPct val="0"/>
+              </a:spcBef>
+              <a:spcAft>
+                <a:spcPct val="0"/>
+              </a:spcAft>
+              <a:defRPr>
+                <a:solidFill>
+                  <a:schemeClr val="tx1"/>
+                </a:solidFill>
+                <a:latin typeface="Calibri" panose="020F0502020204030204" pitchFamily="34" charset="0"/>
+              </a:defRPr>
+            </a:lvl6pPr>
+            <a:lvl7pPr marL="2971800" indent="-228600" eaLnBrk="0" fontAlgn="base" hangingPunct="0">
+              <a:spcBef>
+                <a:spcPct val="0"/>
+              </a:spcBef>
+              <a:spcAft>
+                <a:spcPct val="0"/>
+              </a:spcAft>
+              <a:defRPr>
+                <a:solidFill>
+                  <a:schemeClr val="tx1"/>
+                </a:solidFill>
+                <a:latin typeface="Calibri" panose="020F0502020204030204" pitchFamily="34" charset="0"/>
+              </a:defRPr>
+            </a:lvl7pPr>
+            <a:lvl8pPr marL="3429000" indent="-228600" eaLnBrk="0" fontAlgn="base" hangingPunct="0">
+              <a:spcBef>
+                <a:spcPct val="0"/>
+              </a:spcBef>
+              <a:spcAft>
+                <a:spcPct val="0"/>
+              </a:spcAft>
+              <a:defRPr>
+                <a:solidFill>
+                  <a:schemeClr val="tx1"/>
+                </a:solidFill>
+                <a:latin typeface="Calibri" panose="020F0502020204030204" pitchFamily="34" charset="0"/>
+              </a:defRPr>
+            </a:lvl8pPr>
+            <a:lvl9pPr marL="3886200" indent="-228600" eaLnBrk="0" fontAlgn="base" hangingPunct="0">
+              <a:spcBef>
+                <a:spcPct val="0"/>
+              </a:spcBef>
+              <a:spcAft>
+                <a:spcPct val="0"/>
+              </a:spcAft>
+              <a:defRPr>
+                <a:solidFill>
+                  <a:schemeClr val="tx1"/>
+                </a:solidFill>
+                <a:latin typeface="Calibri" panose="020F0502020204030204" pitchFamily="34" charset="0"/>
+              </a:defRPr>
+            </a:lvl9pPr>
+          </a:lstStyle>
+          <a:p>
+            <a:pPr algn="ctr" eaLnBrk="1" hangingPunct="1"/>
+            <a:r>
+              <a:rPr lang="en-US" altLang="en-US" sz="1100" dirty="0">
+                <a:latin typeface="Arial" panose="020B0604020202020204" pitchFamily="34" charset="0"/>
+                <a:ea typeface="Amazon Ember" panose="020B0603020204020204" pitchFamily="34" charset="0"/>
+                <a:cs typeface="Arial" panose="020B0604020202020204" pitchFamily="34" charset="0"/>
+              </a:rPr>
+              <a:t>NAT Gateway</a:t>
+            </a:r>
+          </a:p>
+        </p:txBody>
+      </p:sp>
+      <p:pic>
+        <p:nvPicPr>
+          <p:cNvPr id="77" name="Graphic 35">
+            <a:extLst>
+              <a:ext uri="{FF2B5EF4-FFF2-40B4-BE49-F238E27FC236}">
+                <a16:creationId xmlns:a16="http://schemas.microsoft.com/office/drawing/2014/main" id="{BC23F82D-96EA-4C50-9B14-3FB12F37B206}"/>
+              </a:ext>
+            </a:extLst>
+          </p:cNvPr>
+          <p:cNvPicPr>
+            <a:picLocks noChangeAspect="1" noChangeArrowheads="1"/>
+          </p:cNvPicPr>
+          <p:nvPr/>
+        </p:nvPicPr>
+        <p:blipFill>
+          <a:blip r:embed="rId21">
+            <a:extLst>
+              <a:ext uri="{96DAC541-7B7A-43D3-8B79-37D633B846F1}">
+                <asvg:svgBlip xmlns:asvg="http://schemas.microsoft.com/office/drawing/2016/SVG/main" r:embed="rId22"/>
+              </a:ext>
+            </a:extLst>
+          </a:blip>
+          <a:srcRect/>
+          <a:stretch/>
+        </p:blipFill>
+        <p:spPr bwMode="auto">
+          <a:xfrm>
+            <a:off x="2526080" y="4779766"/>
+            <a:ext cx="685800" cy="685800"/>
+          </a:xfrm>
+          <a:prstGeom prst="rect">
+            <a:avLst/>
+          </a:prstGeom>
+          <a:noFill/>
+          <a:ln>
+            <a:noFill/>
+          </a:ln>
+          <a:extLst>
+            <a:ext uri="{909E8E84-426E-40DD-AFC4-6F175D3DCCD1}">
+              <a14:hiddenFill xmlns:a14="http://schemas.microsoft.com/office/drawing/2010/main">
+                <a:solidFill>
+                  <a:srgbClr val="FFFFFF"/>
+                </a:solidFill>
+              </a14:hiddenFill>
+            </a:ext>
+            <a:ext uri="{91240B29-F687-4F45-9708-019B960494DF}">
+              <a14:hiddenLine xmlns:a14="http://schemas.microsoft.com/office/drawing/2010/main" w="9525">
+                <a:solidFill>
+                  <a:srgbClr val="000000"/>
+                </a:solidFill>
+                <a:miter lim="800000"/>
+                <a:headEnd/>
+                <a:tailEnd/>
+              </a14:hiddenLine>
+            </a:ext>
+          </a:extLst>
+        </p:spPr>
+      </p:pic>
+      <p:sp>
+        <p:nvSpPr>
+          <p:cNvPr id="148" name="TextBox 29">
+            <a:extLst>
+              <a:ext uri="{FF2B5EF4-FFF2-40B4-BE49-F238E27FC236}">
+                <a16:creationId xmlns:a16="http://schemas.microsoft.com/office/drawing/2014/main" id="{2E4D2A1A-7940-4A88-8F81-93D080F7606B}"/>
+              </a:ext>
+            </a:extLst>
+          </p:cNvPr>
+          <p:cNvSpPr txBox="1">
+            <a:spLocks noChangeArrowheads="1"/>
+          </p:cNvSpPr>
+          <p:nvPr/>
+        </p:nvSpPr>
+        <p:spPr bwMode="auto">
+          <a:xfrm>
+            <a:off x="402653" y="6138520"/>
+            <a:ext cx="985501" cy="261610"/>
+          </a:xfrm>
+          <a:prstGeom prst="rect">
+            <a:avLst/>
+          </a:prstGeom>
+          <a:noFill/>
+          <a:ln>
+            <a:noFill/>
+          </a:ln>
+          <a:extLst>
+            <a:ext uri="{909E8E84-426E-40DD-AFC4-6F175D3DCCD1}">
+              <a14:hiddenFill xmlns:a14="http://schemas.microsoft.com/office/drawing/2010/main">
+                <a:solidFill>
+                  <a:srgbClr val="FFFFFF"/>
+                </a:solidFill>
+              </a14:hiddenFill>
+            </a:ext>
+            <a:ext uri="{91240B29-F687-4F45-9708-019B960494DF}">
+              <a14:hiddenLine xmlns:a14="http://schemas.microsoft.com/office/drawing/2010/main" w="9525">
+                <a:solidFill>
+                  <a:srgbClr val="000000"/>
+                </a:solidFill>
+                <a:miter lim="800000"/>
+                <a:headEnd/>
+                <a:tailEnd/>
+              </a14:hiddenLine>
+            </a:ext>
+          </a:extLst>
+        </p:spPr>
+        <p:txBody>
+          <a:bodyPr wrap="square">
+            <a:spAutoFit/>
+          </a:bodyPr>
+          <a:lstStyle>
+            <a:lvl1pPr>
+              <a:defRPr>
+                <a:solidFill>
+                  <a:schemeClr val="tx1"/>
+                </a:solidFill>
+                <a:latin typeface="Calibri" panose="020F0502020204030204" pitchFamily="34" charset="0"/>
+              </a:defRPr>
+            </a:lvl1pPr>
+            <a:lvl2pPr marL="742950" indent="-285750">
+              <a:defRPr>
+                <a:solidFill>
+                  <a:schemeClr val="tx1"/>
+                </a:solidFill>
+                <a:latin typeface="Calibri" panose="020F0502020204030204" pitchFamily="34" charset="0"/>
+              </a:defRPr>
+            </a:lvl2pPr>
+            <a:lvl3pPr marL="1143000" indent="-228600">
+              <a:defRPr>
+                <a:solidFill>
+                  <a:schemeClr val="tx1"/>
+                </a:solidFill>
+                <a:latin typeface="Calibri" panose="020F0502020204030204" pitchFamily="34" charset="0"/>
+              </a:defRPr>
+            </a:lvl3pPr>
+            <a:lvl4pPr marL="1600200" indent="-228600">
+              <a:defRPr>
+                <a:solidFill>
+                  <a:schemeClr val="tx1"/>
+                </a:solidFill>
+                <a:latin typeface="Calibri" panose="020F0502020204030204" pitchFamily="34" charset="0"/>
+              </a:defRPr>
+            </a:lvl4pPr>
+            <a:lvl5pPr marL="2057400" indent="-228600">
+              <a:defRPr>
+                <a:solidFill>
+                  <a:schemeClr val="tx1"/>
+                </a:solidFill>
+                <a:latin typeface="Calibri" panose="020F0502020204030204" pitchFamily="34" charset="0"/>
+              </a:defRPr>
+            </a:lvl5pPr>
+            <a:lvl6pPr marL="2514600" indent="-228600" eaLnBrk="0" fontAlgn="base" hangingPunct="0">
+              <a:spcBef>
+                <a:spcPct val="0"/>
+              </a:spcBef>
+              <a:spcAft>
+                <a:spcPct val="0"/>
+              </a:spcAft>
+              <a:defRPr>
+                <a:solidFill>
+                  <a:schemeClr val="tx1"/>
+                </a:solidFill>
+                <a:latin typeface="Calibri" panose="020F0502020204030204" pitchFamily="34" charset="0"/>
+              </a:defRPr>
+            </a:lvl6pPr>
+            <a:lvl7pPr marL="2971800" indent="-228600" eaLnBrk="0" fontAlgn="base" hangingPunct="0">
+              <a:spcBef>
+                <a:spcPct val="0"/>
+              </a:spcBef>
+              <a:spcAft>
+                <a:spcPct val="0"/>
+              </a:spcAft>
+              <a:defRPr>
+                <a:solidFill>
+                  <a:schemeClr val="tx1"/>
+                </a:solidFill>
+                <a:latin typeface="Calibri" panose="020F0502020204030204" pitchFamily="34" charset="0"/>
+              </a:defRPr>
+            </a:lvl7pPr>
+            <a:lvl8pPr marL="3429000" indent="-228600" eaLnBrk="0" fontAlgn="base" hangingPunct="0">
+              <a:spcBef>
+                <a:spcPct val="0"/>
+              </a:spcBef>
+              <a:spcAft>
+                <a:spcPct val="0"/>
+              </a:spcAft>
+              <a:defRPr>
+                <a:solidFill>
+                  <a:schemeClr val="tx1"/>
+                </a:solidFill>
+                <a:latin typeface="Calibri" panose="020F0502020204030204" pitchFamily="34" charset="0"/>
+              </a:defRPr>
+            </a:lvl8pPr>
+            <a:lvl9pPr marL="3886200" indent="-228600" eaLnBrk="0" fontAlgn="base" hangingPunct="0">
+              <a:spcBef>
+                <a:spcPct val="0"/>
+              </a:spcBef>
+              <a:spcAft>
+                <a:spcPct val="0"/>
+              </a:spcAft>
+              <a:defRPr>
+                <a:solidFill>
+                  <a:schemeClr val="tx1"/>
+                </a:solidFill>
+                <a:latin typeface="Calibri" panose="020F0502020204030204" pitchFamily="34" charset="0"/>
+              </a:defRPr>
+            </a:lvl9pPr>
+          </a:lstStyle>
+          <a:p>
+            <a:pPr algn="ctr" eaLnBrk="1" hangingPunct="1"/>
+            <a:r>
+              <a:rPr lang="en-US" altLang="en-US" sz="1100" dirty="0">
+                <a:solidFill>
+                  <a:srgbClr val="000000"/>
+                </a:solidFill>
+                <a:latin typeface="Arial" panose="020B0604020202020204" pitchFamily="34" charset="0"/>
+                <a:cs typeface="Arial" panose="020B0604020202020204" pitchFamily="34" charset="0"/>
+              </a:rPr>
+              <a:t>Docker Hub</a:t>
+            </a:r>
+          </a:p>
+        </p:txBody>
+      </p:sp>
+      <p:sp>
+        <p:nvSpPr>
+          <p:cNvPr id="78" name="TextBox 9">
+            <a:extLst>
+              <a:ext uri="{FF2B5EF4-FFF2-40B4-BE49-F238E27FC236}">
+                <a16:creationId xmlns:a16="http://schemas.microsoft.com/office/drawing/2014/main" id="{2402C1B1-0AB2-4D2A-85C9-DE412FF610CC}"/>
+              </a:ext>
+            </a:extLst>
+          </p:cNvPr>
+          <p:cNvSpPr txBox="1">
+            <a:spLocks noChangeArrowheads="1"/>
+          </p:cNvSpPr>
+          <p:nvPr/>
+        </p:nvSpPr>
+        <p:spPr bwMode="auto">
+          <a:xfrm>
+            <a:off x="7057720" y="5516630"/>
+            <a:ext cx="1280620" cy="276999"/>
+          </a:xfrm>
+          <a:prstGeom prst="rect">
+            <a:avLst/>
+          </a:prstGeom>
+          <a:noFill/>
+          <a:ln>
+            <a:noFill/>
+          </a:ln>
+          <a:extLst>
+            <a:ext uri="{909E8E84-426E-40DD-AFC4-6F175D3DCCD1}">
+              <a14:hiddenFill xmlns:a14="http://schemas.microsoft.com/office/drawing/2010/main">
+                <a:solidFill>
+                  <a:srgbClr val="FFFFFF"/>
+                </a:solidFill>
+              </a14:hiddenFill>
+            </a:ext>
+            <a:ext uri="{91240B29-F687-4F45-9708-019B960494DF}">
+              <a14:hiddenLine xmlns:a14="http://schemas.microsoft.com/office/drawing/2010/main" w="9525">
+                <a:solidFill>
+                  <a:srgbClr val="000000"/>
+                </a:solidFill>
+                <a:miter lim="800000"/>
+                <a:headEnd/>
+                <a:tailEnd/>
+              </a14:hiddenLine>
+            </a:ext>
+          </a:extLst>
+        </p:spPr>
+        <p:txBody>
+          <a:bodyPr wrap="square">
+            <a:spAutoFit/>
+          </a:bodyPr>
+          <a:lstStyle>
+            <a:lvl1pPr>
+              <a:defRPr>
+                <a:solidFill>
+                  <a:schemeClr val="tx1"/>
+                </a:solidFill>
+                <a:latin typeface="Calibri" panose="020F0502020204030204" pitchFamily="34" charset="0"/>
+              </a:defRPr>
+            </a:lvl1pPr>
+            <a:lvl2pPr marL="742950" indent="-285750">
+              <a:defRPr>
+                <a:solidFill>
+                  <a:schemeClr val="tx1"/>
+                </a:solidFill>
+                <a:latin typeface="Calibri" panose="020F0502020204030204" pitchFamily="34" charset="0"/>
+              </a:defRPr>
+            </a:lvl2pPr>
+            <a:lvl3pPr marL="1143000" indent="-228600">
+              <a:defRPr>
+                <a:solidFill>
+                  <a:schemeClr val="tx1"/>
+                </a:solidFill>
+                <a:latin typeface="Calibri" panose="020F0502020204030204" pitchFamily="34" charset="0"/>
+              </a:defRPr>
+            </a:lvl3pPr>
+            <a:lvl4pPr marL="1600200" indent="-228600">
+              <a:defRPr>
+                <a:solidFill>
+                  <a:schemeClr val="tx1"/>
+                </a:solidFill>
+                <a:latin typeface="Calibri" panose="020F0502020204030204" pitchFamily="34" charset="0"/>
+              </a:defRPr>
+            </a:lvl4pPr>
+            <a:lvl5pPr marL="2057400" indent="-228600">
+              <a:defRPr>
+                <a:solidFill>
+                  <a:schemeClr val="tx1"/>
+                </a:solidFill>
+                <a:latin typeface="Calibri" panose="020F0502020204030204" pitchFamily="34" charset="0"/>
+              </a:defRPr>
+            </a:lvl5pPr>
+            <a:lvl6pPr marL="2514600" indent="-228600" eaLnBrk="0" fontAlgn="base" hangingPunct="0">
+              <a:spcBef>
+                <a:spcPct val="0"/>
+              </a:spcBef>
+              <a:spcAft>
+                <a:spcPct val="0"/>
+              </a:spcAft>
+              <a:defRPr>
+                <a:solidFill>
+                  <a:schemeClr val="tx1"/>
+                </a:solidFill>
+                <a:latin typeface="Calibri" panose="020F0502020204030204" pitchFamily="34" charset="0"/>
+              </a:defRPr>
+            </a:lvl6pPr>
+            <a:lvl7pPr marL="2971800" indent="-228600" eaLnBrk="0" fontAlgn="base" hangingPunct="0">
+              <a:spcBef>
+                <a:spcPct val="0"/>
+              </a:spcBef>
+              <a:spcAft>
+                <a:spcPct val="0"/>
+              </a:spcAft>
+              <a:defRPr>
+                <a:solidFill>
+                  <a:schemeClr val="tx1"/>
+                </a:solidFill>
+                <a:latin typeface="Calibri" panose="020F0502020204030204" pitchFamily="34" charset="0"/>
+              </a:defRPr>
+            </a:lvl7pPr>
+            <a:lvl8pPr marL="3429000" indent="-228600" eaLnBrk="0" fontAlgn="base" hangingPunct="0">
+              <a:spcBef>
+                <a:spcPct val="0"/>
+              </a:spcBef>
+              <a:spcAft>
+                <a:spcPct val="0"/>
+              </a:spcAft>
+              <a:defRPr>
+                <a:solidFill>
+                  <a:schemeClr val="tx1"/>
+                </a:solidFill>
+                <a:latin typeface="Calibri" panose="020F0502020204030204" pitchFamily="34" charset="0"/>
+              </a:defRPr>
+            </a:lvl8pPr>
+            <a:lvl9pPr marL="3886200" indent="-228600" eaLnBrk="0" fontAlgn="base" hangingPunct="0">
+              <a:spcBef>
+                <a:spcPct val="0"/>
+              </a:spcBef>
+              <a:spcAft>
+                <a:spcPct val="0"/>
+              </a:spcAft>
+              <a:defRPr>
+                <a:solidFill>
+                  <a:schemeClr val="tx1"/>
+                </a:solidFill>
+                <a:latin typeface="Calibri" panose="020F0502020204030204" pitchFamily="34" charset="0"/>
+              </a:defRPr>
+            </a:lvl9pPr>
+          </a:lstStyle>
+          <a:p>
+            <a:pPr algn="ctr" eaLnBrk="1" hangingPunct="1"/>
+            <a:r>
+              <a:rPr lang="en-US" altLang="en-US" sz="1200" dirty="0">
+                <a:latin typeface="Arial" panose="020B0604020202020204" pitchFamily="34" charset="0"/>
+                <a:ea typeface="Amazon Ember" panose="020B0603020204020204" pitchFamily="34" charset="0"/>
+                <a:cs typeface="Arial" panose="020B0604020202020204" pitchFamily="34" charset="0"/>
+              </a:rPr>
+              <a:t>Amazon RDS</a:t>
+            </a:r>
+          </a:p>
+        </p:txBody>
+      </p:sp>
+      <p:sp>
+        <p:nvSpPr>
+          <p:cNvPr id="79" name="TextBox 9">
+            <a:extLst>
+              <a:ext uri="{FF2B5EF4-FFF2-40B4-BE49-F238E27FC236}">
+                <a16:creationId xmlns:a16="http://schemas.microsoft.com/office/drawing/2014/main" id="{ECEF6EB2-299A-4BF0-87D1-E9B8F6EC7CF5}"/>
+              </a:ext>
+            </a:extLst>
+          </p:cNvPr>
+          <p:cNvSpPr txBox="1">
+            <a:spLocks noChangeArrowheads="1"/>
+          </p:cNvSpPr>
+          <p:nvPr/>
+        </p:nvSpPr>
+        <p:spPr bwMode="auto">
+          <a:xfrm>
+            <a:off x="4223805" y="5513131"/>
+            <a:ext cx="1280620" cy="276999"/>
+          </a:xfrm>
+          <a:prstGeom prst="rect">
+            <a:avLst/>
+          </a:prstGeom>
+          <a:noFill/>
+          <a:ln>
+            <a:noFill/>
+          </a:ln>
+          <a:extLst>
+            <a:ext uri="{909E8E84-426E-40DD-AFC4-6F175D3DCCD1}">
+              <a14:hiddenFill xmlns:a14="http://schemas.microsoft.com/office/drawing/2010/main">
+                <a:solidFill>
+                  <a:srgbClr val="FFFFFF"/>
+                </a:solidFill>
+              </a14:hiddenFill>
+            </a:ext>
+            <a:ext uri="{91240B29-F687-4F45-9708-019B960494DF}">
+              <a14:hiddenLine xmlns:a14="http://schemas.microsoft.com/office/drawing/2010/main" w="9525">
+                <a:solidFill>
+                  <a:srgbClr val="000000"/>
+                </a:solidFill>
+                <a:miter lim="800000"/>
+                <a:headEnd/>
+                <a:tailEnd/>
+              </a14:hiddenLine>
+            </a:ext>
+          </a:extLst>
+        </p:spPr>
+        <p:txBody>
+          <a:bodyPr wrap="square">
+            <a:spAutoFit/>
+          </a:bodyPr>
+          <a:lstStyle>
+            <a:lvl1pPr>
+              <a:defRPr>
+                <a:solidFill>
+                  <a:schemeClr val="tx1"/>
+                </a:solidFill>
+                <a:latin typeface="Calibri" panose="020F0502020204030204" pitchFamily="34" charset="0"/>
+              </a:defRPr>
+            </a:lvl1pPr>
+            <a:lvl2pPr marL="742950" indent="-285750">
+              <a:defRPr>
+                <a:solidFill>
+                  <a:schemeClr val="tx1"/>
+                </a:solidFill>
+                <a:latin typeface="Calibri" panose="020F0502020204030204" pitchFamily="34" charset="0"/>
+              </a:defRPr>
+            </a:lvl2pPr>
+            <a:lvl3pPr marL="1143000" indent="-228600">
+              <a:defRPr>
+                <a:solidFill>
+                  <a:schemeClr val="tx1"/>
+                </a:solidFill>
+                <a:latin typeface="Calibri" panose="020F0502020204030204" pitchFamily="34" charset="0"/>
+              </a:defRPr>
+            </a:lvl3pPr>
+            <a:lvl4pPr marL="1600200" indent="-228600">
+              <a:defRPr>
+                <a:solidFill>
+                  <a:schemeClr val="tx1"/>
+                </a:solidFill>
+                <a:latin typeface="Calibri" panose="020F0502020204030204" pitchFamily="34" charset="0"/>
+              </a:defRPr>
+            </a:lvl4pPr>
+            <a:lvl5pPr marL="2057400" indent="-228600">
+              <a:defRPr>
+                <a:solidFill>
+                  <a:schemeClr val="tx1"/>
+                </a:solidFill>
+                <a:latin typeface="Calibri" panose="020F0502020204030204" pitchFamily="34" charset="0"/>
+              </a:defRPr>
+            </a:lvl5pPr>
+            <a:lvl6pPr marL="2514600" indent="-228600" eaLnBrk="0" fontAlgn="base" hangingPunct="0">
+              <a:spcBef>
+                <a:spcPct val="0"/>
+              </a:spcBef>
+              <a:spcAft>
+                <a:spcPct val="0"/>
+              </a:spcAft>
+              <a:defRPr>
+                <a:solidFill>
+                  <a:schemeClr val="tx1"/>
+                </a:solidFill>
+                <a:latin typeface="Calibri" panose="020F0502020204030204" pitchFamily="34" charset="0"/>
+              </a:defRPr>
+            </a:lvl6pPr>
+            <a:lvl7pPr marL="2971800" indent="-228600" eaLnBrk="0" fontAlgn="base" hangingPunct="0">
+              <a:spcBef>
+                <a:spcPct val="0"/>
+              </a:spcBef>
+              <a:spcAft>
+                <a:spcPct val="0"/>
+              </a:spcAft>
+              <a:defRPr>
+                <a:solidFill>
+                  <a:schemeClr val="tx1"/>
+                </a:solidFill>
+                <a:latin typeface="Calibri" panose="020F0502020204030204" pitchFamily="34" charset="0"/>
+              </a:defRPr>
+            </a:lvl7pPr>
+            <a:lvl8pPr marL="3429000" indent="-228600" eaLnBrk="0" fontAlgn="base" hangingPunct="0">
+              <a:spcBef>
+                <a:spcPct val="0"/>
+              </a:spcBef>
+              <a:spcAft>
+                <a:spcPct val="0"/>
+              </a:spcAft>
+              <a:defRPr>
+                <a:solidFill>
+                  <a:schemeClr val="tx1"/>
+                </a:solidFill>
+                <a:latin typeface="Calibri" panose="020F0502020204030204" pitchFamily="34" charset="0"/>
+              </a:defRPr>
+            </a:lvl8pPr>
+            <a:lvl9pPr marL="3886200" indent="-228600" eaLnBrk="0" fontAlgn="base" hangingPunct="0">
+              <a:spcBef>
+                <a:spcPct val="0"/>
+              </a:spcBef>
+              <a:spcAft>
+                <a:spcPct val="0"/>
+              </a:spcAft>
+              <a:defRPr>
+                <a:solidFill>
+                  <a:schemeClr val="tx1"/>
+                </a:solidFill>
+                <a:latin typeface="Calibri" panose="020F0502020204030204" pitchFamily="34" charset="0"/>
+              </a:defRPr>
+            </a:lvl9pPr>
+          </a:lstStyle>
+          <a:p>
+            <a:pPr algn="ctr" eaLnBrk="1" hangingPunct="1"/>
+            <a:r>
+              <a:rPr lang="en-US" altLang="en-US" sz="1200" dirty="0">
+                <a:latin typeface="Arial" panose="020B0604020202020204" pitchFamily="34" charset="0"/>
+                <a:ea typeface="Amazon Ember" panose="020B0603020204020204" pitchFamily="34" charset="0"/>
+                <a:cs typeface="Arial" panose="020B0604020202020204" pitchFamily="34" charset="0"/>
+              </a:rPr>
+              <a:t>Amazon RDS</a:t>
+            </a:r>
+          </a:p>
+        </p:txBody>
+      </p:sp>
+      <p:cxnSp>
+        <p:nvCxnSpPr>
+          <p:cNvPr id="48" name="Connector: Elbow 47">
+            <a:extLst>
+              <a:ext uri="{FF2B5EF4-FFF2-40B4-BE49-F238E27FC236}">
+                <a16:creationId xmlns:a16="http://schemas.microsoft.com/office/drawing/2014/main" id="{E62B75C9-5C93-42AD-88D9-1B7825DD1324}"/>
+              </a:ext>
+            </a:extLst>
+          </p:cNvPr>
+          <p:cNvCxnSpPr>
+            <a:cxnSpLocks/>
+            <a:endCxn id="11" idx="3"/>
+          </p:cNvCxnSpPr>
+          <p:nvPr/>
+        </p:nvCxnSpPr>
+        <p:spPr>
+          <a:xfrm rot="10800000" flipV="1">
+            <a:off x="3251150" y="1992394"/>
+            <a:ext cx="5428374" cy="774760"/>
+          </a:xfrm>
+          <a:prstGeom prst="bentConnector3">
+            <a:avLst>
+              <a:gd name="adj1" fmla="val -8"/>
+            </a:avLst>
           </a:prstGeom>
           <a:ln>
             <a:solidFill>
@@ -7200,36 +7594,31 @@
       </p:cxnSp>
       <p:cxnSp>
         <p:nvCxnSpPr>
-          <p:cNvPr id="88" name="Connector: Elbow 87">
-            <a:extLst>
-              <a:ext uri="{FF2B5EF4-FFF2-40B4-BE49-F238E27FC236}">
-                <a16:creationId xmlns:a16="http://schemas.microsoft.com/office/drawing/2014/main" id="{19EA1355-F097-4F29-8DFD-E9A23332A615}"/>
+          <p:cNvPr id="62" name="Straight Connector 61">
+            <a:extLst>
+              <a:ext uri="{FF2B5EF4-FFF2-40B4-BE49-F238E27FC236}">
+                <a16:creationId xmlns:a16="http://schemas.microsoft.com/office/drawing/2014/main" id="{B97F5415-96DE-49D6-B972-C3176BC3A319}"/>
               </a:ext>
             </a:extLst>
           </p:cNvPr>
           <p:cNvCxnSpPr>
             <a:cxnSpLocks/>
-            <a:stCxn id="29" idx="5"/>
-            <a:endCxn id="52" idx="0"/>
+            <a:stCxn id="6" idx="1"/>
           </p:cNvCxnSpPr>
           <p:nvPr/>
         </p:nvCxnSpPr>
         <p:spPr>
-          <a:xfrm flipH="1">
-            <a:off x="2927350" y="3743325"/>
-            <a:ext cx="3292475" cy="1019215"/>
-          </a:xfrm>
-          <a:prstGeom prst="bentConnector4">
-            <a:avLst>
-              <a:gd name="adj1" fmla="val -61"/>
-              <a:gd name="adj2" fmla="val 50118"/>
-            </a:avLst>
+          <a:xfrm>
+            <a:off x="1275402" y="2122740"/>
+            <a:ext cx="852718" cy="0"/>
+          </a:xfrm>
+          <a:prstGeom prst="line">
+            <a:avLst/>
           </a:prstGeom>
           <a:ln>
             <a:solidFill>
               <a:schemeClr val="tx1"/>
             </a:solidFill>
-            <a:tailEnd type="triangle"/>
           </a:ln>
         </p:spPr>
         <p:style>
@@ -7249,26 +7638,25 @@
       </p:cxnSp>
       <p:cxnSp>
         <p:nvCxnSpPr>
-          <p:cNvPr id="115" name="Straight Arrow Connector 114">
-            <a:extLst>
-              <a:ext uri="{FF2B5EF4-FFF2-40B4-BE49-F238E27FC236}">
-                <a16:creationId xmlns:a16="http://schemas.microsoft.com/office/drawing/2014/main" id="{07916E3D-DA56-4E3C-94F9-6EFB1224AEE3}"/>
+          <p:cNvPr id="80" name="Connector: Elbow 79">
+            <a:extLst>
+              <a:ext uri="{FF2B5EF4-FFF2-40B4-BE49-F238E27FC236}">
+                <a16:creationId xmlns:a16="http://schemas.microsoft.com/office/drawing/2014/main" id="{D81EB592-D51B-4740-9A33-27AC60D73D60}"/>
               </a:ext>
             </a:extLst>
           </p:cNvPr>
           <p:cNvCxnSpPr>
             <a:cxnSpLocks/>
-            <a:stCxn id="29" idx="4"/>
-            <a:endCxn id="57" idx="0"/>
+            <a:endCxn id="9" idx="1"/>
           </p:cNvCxnSpPr>
           <p:nvPr/>
         </p:nvCxnSpPr>
         <p:spPr>
-          <a:xfrm flipH="1">
-            <a:off x="6623983" y="3743011"/>
-            <a:ext cx="393" cy="1017792"/>
-          </a:xfrm>
-          <a:prstGeom prst="straightConnector1">
+          <a:xfrm rot="5400000" flipH="1" flipV="1">
+            <a:off x="1984620" y="1754951"/>
+            <a:ext cx="644886" cy="357768"/>
+          </a:xfrm>
+          <a:prstGeom prst="bentConnector2">
             <a:avLst/>
           </a:prstGeom>
           <a:ln>
@@ -7295,31 +7683,32 @@
       </p:cxnSp>
       <p:cxnSp>
         <p:nvCxnSpPr>
-          <p:cNvPr id="135" name="Straight Connector 134">
-            <a:extLst>
-              <a:ext uri="{FF2B5EF4-FFF2-40B4-BE49-F238E27FC236}">
-                <a16:creationId xmlns:a16="http://schemas.microsoft.com/office/drawing/2014/main" id="{D1C251B1-47B0-4914-9245-88FB992ABCB7}"/>
+          <p:cNvPr id="82" name="Connector: Elbow 81">
+            <a:extLst>
+              <a:ext uri="{FF2B5EF4-FFF2-40B4-BE49-F238E27FC236}">
+                <a16:creationId xmlns:a16="http://schemas.microsoft.com/office/drawing/2014/main" id="{524BBBD4-C8C7-4DB5-ACC4-AEB389DA562C}"/>
               </a:ext>
             </a:extLst>
           </p:cNvPr>
           <p:cNvCxnSpPr>
             <a:cxnSpLocks/>
-            <a:stCxn id="29" idx="3"/>
+            <a:endCxn id="11" idx="1"/>
           </p:cNvCxnSpPr>
           <p:nvPr/>
         </p:nvCxnSpPr>
         <p:spPr>
-          <a:xfrm>
-            <a:off x="6963533" y="3743325"/>
-            <a:ext cx="0" cy="496843"/>
-          </a:xfrm>
-          <a:prstGeom prst="line">
+          <a:xfrm rot="16200000" flipH="1">
+            <a:off x="1986959" y="2264963"/>
+            <a:ext cx="643352" cy="361030"/>
+          </a:xfrm>
+          <a:prstGeom prst="bentConnector2">
             <a:avLst/>
           </a:prstGeom>
           <a:ln>
             <a:solidFill>
               <a:schemeClr val="tx1"/>
             </a:solidFill>
+            <a:tailEnd type="triangle"/>
           </a:ln>
         </p:spPr>
         <p:style>
@@ -7339,23 +7728,334 @@
       </p:cxnSp>
       <p:cxnSp>
         <p:nvCxnSpPr>
-          <p:cNvPr id="139" name="Connector: Elbow 138">
-            <a:extLst>
-              <a:ext uri="{FF2B5EF4-FFF2-40B4-BE49-F238E27FC236}">
-                <a16:creationId xmlns:a16="http://schemas.microsoft.com/office/drawing/2014/main" id="{7D06F541-007B-40F3-8C9D-4500209EAAF3}"/>
+          <p:cNvPr id="103" name="Connector: Elbow 102">
+            <a:extLst>
+              <a:ext uri="{FF2B5EF4-FFF2-40B4-BE49-F238E27FC236}">
+                <a16:creationId xmlns:a16="http://schemas.microsoft.com/office/drawing/2014/main" id="{56791CBE-7469-448F-B927-AD8B73EB7D29}"/>
+              </a:ext>
+            </a:extLst>
+          </p:cNvPr>
+          <p:cNvCxnSpPr>
+            <a:stCxn id="38" idx="2"/>
+            <a:endCxn id="77" idx="0"/>
+          </p:cNvCxnSpPr>
+          <p:nvPr/>
+        </p:nvCxnSpPr>
+        <p:spPr>
+          <a:xfrm rot="5400000">
+            <a:off x="4461528" y="399847"/>
+            <a:ext cx="2787372" cy="5972467"/>
+          </a:xfrm>
+          <a:prstGeom prst="bentConnector3">
+            <a:avLst>
+              <a:gd name="adj1" fmla="val 80755"/>
+            </a:avLst>
+          </a:prstGeom>
+          <a:ln>
+            <a:solidFill>
+              <a:schemeClr val="tx1"/>
+            </a:solidFill>
+            <a:tailEnd type="triangle"/>
+          </a:ln>
+        </p:spPr>
+        <p:style>
+          <a:lnRef idx="1">
+            <a:schemeClr val="accent1"/>
+          </a:lnRef>
+          <a:fillRef idx="0">
+            <a:schemeClr val="accent1"/>
+          </a:fillRef>
+          <a:effectRef idx="0">
+            <a:schemeClr val="accent1"/>
+          </a:effectRef>
+          <a:fontRef idx="minor">
+            <a:schemeClr val="tx1"/>
+          </a:fontRef>
+        </p:style>
+      </p:cxnSp>
+      <p:cxnSp>
+        <p:nvCxnSpPr>
+          <p:cNvPr id="107" name="Straight Connector 106">
+            <a:extLst>
+              <a:ext uri="{FF2B5EF4-FFF2-40B4-BE49-F238E27FC236}">
+                <a16:creationId xmlns:a16="http://schemas.microsoft.com/office/drawing/2014/main" id="{DB494878-E52C-4677-9079-E629EBFC6A26}"/>
               </a:ext>
             </a:extLst>
           </p:cNvPr>
           <p:cNvCxnSpPr>
             <a:cxnSpLocks/>
+          </p:cNvCxnSpPr>
+          <p:nvPr/>
+        </p:nvCxnSpPr>
+        <p:spPr>
+          <a:xfrm>
+            <a:off x="9020175" y="1990725"/>
+            <a:ext cx="0" cy="2372823"/>
+          </a:xfrm>
+          <a:prstGeom prst="line">
+            <a:avLst/>
+          </a:prstGeom>
+          <a:ln>
+            <a:solidFill>
+              <a:schemeClr val="tx1"/>
+            </a:solidFill>
+          </a:ln>
+        </p:spPr>
+        <p:style>
+          <a:lnRef idx="1">
+            <a:schemeClr val="accent1"/>
+          </a:lnRef>
+          <a:fillRef idx="0">
+            <a:schemeClr val="accent1"/>
+          </a:fillRef>
+          <a:effectRef idx="0">
+            <a:schemeClr val="accent1"/>
+          </a:effectRef>
+          <a:fontRef idx="minor">
+            <a:schemeClr val="tx1"/>
+          </a:fontRef>
+        </p:style>
+      </p:cxnSp>
+      <p:cxnSp>
+        <p:nvCxnSpPr>
+          <p:cNvPr id="109" name="Connector: Elbow 108">
+            <a:extLst>
+              <a:ext uri="{FF2B5EF4-FFF2-40B4-BE49-F238E27FC236}">
+                <a16:creationId xmlns:a16="http://schemas.microsoft.com/office/drawing/2014/main" id="{85E4C2E2-D2F2-4C26-8B8B-6DDF22D12BF0}"/>
+              </a:ext>
+            </a:extLst>
+          </p:cNvPr>
+          <p:cNvCxnSpPr>
+            <a:endCxn id="52" idx="0"/>
+          </p:cNvCxnSpPr>
+          <p:nvPr/>
+        </p:nvCxnSpPr>
+        <p:spPr>
+          <a:xfrm rot="10800000" flipV="1">
+            <a:off x="4878198" y="4363548"/>
+            <a:ext cx="4151502" cy="378118"/>
+          </a:xfrm>
+          <a:prstGeom prst="bentConnector2">
+            <a:avLst/>
+          </a:prstGeom>
+          <a:ln>
+            <a:solidFill>
+              <a:schemeClr val="tx1"/>
+            </a:solidFill>
+            <a:tailEnd type="triangle"/>
+          </a:ln>
+        </p:spPr>
+        <p:style>
+          <a:lnRef idx="1">
+            <a:schemeClr val="accent1"/>
+          </a:lnRef>
+          <a:fillRef idx="0">
+            <a:schemeClr val="accent1"/>
+          </a:fillRef>
+          <a:effectRef idx="0">
+            <a:schemeClr val="accent1"/>
+          </a:effectRef>
+          <a:fontRef idx="minor">
+            <a:schemeClr val="tx1"/>
+          </a:fontRef>
+        </p:style>
+      </p:cxnSp>
+      <p:cxnSp>
+        <p:nvCxnSpPr>
+          <p:cNvPr id="112" name="Straight Arrow Connector 111">
+            <a:extLst>
+              <a:ext uri="{FF2B5EF4-FFF2-40B4-BE49-F238E27FC236}">
+                <a16:creationId xmlns:a16="http://schemas.microsoft.com/office/drawing/2014/main" id="{C9CFE558-A3AF-4B1A-8F35-C28D5CAFEECF}"/>
+              </a:ext>
+            </a:extLst>
+          </p:cNvPr>
+          <p:cNvCxnSpPr>
+            <a:endCxn id="57" idx="0"/>
+          </p:cNvCxnSpPr>
+          <p:nvPr/>
+        </p:nvCxnSpPr>
+        <p:spPr>
+          <a:xfrm>
+            <a:off x="7698030" y="4363548"/>
+            <a:ext cx="0" cy="388596"/>
+          </a:xfrm>
+          <a:prstGeom prst="straightConnector1">
+            <a:avLst/>
+          </a:prstGeom>
+          <a:ln>
+            <a:solidFill>
+              <a:schemeClr val="tx1"/>
+            </a:solidFill>
+            <a:tailEnd type="triangle"/>
+          </a:ln>
+        </p:spPr>
+        <p:style>
+          <a:lnRef idx="1">
+            <a:schemeClr val="accent1"/>
+          </a:lnRef>
+          <a:fillRef idx="0">
+            <a:schemeClr val="accent1"/>
+          </a:fillRef>
+          <a:effectRef idx="0">
+            <a:schemeClr val="accent1"/>
+          </a:effectRef>
+          <a:fontRef idx="minor">
+            <a:schemeClr val="tx1"/>
+          </a:fontRef>
+        </p:style>
+      </p:cxnSp>
+      <p:cxnSp>
+        <p:nvCxnSpPr>
+          <p:cNvPr id="114" name="Connector: Elbow 113">
+            <a:extLst>
+              <a:ext uri="{FF2B5EF4-FFF2-40B4-BE49-F238E27FC236}">
+                <a16:creationId xmlns:a16="http://schemas.microsoft.com/office/drawing/2014/main" id="{60F3B32F-57CC-4EC3-979F-74456C2D754F}"/>
+              </a:ext>
+            </a:extLst>
+          </p:cNvPr>
+          <p:cNvCxnSpPr>
             <a:endCxn id="60" idx="0"/>
           </p:cNvCxnSpPr>
           <p:nvPr/>
         </p:nvCxnSpPr>
         <p:spPr>
           <a:xfrm>
-            <a:off x="6963533" y="4240168"/>
-            <a:ext cx="3289623" cy="520635"/>
+            <a:off x="9020175" y="4363548"/>
+            <a:ext cx="1449358" cy="388596"/>
+          </a:xfrm>
+          <a:prstGeom prst="bentConnector2">
+            <a:avLst/>
+          </a:prstGeom>
+          <a:ln>
+            <a:solidFill>
+              <a:schemeClr val="tx1"/>
+            </a:solidFill>
+            <a:tailEnd type="triangle"/>
+          </a:ln>
+        </p:spPr>
+        <p:style>
+          <a:lnRef idx="1">
+            <a:schemeClr val="accent1"/>
+          </a:lnRef>
+          <a:fillRef idx="0">
+            <a:schemeClr val="accent1"/>
+          </a:fillRef>
+          <a:effectRef idx="0">
+            <a:schemeClr val="accent1"/>
+          </a:effectRef>
+          <a:fontRef idx="minor">
+            <a:schemeClr val="tx1"/>
+          </a:fontRef>
+        </p:style>
+      </p:cxnSp>
+      <p:cxnSp>
+        <p:nvCxnSpPr>
+          <p:cNvPr id="128" name="Straight Connector 127">
+            <a:extLst>
+              <a:ext uri="{FF2B5EF4-FFF2-40B4-BE49-F238E27FC236}">
+                <a16:creationId xmlns:a16="http://schemas.microsoft.com/office/drawing/2014/main" id="{CB3A1278-52C9-43FF-A59C-BD6D665C8837}"/>
+              </a:ext>
+            </a:extLst>
+          </p:cNvPr>
+          <p:cNvCxnSpPr>
+            <a:cxnSpLocks/>
+            <a:stCxn id="77" idx="1"/>
+          </p:cNvCxnSpPr>
+          <p:nvPr/>
+        </p:nvCxnSpPr>
+        <p:spPr>
+          <a:xfrm flipH="1">
+            <a:off x="1631476" y="5122666"/>
+            <a:ext cx="894604" cy="11208"/>
+          </a:xfrm>
+          <a:prstGeom prst="line">
+            <a:avLst/>
+          </a:prstGeom>
+          <a:ln>
+            <a:solidFill>
+              <a:schemeClr val="tx1"/>
+            </a:solidFill>
+          </a:ln>
+        </p:spPr>
+        <p:style>
+          <a:lnRef idx="1">
+            <a:schemeClr val="accent1"/>
+          </a:lnRef>
+          <a:fillRef idx="0">
+            <a:schemeClr val="accent1"/>
+          </a:fillRef>
+          <a:effectRef idx="0">
+            <a:schemeClr val="accent1"/>
+          </a:effectRef>
+          <a:fontRef idx="minor">
+            <a:schemeClr val="tx1"/>
+          </a:fontRef>
+        </p:style>
+      </p:cxnSp>
+      <p:cxnSp>
+        <p:nvCxnSpPr>
+          <p:cNvPr id="132" name="Connector: Elbow 131">
+            <a:extLst>
+              <a:ext uri="{FF2B5EF4-FFF2-40B4-BE49-F238E27FC236}">
+                <a16:creationId xmlns:a16="http://schemas.microsoft.com/office/drawing/2014/main" id="{FDD96652-68D1-4691-A099-A503DE3602E6}"/>
+              </a:ext>
+            </a:extLst>
+          </p:cNvPr>
+          <p:cNvCxnSpPr>
+            <a:cxnSpLocks/>
+          </p:cNvCxnSpPr>
+          <p:nvPr/>
+        </p:nvCxnSpPr>
+        <p:spPr>
+          <a:xfrm rot="16200000" flipV="1">
+            <a:off x="1130259" y="4624869"/>
+            <a:ext cx="546384" cy="460417"/>
+          </a:xfrm>
+          <a:prstGeom prst="bentConnector3">
+            <a:avLst>
+              <a:gd name="adj1" fmla="val 100150"/>
+            </a:avLst>
+          </a:prstGeom>
+          <a:ln>
+            <a:solidFill>
+              <a:schemeClr val="tx1"/>
+            </a:solidFill>
+            <a:tailEnd type="triangle"/>
+          </a:ln>
+        </p:spPr>
+        <p:style>
+          <a:lnRef idx="1">
+            <a:schemeClr val="accent1"/>
+          </a:lnRef>
+          <a:fillRef idx="0">
+            <a:schemeClr val="accent1"/>
+          </a:fillRef>
+          <a:effectRef idx="0">
+            <a:schemeClr val="accent1"/>
+          </a:effectRef>
+          <a:fontRef idx="minor">
+            <a:schemeClr val="tx1"/>
+          </a:fontRef>
+        </p:style>
+      </p:cxnSp>
+      <p:cxnSp>
+        <p:nvCxnSpPr>
+          <p:cNvPr id="144" name="Connector: Elbow 143">
+            <a:extLst>
+              <a:ext uri="{FF2B5EF4-FFF2-40B4-BE49-F238E27FC236}">
+                <a16:creationId xmlns:a16="http://schemas.microsoft.com/office/drawing/2014/main" id="{72579F9F-F117-42C3-BFAF-9CCF833C8906}"/>
+              </a:ext>
+            </a:extLst>
+          </p:cNvPr>
+          <p:cNvCxnSpPr>
+            <a:endCxn id="152" idx="3"/>
+          </p:cNvCxnSpPr>
+          <p:nvPr/>
+        </p:nvCxnSpPr>
+        <p:spPr>
+          <a:xfrm rot="5400000">
+            <a:off x="1215067" y="5342635"/>
+            <a:ext cx="625900" cy="206919"/>
           </a:xfrm>
           <a:prstGeom prst="bentConnector2">
             <a:avLst/>
